--- a/labs/WSAA4.1 API consuming with python_ed.pptx
+++ b/labs/WSAA4.1 API consuming with python_ed.pptx
@@ -67,20 +67,17 @@
             <a:noAutofit/>
           </a:bodyPr>
           <a:p>
-            <a:r>
-              <a:rPr b="0" lang="en-US" sz="1800" spc="-1" strike="noStrike">
-                <a:solidFill>
-                  <a:srgbClr val="000000"/>
-                </a:solidFill>
-                <a:latin typeface="Rockwell"/>
+            <a:pPr algn="ctr">
+              <a:buNone/>
+            </a:pPr>
+            <a:r>
+              <a:rPr b="0" lang="en-IE" sz="4400" spc="-1" strike="noStrike">
+                <a:latin typeface="Arial"/>
               </a:rPr>
               <a:t>Click to move the slide</a:t>
             </a:r>
-            <a:endParaRPr b="0" lang="en-US" sz="1800" spc="-1" strike="noStrike">
-              <a:solidFill>
-                <a:srgbClr val="000000"/>
-              </a:solidFill>
-              <a:latin typeface="Rockwell"/>
+            <a:endParaRPr b="0" lang="en-IE" sz="4400" spc="-1" strike="noStrike">
+              <a:latin typeface="Arial"/>
             </a:endParaRPr>
           </a:p>
         </p:txBody>
@@ -302,7 +299,7 @@
             <a:pPr algn="r">
               <a:buNone/>
             </a:pPr>
-            <a:fld id="{78D8ABA7-1B92-4926-9116-A27B7B7574D3}" type="slidenum">
+            <a:fld id="{C9448F70-0490-4856-9E82-1970AFE1AD94}" type="slidenum">
               <a:rPr b="0" lang="en-IE" sz="1400" spc="-1" strike="noStrike">
                 <a:latin typeface="Times New Roman"/>
               </a:rPr>
@@ -350,7 +347,7 @@
         <p:spPr>
           <a:xfrm>
             <a:off x="216000" y="812520"/>
-            <a:ext cx="7127280" cy="4008960"/>
+            <a:ext cx="7126920" cy="4008600"/>
           </a:xfrm>
           <a:prstGeom prst="rect">
             <a:avLst/>
@@ -372,8 +369,8 @@
         </p:nvSpPr>
         <p:spPr>
           <a:xfrm>
-            <a:off x="90000" y="5078520"/>
-            <a:ext cx="7335000" cy="5100120"/>
+            <a:off x="90000" y="4725000"/>
+            <a:ext cx="7334640" cy="5966640"/>
           </a:xfrm>
           <a:prstGeom prst="rect">
             <a:avLst/>
@@ -388,6 +385,12 @@
             <a:noAutofit/>
           </a:bodyPr>
           <a:p>
+            <a:pPr marL="216000" indent="-216000">
+              <a:lnSpc>
+                <a:spcPct val="100000"/>
+              </a:lnSpc>
+              <a:buNone/>
+            </a:pPr>
             <a:r>
               <a:rPr b="0" lang="en-IE" sz="1600" spc="-1" strike="noStrike">
                 <a:latin typeface="Arial"/>
@@ -399,6 +402,12 @@
             </a:endParaRPr>
           </a:p>
           <a:p>
+            <a:pPr marL="216000" indent="-216000">
+              <a:lnSpc>
+                <a:spcPct val="100000"/>
+              </a:lnSpc>
+              <a:buNone/>
+            </a:pPr>
             <a:r>
               <a:rPr b="0" lang="en-IE" sz="1600" spc="-1" strike="noStrike">
                 <a:latin typeface="Arial"/>
@@ -410,8 +419,18 @@
             </a:endParaRPr>
           </a:p>
           <a:p>
-            <a:r>
-              <a:rPr b="0" lang="en-IE" sz="1800" spc="-1" strike="noStrike">
+            <a:pPr marL="216000" indent="-216000">
+              <a:lnSpc>
+                <a:spcPct val="100000"/>
+              </a:lnSpc>
+              <a:buNone/>
+            </a:pPr>
+            <a:r>
+              <a:rPr b="0" lang="en-IE" sz="1800" spc="-1" strike="noStrike" u="sng">
+                <a:solidFill>
+                  <a:srgbClr val="000000"/>
+                </a:solidFill>
+                <a:uFillTx/>
                 <a:latin typeface="Arial"/>
                 <a:hlinkClick r:id="rId1"/>
               </a:rPr>
@@ -422,11 +441,44 @@
             </a:endParaRPr>
           </a:p>
           <a:p>
+            <a:pPr marL="216000" indent="-216000">
+              <a:lnSpc>
+                <a:spcPct val="100000"/>
+              </a:lnSpc>
+              <a:buNone/>
+            </a:pPr>
+            <a:r>
+              <a:rPr b="0" lang="en-IE" sz="1800" spc="-1" strike="noStrike" u="sng">
+                <a:solidFill>
+                  <a:srgbClr val="000000"/>
+                </a:solidFill>
+                <a:uFillTx/>
+                <a:latin typeface="Arial"/>
+              </a:rPr>
+              <a:t>https://github.com/psf/requests</a:t>
+            </a:r>
+            <a:endParaRPr b="0" lang="en-IE" sz="1800" spc="-1" strike="noStrike">
+              <a:latin typeface="Arial"/>
+            </a:endParaRPr>
+          </a:p>
+          <a:p>
+            <a:pPr marL="216000" indent="-216000">
+              <a:lnSpc>
+                <a:spcPct val="100000"/>
+              </a:lnSpc>
+              <a:buNone/>
+            </a:pPr>
             <a:endParaRPr b="0" lang="en-IE" sz="2000" spc="-1" strike="noStrike">
               <a:latin typeface="Arial"/>
             </a:endParaRPr>
           </a:p>
           <a:p>
+            <a:pPr marL="216000" indent="-216000">
+              <a:lnSpc>
+                <a:spcPct val="100000"/>
+              </a:lnSpc>
+              <a:buNone/>
+            </a:pPr>
             <a:r>
               <a:rPr b="0" lang="en-IE" sz="1600" spc="-1" strike="noStrike">
                 <a:latin typeface="Arial"/>
@@ -438,147 +490,423 @@
             </a:endParaRPr>
           </a:p>
           <a:p>
+            <a:pPr marL="216000" indent="-216000">
+              <a:lnSpc>
+                <a:spcPct val="100000"/>
+              </a:lnSpc>
+              <a:buNone/>
+            </a:pPr>
+            <a:r>
+              <a:rPr b="0" lang="en-IE" sz="1600" spc="-1" strike="noStrike" u="sng">
+                <a:solidFill>
+                  <a:srgbClr val="000000"/>
+                </a:solidFill>
+                <a:uFillTx/>
+                <a:latin typeface="Arial"/>
+                <a:hlinkClick r:id="rId2"/>
+              </a:rPr>
+              <a:t>https://realpython.com/python-requests/</a:t>
+            </a:r>
+            <a:endParaRPr b="0" lang="en-IE" sz="1600" spc="-1" strike="noStrike">
+              <a:latin typeface="Arial"/>
+            </a:endParaRPr>
+          </a:p>
+          <a:p>
+            <a:pPr marL="216000" indent="-216000">
+              <a:lnSpc>
+                <a:spcPct val="100000"/>
+              </a:lnSpc>
+              <a:buNone/>
+            </a:pPr>
+            <a:endParaRPr b="0" lang="en-IE" sz="1800" spc="-1" strike="noStrike">
+              <a:latin typeface="Arial"/>
+            </a:endParaRPr>
+          </a:p>
+          <a:p>
+            <a:pPr marL="216000" indent="-216000">
+              <a:lnSpc>
+                <a:spcPct val="100000"/>
+              </a:lnSpc>
+              <a:buNone/>
+            </a:pPr>
             <a:r>
               <a:rPr b="0" lang="en-IE" sz="1600" spc="-1" strike="noStrike">
                 <a:latin typeface="Arial"/>
-                <a:hlinkClick r:id="rId2"/>
-              </a:rPr>
-              <a:t>https://realpython.com/python-requests/</a:t>
+              </a:rPr>
+              <a:t>urllib</a:t>
             </a:r>
             <a:endParaRPr b="0" lang="en-IE" sz="1600" spc="-1" strike="noStrike">
               <a:latin typeface="Arial"/>
             </a:endParaRPr>
           </a:p>
           <a:p>
-            <a:endParaRPr b="0" lang="en-IE" sz="1800" spc="-1" strike="noStrike">
-              <a:latin typeface="Arial"/>
-            </a:endParaRPr>
-          </a:p>
-          <a:p>
+            <a:pPr marL="216000" indent="-216000">
+              <a:lnSpc>
+                <a:spcPct val="100000"/>
+              </a:lnSpc>
+              <a:buNone/>
+            </a:pPr>
             <a:r>
               <a:rPr b="0" lang="en-IE" sz="1600" spc="-1" strike="noStrike">
                 <a:latin typeface="Arial"/>
               </a:rPr>
-              <a:t>urllib</a:t>
+              <a:t>urllib — URL handling modules</a:t>
             </a:r>
             <a:endParaRPr b="0" lang="en-IE" sz="1600" spc="-1" strike="noStrike">
               <a:latin typeface="Arial"/>
             </a:endParaRPr>
           </a:p>
           <a:p>
+            <a:pPr marL="216000" indent="-216000">
+              <a:lnSpc>
+                <a:spcPct val="100000"/>
+              </a:lnSpc>
+              <a:buNone/>
+            </a:pPr>
+            <a:r>
+              <a:rPr b="0" lang="en-IE" sz="1800" spc="-1" strike="noStrike" u="sng">
+                <a:solidFill>
+                  <a:srgbClr val="000000"/>
+                </a:solidFill>
+                <a:uFillTx/>
+                <a:latin typeface="Arial"/>
+                <a:hlinkClick r:id="rId3"/>
+              </a:rPr>
+              <a:t>https://docs.python.org/3/library/urllib.html</a:t>
+            </a:r>
+            <a:endParaRPr b="0" lang="en-IE" sz="1800" spc="-1" strike="noStrike">
+              <a:latin typeface="Arial"/>
+            </a:endParaRPr>
+          </a:p>
+          <a:p>
+            <a:pPr marL="216000" indent="-216000">
+              <a:lnSpc>
+                <a:spcPct val="100000"/>
+              </a:lnSpc>
+              <a:buNone/>
+            </a:pPr>
+            <a:endParaRPr b="0" lang="en-IE" sz="2000" spc="-1" strike="noStrike">
+              <a:latin typeface="Arial"/>
+            </a:endParaRPr>
+          </a:p>
+          <a:p>
+            <a:pPr marL="216000" indent="-216000">
+              <a:lnSpc>
+                <a:spcPct val="100000"/>
+              </a:lnSpc>
+              <a:buNone/>
+            </a:pPr>
             <a:r>
               <a:rPr b="0" lang="en-IE" sz="1600" spc="-1" strike="noStrike">
                 <a:latin typeface="Arial"/>
               </a:rPr>
-              <a:t>urllib — URL handling modules</a:t>
+              <a:t>Datasources</a:t>
             </a:r>
             <a:endParaRPr b="0" lang="en-IE" sz="1600" spc="-1" strike="noStrike">
               <a:latin typeface="Arial"/>
             </a:endParaRPr>
           </a:p>
           <a:p>
-            <a:r>
-              <a:rPr b="0" lang="en-IE" sz="1800" spc="-1" strike="noStrike">
-                <a:latin typeface="Arial"/>
-                <a:hlinkClick r:id="rId3"/>
-              </a:rPr>
-              <a:t>https://docs.python.org/3/library/urllib.html</a:t>
-            </a:r>
-            <a:endParaRPr b="0" lang="en-IE" sz="1800" spc="-1" strike="noStrike">
-              <a:latin typeface="Arial"/>
-            </a:endParaRPr>
-          </a:p>
-          <a:p>
-            <a:endParaRPr b="0" lang="en-IE" sz="2000" spc="-1" strike="noStrike">
-              <a:latin typeface="Arial"/>
-            </a:endParaRPr>
-          </a:p>
-          <a:p>
+            <a:pPr marL="216000" indent="-216000">
+              <a:lnSpc>
+                <a:spcPct val="100000"/>
+              </a:lnSpc>
+              <a:buNone/>
+            </a:pPr>
             <a:r>
               <a:rPr b="0" lang="en-IE" sz="1600" spc="-1" strike="noStrike">
                 <a:latin typeface="Arial"/>
               </a:rPr>
-              <a:t>Datasources</a:t>
+              <a:t>Data.gov.ie</a:t>
             </a:r>
             <a:endParaRPr b="0" lang="en-IE" sz="1600" spc="-1" strike="noStrike">
               <a:latin typeface="Arial"/>
             </a:endParaRPr>
           </a:p>
           <a:p>
+            <a:pPr marL="216000" indent="-216000">
+              <a:lnSpc>
+                <a:spcPct val="100000"/>
+              </a:lnSpc>
+              <a:buNone/>
+            </a:pPr>
+            <a:r>
+              <a:rPr b="0" lang="en-IE" sz="1600" spc="-1" strike="noStrike" u="sng">
+                <a:solidFill>
+                  <a:srgbClr val="000000"/>
+                </a:solidFill>
+                <a:uFillTx/>
+                <a:latin typeface="Arial"/>
+                <a:hlinkClick r:id="rId4"/>
+              </a:rPr>
+              <a:t>https://data.gov.ie/</a:t>
+            </a:r>
+            <a:endParaRPr b="0" lang="en-IE" sz="1600" spc="-1" strike="noStrike">
+              <a:latin typeface="Arial"/>
+            </a:endParaRPr>
+          </a:p>
+          <a:p>
+            <a:pPr marL="216000" indent="-216000">
+              <a:lnSpc>
+                <a:spcPct val="100000"/>
+              </a:lnSpc>
+              <a:buNone/>
+            </a:pPr>
+            <a:endParaRPr b="0" lang="en-IE" sz="1800" spc="-1" strike="noStrike">
+              <a:latin typeface="Arial"/>
+            </a:endParaRPr>
+          </a:p>
+          <a:p>
+            <a:pPr marL="216000" indent="-216000">
+              <a:lnSpc>
+                <a:spcPct val="100000"/>
+              </a:lnSpc>
+              <a:buNone/>
+            </a:pPr>
             <a:r>
               <a:rPr b="0" lang="en-IE" sz="1600" spc="-1" strike="noStrike">
                 <a:latin typeface="Arial"/>
               </a:rPr>
-              <a:t>Data.gov.ie</a:t>
+              <a:t>Home - CSO - Central Statistics Office</a:t>
             </a:r>
             <a:endParaRPr b="0" lang="en-IE" sz="1600" spc="-1" strike="noStrike">
               <a:latin typeface="Arial"/>
             </a:endParaRPr>
           </a:p>
           <a:p>
+            <a:pPr marL="216000" indent="-216000">
+              <a:lnSpc>
+                <a:spcPct val="100000"/>
+              </a:lnSpc>
+              <a:buNone/>
+            </a:pPr>
+            <a:r>
+              <a:rPr b="0" lang="en-IE" sz="2000" spc="-1" strike="noStrike" u="sng">
+                <a:solidFill>
+                  <a:srgbClr val="000000"/>
+                </a:solidFill>
+                <a:uFillTx/>
+                <a:latin typeface="Arial"/>
+                <a:hlinkClick r:id="rId5"/>
+              </a:rPr>
+              <a:t>https://www.cso.ie/en/index.html</a:t>
+            </a:r>
+            <a:endParaRPr b="0" lang="en-IE" sz="2000" spc="-1" strike="noStrike">
+              <a:latin typeface="Arial"/>
+            </a:endParaRPr>
+          </a:p>
+          <a:p>
+            <a:pPr marL="216000" indent="-216000">
+              <a:lnSpc>
+                <a:spcPct val="100000"/>
+              </a:lnSpc>
+              <a:buNone/>
+            </a:pPr>
+            <a:endParaRPr b="0" lang="en-IE" sz="2000" spc="-1" strike="noStrike">
+              <a:latin typeface="Arial"/>
+            </a:endParaRPr>
+          </a:p>
+          <a:p>
+            <a:pPr marL="216000" indent="-216000">
+              <a:lnSpc>
+                <a:spcPct val="100000"/>
+              </a:lnSpc>
+              <a:buNone/>
+            </a:pPr>
             <a:r>
               <a:rPr b="0" lang="en-IE" sz="1600" spc="-1" strike="noStrike">
                 <a:latin typeface="Arial"/>
-                <a:hlinkClick r:id="rId4"/>
-              </a:rPr>
-              <a:t>https://data.gov.ie/</a:t>
+              </a:rPr>
+              <a:t>Link to a CSO dataset that will help you with the assignment</a:t>
             </a:r>
             <a:endParaRPr b="0" lang="en-IE" sz="1600" spc="-1" strike="noStrike">
               <a:latin typeface="Arial"/>
             </a:endParaRPr>
           </a:p>
           <a:p>
-            <a:endParaRPr b="0" lang="en-IE" sz="1800" spc="-1" strike="noStrike">
-              <a:latin typeface="Arial"/>
-            </a:endParaRPr>
-          </a:p>
-          <a:p>
+            <a:pPr marL="216000" indent="-216000">
+              <a:lnSpc>
+                <a:spcPct val="100000"/>
+              </a:lnSpc>
+              <a:buNone/>
+            </a:pPr>
             <a:r>
               <a:rPr b="0" lang="en-IE" sz="1600" spc="-1" strike="noStrike">
                 <a:latin typeface="Arial"/>
               </a:rPr>
-              <a:t>Home - CSO - Central Statistics Office</a:t>
+              <a:t>https://ws.cso.ie/public/api.restful/PxStat.Data.Cube_API.ReadDataset/FIQ02/JSON-stat/2.0/en</a:t>
             </a:r>
             <a:endParaRPr b="0" lang="en-IE" sz="1600" spc="-1" strike="noStrike">
               <a:latin typeface="Arial"/>
             </a:endParaRPr>
           </a:p>
+        </p:txBody>
+      </p:sp>
+    </p:spTree>
+  </p:cSld>
+</p:notes>
+</file>
+
+<file path=ppt/notesSlides/notesSlide5.xml><?xml version="1.0" encoding="utf-8"?>
+<p:notes xmlns:a="http://schemas.openxmlformats.org/drawingml/2006/main" xmlns:p="http://schemas.openxmlformats.org/presentationml/2006/main" xmlns:r="http://schemas.openxmlformats.org/officeDocument/2006/relationships" xmlns:p14="http://schemas.microsoft.com/office/powerpoint/2010/main" xmlns:p15="http://schemas.microsoft.com/office/powerpoint/2012/main" xmlns:mc="http://schemas.openxmlformats.org/markup-compatibility/2006">
+  <p:cSld>
+    <p:spTree>
+      <p:nvGrpSpPr>
+        <p:cNvPr id="1" name=""/>
+        <p:cNvGrpSpPr/>
+        <p:nvPr/>
+      </p:nvGrpSpPr>
+      <p:grpSpPr>
+        <a:xfrm>
+          <a:off x="0" y="0"/>
+          <a:ext cx="0" cy="0"/>
+          <a:chOff x="0" y="0"/>
+          <a:chExt cx="0" cy="0"/>
+        </a:xfrm>
+      </p:grpSpPr>
+      <p:sp>
+        <p:nvSpPr>
+          <p:cNvPr id="151" name="PlaceHolder 1"/>
+          <p:cNvSpPr>
+            <a:spLocks noGrp="1"/>
+          </p:cNvSpPr>
+          <p:nvPr>
+            <p:ph type="sldImg"/>
+          </p:nvPr>
+        </p:nvSpPr>
+        <p:spPr>
+          <a:xfrm>
+            <a:off x="216000" y="812520"/>
+            <a:ext cx="7127280" cy="4008960"/>
+          </a:xfrm>
+          <a:prstGeom prst="rect">
+            <a:avLst/>
+          </a:prstGeom>
+          <a:ln w="0">
+            <a:noFill/>
+          </a:ln>
+        </p:spPr>
+      </p:sp>
+      <p:sp>
+        <p:nvSpPr>
+          <p:cNvPr id="152" name="PlaceHolder 2"/>
+          <p:cNvSpPr>
+            <a:spLocks noGrp="1"/>
+          </p:cNvSpPr>
+          <p:nvPr>
+            <p:ph type="body"/>
+          </p:nvPr>
+        </p:nvSpPr>
+        <p:spPr>
+          <a:xfrm>
+            <a:off x="755640" y="5078520"/>
+            <a:ext cx="6047280" cy="4810680"/>
+          </a:xfrm>
+          <a:prstGeom prst="rect">
+            <a:avLst/>
+          </a:prstGeom>
+          <a:noFill/>
+          <a:ln w="0">
+            <a:noFill/>
+          </a:ln>
+        </p:spPr>
+        <p:txBody>
+          <a:bodyPr lIns="0" rIns="0" tIns="0" bIns="0" anchor="t">
+            <a:noAutofit/>
+          </a:bodyPr>
           <a:p>
             <a:r>
               <a:rPr b="0" lang="en-IE" sz="2000" spc="-1" strike="noStrike">
                 <a:latin typeface="Arial"/>
-                <a:hlinkClick r:id="rId5"/>
-              </a:rPr>
-              <a:t>https://www.cso.ie/en/index.html</a:t>
+              </a:rPr>
+              <a:t>I'd like them to be created as functions, and the reason I do that is so that you can separate out the path that is retrieving the data from the server from the part of your programme that analyses the data.So after you have implemented all the causes functions you can then use one or two of them or whichever ones you need to get the average price of all the books.</a:t>
             </a:r>
             <a:endParaRPr b="0" lang="en-IE" sz="2000" spc="-1" strike="noStrike">
               <a:latin typeface="Arial"/>
             </a:endParaRPr>
           </a:p>
-          <a:p>
+        </p:txBody>
+      </p:sp>
+    </p:spTree>
+  </p:cSld>
+</p:notes>
+</file>
+
+<file path=ppt/notesSlides/notesSlide7.xml><?xml version="1.0" encoding="utf-8"?>
+<p:notes xmlns:a="http://schemas.openxmlformats.org/drawingml/2006/main" xmlns:p="http://schemas.openxmlformats.org/presentationml/2006/main" xmlns:r="http://schemas.openxmlformats.org/officeDocument/2006/relationships" xmlns:p14="http://schemas.microsoft.com/office/powerpoint/2010/main" xmlns:p15="http://schemas.microsoft.com/office/powerpoint/2012/main" xmlns:mc="http://schemas.openxmlformats.org/markup-compatibility/2006">
+  <p:cSld>
+    <p:spTree>
+      <p:nvGrpSpPr>
+        <p:cNvPr id="1" name=""/>
+        <p:cNvGrpSpPr/>
+        <p:nvPr/>
+      </p:nvGrpSpPr>
+      <p:grpSpPr>
+        <a:xfrm>
+          <a:off x="0" y="0"/>
+          <a:ext cx="0" cy="0"/>
+          <a:chOff x="0" y="0"/>
+          <a:chExt cx="0" cy="0"/>
+        </a:xfrm>
+      </p:grpSpPr>
+      <p:sp>
+        <p:nvSpPr>
+          <p:cNvPr id="153" name="PlaceHolder 1"/>
+          <p:cNvSpPr>
+            <a:spLocks noGrp="1"/>
+          </p:cNvSpPr>
+          <p:nvPr>
+            <p:ph type="sldImg"/>
+          </p:nvPr>
+        </p:nvSpPr>
+        <p:spPr>
+          <a:xfrm>
+            <a:off x="216000" y="812520"/>
+            <a:ext cx="7127280" cy="4008960"/>
+          </a:xfrm>
+          <a:prstGeom prst="rect">
+            <a:avLst/>
+          </a:prstGeom>
+          <a:ln w="0">
+            <a:noFill/>
+          </a:ln>
+        </p:spPr>
+      </p:sp>
+      <p:sp>
+        <p:nvSpPr>
+          <p:cNvPr id="154" name="PlaceHolder 2"/>
+          <p:cNvSpPr>
+            <a:spLocks noGrp="1"/>
+          </p:cNvSpPr>
+          <p:nvPr>
+            <p:ph type="body"/>
+          </p:nvPr>
+        </p:nvSpPr>
+        <p:spPr>
+          <a:xfrm>
+            <a:off x="755640" y="5078520"/>
+            <a:ext cx="6047280" cy="4810680"/>
+          </a:xfrm>
+          <a:prstGeom prst="rect">
+            <a:avLst/>
+          </a:prstGeom>
+          <a:noFill/>
+          <a:ln w="0">
+            <a:noFill/>
+          </a:ln>
+        </p:spPr>
+        <p:txBody>
+          <a:bodyPr lIns="0" rIns="0" tIns="0" bIns="0" anchor="t">
+            <a:noAutofit/>
+          </a:bodyPr>
+          <a:p>
+            <a:r>
+              <a:rPr b="0" lang="en-IE" sz="2000" spc="-1" strike="noStrike">
+                <a:latin typeface="Arial"/>
+              </a:rPr>
+              <a:t>So as you can see, you can write your own code to interact with some server and through their API, and it's a good idea to put that into a module to have it separate. So when you do analysis you don't have to worry about doing all the requests. All the rest you can just think of your dictionary object. There's another reason by the way, for putting into DAO is let's say your data source changes, let's say now getting it from a database. You can do the same analysis if it's coming from a database, or whether it's coming from some API or wherever it's coming from. So it basically just separates out your brain so you can think about retrieving data and you can think about analysing data.</a:t>
+            </a:r>
             <a:endParaRPr b="0" lang="en-IE" sz="2000" spc="-1" strike="noStrike">
-              <a:latin typeface="Arial"/>
-            </a:endParaRPr>
-          </a:p>
-          <a:p>
-            <a:r>
-              <a:rPr b="0" lang="en-IE" sz="1600" spc="-1" strike="noStrike">
-                <a:latin typeface="Arial"/>
-              </a:rPr>
-              <a:t>Link to a CSO dataset that will help you with the assignment</a:t>
-            </a:r>
-            <a:endParaRPr b="0" lang="en-IE" sz="1600" spc="-1" strike="noStrike">
-              <a:latin typeface="Arial"/>
-            </a:endParaRPr>
-          </a:p>
-          <a:p>
-            <a:r>
-              <a:rPr b="0" lang="en-IE" sz="1600" spc="-1" strike="noStrike">
-                <a:latin typeface="Arial"/>
-              </a:rPr>
-              <a:t>https://ws.cso.ie/public/api.restful/PxStat.Data.Cube_API.ReadDataset/FIQ02/JSON-stat/2.0/en</a:t>
-            </a:r>
-            <a:endParaRPr b="0" lang="en-IE" sz="1600" spc="-1" strike="noStrike">
               <a:latin typeface="Arial"/>
             </a:endParaRPr>
           </a:p>
@@ -613,7 +941,7 @@
             <a:spLocks noGrp="1"/>
           </p:cNvSpPr>
           <p:nvPr>
-            <p:ph type="ftr" idx="2"/>
+            <p:ph type="ftr" idx="1"/>
           </p:nvPr>
         </p:nvSpPr>
         <p:spPr/>
@@ -633,14 +961,14 @@
             <a:spLocks noGrp="1"/>
           </p:cNvSpPr>
           <p:nvPr>
-            <p:ph type="sldNum" idx="3"/>
+            <p:ph type="sldNum" idx="2"/>
           </p:nvPr>
         </p:nvSpPr>
         <p:spPr/>
         <p:txBody>
           <a:bodyPr/>
           <a:p>
-            <a:fld id="{7CA1DE0C-1116-4372-980C-F99CC6F1825B}" type="slidenum">
+            <a:fld id="{3A9C1AB9-68FE-46CC-9185-1D6E512019A5}" type="slidenum">
               <a:t>&lt;#&gt;</a:t>
             </a:fld>
           </a:p>
@@ -653,7 +981,7 @@
             <a:spLocks noGrp="1"/>
           </p:cNvSpPr>
           <p:nvPr>
-            <p:ph type="dt" idx="1"/>
+            <p:ph type="dt" idx="3"/>
           </p:nvPr>
         </p:nvSpPr>
         <p:spPr/>
@@ -701,8 +1029,8 @@
         </p:nvSpPr>
         <p:spPr>
           <a:xfrm>
-            <a:off x="1069920" y="484560"/>
-            <a:ext cx="10058040" cy="1608840"/>
+            <a:off x="609480" y="273600"/>
+            <a:ext cx="10972440" cy="1144800"/>
           </a:xfrm>
           <a:prstGeom prst="rect">
             <a:avLst/>
@@ -717,11 +1045,11 @@
             <a:noAutofit/>
           </a:bodyPr>
           <a:p>
-            <a:endParaRPr b="0" lang="en-US" sz="1800" spc="-1" strike="noStrike">
-              <a:solidFill>
-                <a:srgbClr val="000000"/>
-              </a:solidFill>
-              <a:latin typeface="Rockwell"/>
+            <a:pPr algn="ctr">
+              <a:buNone/>
+            </a:pPr>
+            <a:endParaRPr b="0" lang="en-IE" sz="4400" spc="-1" strike="noStrike">
+              <a:latin typeface="Arial"/>
             </a:endParaRPr>
           </a:p>
         </p:txBody>
@@ -738,8 +1066,8 @@
         </p:nvSpPr>
         <p:spPr>
           <a:xfrm>
-            <a:off x="1069920" y="2121480"/>
-            <a:ext cx="10058040" cy="1931760"/>
+            <a:off x="609480" y="1604520"/>
+            <a:ext cx="10972440" cy="1896840"/>
           </a:xfrm>
           <a:prstGeom prst="rect">
             <a:avLst/>
@@ -754,20 +1082,8 @@
             <a:normAutofit/>
           </a:bodyPr>
           <a:p>
-            <a:pPr>
-              <a:lnSpc>
-                <a:spcPct val="90000"/>
-              </a:lnSpc>
-              <a:spcBef>
-                <a:spcPts val="1417"/>
-              </a:spcBef>
-              <a:buNone/>
-            </a:pPr>
-            <a:endParaRPr b="0" lang="en-US" sz="2000" spc="-1" strike="noStrike">
-              <a:solidFill>
-                <a:srgbClr val="000000"/>
-              </a:solidFill>
-              <a:latin typeface="Rockwell"/>
+            <a:endParaRPr b="0" lang="en-IE" sz="3200" spc="-1" strike="noStrike">
+              <a:latin typeface="Arial"/>
             </a:endParaRPr>
           </a:p>
         </p:txBody>
@@ -784,8 +1100,8 @@
         </p:nvSpPr>
         <p:spPr>
           <a:xfrm>
-            <a:off x="1069920" y="4237200"/>
-            <a:ext cx="10058040" cy="1931760"/>
+            <a:off x="609480" y="3682080"/>
+            <a:ext cx="10972440" cy="1896840"/>
           </a:xfrm>
           <a:prstGeom prst="rect">
             <a:avLst/>
@@ -800,20 +1116,8 @@
             <a:normAutofit/>
           </a:bodyPr>
           <a:p>
-            <a:pPr>
-              <a:lnSpc>
-                <a:spcPct val="90000"/>
-              </a:lnSpc>
-              <a:spcBef>
-                <a:spcPts val="1417"/>
-              </a:spcBef>
-              <a:buNone/>
-            </a:pPr>
-            <a:endParaRPr b="0" lang="en-US" sz="2000" spc="-1" strike="noStrike">
-              <a:solidFill>
-                <a:srgbClr val="000000"/>
-              </a:solidFill>
-              <a:latin typeface="Rockwell"/>
+            <a:endParaRPr b="0" lang="en-IE" sz="3200" spc="-1" strike="noStrike">
+              <a:latin typeface="Arial"/>
             </a:endParaRPr>
           </a:p>
         </p:txBody>
@@ -825,7 +1129,7 @@
             <a:spLocks noGrp="1"/>
           </p:cNvSpPr>
           <p:nvPr>
-            <p:ph type="ftr" idx="2"/>
+            <p:ph type="ftr" idx="1"/>
           </p:nvPr>
         </p:nvSpPr>
         <p:spPr/>
@@ -845,14 +1149,14 @@
             <a:spLocks noGrp="1"/>
           </p:cNvSpPr>
           <p:nvPr>
-            <p:ph type="sldNum" idx="3"/>
+            <p:ph type="sldNum" idx="2"/>
           </p:nvPr>
         </p:nvSpPr>
         <p:spPr/>
         <p:txBody>
           <a:bodyPr/>
           <a:p>
-            <a:fld id="{0C8D0ECB-0A4C-47F2-B0A6-6E43E0485E7A}" type="slidenum">
+            <a:fld id="{A5D278DC-B9C4-4DA3-B4A4-85D0239DC89C}" type="slidenum">
               <a:t>&lt;#&gt;</a:t>
             </a:fld>
           </a:p>
@@ -865,7 +1169,7 @@
             <a:spLocks noGrp="1"/>
           </p:cNvSpPr>
           <p:nvPr>
-            <p:ph type="dt" idx="1"/>
+            <p:ph type="dt" idx="3"/>
           </p:nvPr>
         </p:nvSpPr>
         <p:spPr/>
@@ -913,8 +1217,8 @@
         </p:nvSpPr>
         <p:spPr>
           <a:xfrm>
-            <a:off x="1069920" y="484560"/>
-            <a:ext cx="10058040" cy="1608840"/>
+            <a:off x="609480" y="273600"/>
+            <a:ext cx="10972440" cy="1144800"/>
           </a:xfrm>
           <a:prstGeom prst="rect">
             <a:avLst/>
@@ -929,11 +1233,11 @@
             <a:noAutofit/>
           </a:bodyPr>
           <a:p>
-            <a:endParaRPr b="0" lang="en-US" sz="1800" spc="-1" strike="noStrike">
-              <a:solidFill>
-                <a:srgbClr val="000000"/>
-              </a:solidFill>
-              <a:latin typeface="Rockwell"/>
+            <a:pPr algn="ctr">
+              <a:buNone/>
+            </a:pPr>
+            <a:endParaRPr b="0" lang="en-IE" sz="4400" spc="-1" strike="noStrike">
+              <a:latin typeface="Arial"/>
             </a:endParaRPr>
           </a:p>
         </p:txBody>
@@ -950,8 +1254,8 @@
         </p:nvSpPr>
         <p:spPr>
           <a:xfrm>
-            <a:off x="1069920" y="2121480"/>
-            <a:ext cx="4908240" cy="1931760"/>
+            <a:off x="609480" y="1604520"/>
+            <a:ext cx="5354280" cy="1896840"/>
           </a:xfrm>
           <a:prstGeom prst="rect">
             <a:avLst/>
@@ -966,20 +1270,8 @@
             <a:normAutofit/>
           </a:bodyPr>
           <a:p>
-            <a:pPr>
-              <a:lnSpc>
-                <a:spcPct val="90000"/>
-              </a:lnSpc>
-              <a:spcBef>
-                <a:spcPts val="1417"/>
-              </a:spcBef>
-              <a:buNone/>
-            </a:pPr>
-            <a:endParaRPr b="0" lang="en-US" sz="2000" spc="-1" strike="noStrike">
-              <a:solidFill>
-                <a:srgbClr val="000000"/>
-              </a:solidFill>
-              <a:latin typeface="Rockwell"/>
+            <a:endParaRPr b="0" lang="en-IE" sz="3200" spc="-1" strike="noStrike">
+              <a:latin typeface="Arial"/>
             </a:endParaRPr>
           </a:p>
         </p:txBody>
@@ -996,8 +1288,8 @@
         </p:nvSpPr>
         <p:spPr>
           <a:xfrm>
-            <a:off x="6224040" y="2121480"/>
-            <a:ext cx="4908240" cy="1931760"/>
+            <a:off x="6231960" y="1604520"/>
+            <a:ext cx="5354280" cy="1896840"/>
           </a:xfrm>
           <a:prstGeom prst="rect">
             <a:avLst/>
@@ -1012,20 +1304,8 @@
             <a:normAutofit/>
           </a:bodyPr>
           <a:p>
-            <a:pPr>
-              <a:lnSpc>
-                <a:spcPct val="90000"/>
-              </a:lnSpc>
-              <a:spcBef>
-                <a:spcPts val="1417"/>
-              </a:spcBef>
-              <a:buNone/>
-            </a:pPr>
-            <a:endParaRPr b="0" lang="en-US" sz="2000" spc="-1" strike="noStrike">
-              <a:solidFill>
-                <a:srgbClr val="000000"/>
-              </a:solidFill>
-              <a:latin typeface="Rockwell"/>
+            <a:endParaRPr b="0" lang="en-IE" sz="3200" spc="-1" strike="noStrike">
+              <a:latin typeface="Arial"/>
             </a:endParaRPr>
           </a:p>
         </p:txBody>
@@ -1042,8 +1322,8 @@
         </p:nvSpPr>
         <p:spPr>
           <a:xfrm>
-            <a:off x="1069920" y="4237200"/>
-            <a:ext cx="4908240" cy="1931760"/>
+            <a:off x="609480" y="3682080"/>
+            <a:ext cx="5354280" cy="1896840"/>
           </a:xfrm>
           <a:prstGeom prst="rect">
             <a:avLst/>
@@ -1058,20 +1338,8 @@
             <a:normAutofit/>
           </a:bodyPr>
           <a:p>
-            <a:pPr>
-              <a:lnSpc>
-                <a:spcPct val="90000"/>
-              </a:lnSpc>
-              <a:spcBef>
-                <a:spcPts val="1417"/>
-              </a:spcBef>
-              <a:buNone/>
-            </a:pPr>
-            <a:endParaRPr b="0" lang="en-US" sz="2000" spc="-1" strike="noStrike">
-              <a:solidFill>
-                <a:srgbClr val="000000"/>
-              </a:solidFill>
-              <a:latin typeface="Rockwell"/>
+            <a:endParaRPr b="0" lang="en-IE" sz="3200" spc="-1" strike="noStrike">
+              <a:latin typeface="Arial"/>
             </a:endParaRPr>
           </a:p>
         </p:txBody>
@@ -1088,8 +1356,8 @@
         </p:nvSpPr>
         <p:spPr>
           <a:xfrm>
-            <a:off x="6224040" y="4237200"/>
-            <a:ext cx="4908240" cy="1931760"/>
+            <a:off x="6231960" y="3682080"/>
+            <a:ext cx="5354280" cy="1896840"/>
           </a:xfrm>
           <a:prstGeom prst="rect">
             <a:avLst/>
@@ -1104,20 +1372,8 @@
             <a:normAutofit/>
           </a:bodyPr>
           <a:p>
-            <a:pPr>
-              <a:lnSpc>
-                <a:spcPct val="90000"/>
-              </a:lnSpc>
-              <a:spcBef>
-                <a:spcPts val="1417"/>
-              </a:spcBef>
-              <a:buNone/>
-            </a:pPr>
-            <a:endParaRPr b="0" lang="en-US" sz="2000" spc="-1" strike="noStrike">
-              <a:solidFill>
-                <a:srgbClr val="000000"/>
-              </a:solidFill>
-              <a:latin typeface="Rockwell"/>
+            <a:endParaRPr b="0" lang="en-IE" sz="3200" spc="-1" strike="noStrike">
+              <a:latin typeface="Arial"/>
             </a:endParaRPr>
           </a:p>
         </p:txBody>
@@ -1129,7 +1385,7 @@
             <a:spLocks noGrp="1"/>
           </p:cNvSpPr>
           <p:nvPr>
-            <p:ph type="ftr" idx="2"/>
+            <p:ph type="ftr" idx="1"/>
           </p:nvPr>
         </p:nvSpPr>
         <p:spPr/>
@@ -1149,14 +1405,14 @@
             <a:spLocks noGrp="1"/>
           </p:cNvSpPr>
           <p:nvPr>
-            <p:ph type="sldNum" idx="3"/>
+            <p:ph type="sldNum" idx="2"/>
           </p:nvPr>
         </p:nvSpPr>
         <p:spPr/>
         <p:txBody>
           <a:bodyPr/>
           <a:p>
-            <a:fld id="{B1FC0596-41A6-44FD-BF33-BC3CFC38F090}" type="slidenum">
+            <a:fld id="{678DC51F-9E6F-4464-BC30-0021926E7588}" type="slidenum">
               <a:t>&lt;#&gt;</a:t>
             </a:fld>
           </a:p>
@@ -1169,7 +1425,7 @@
             <a:spLocks noGrp="1"/>
           </p:cNvSpPr>
           <p:nvPr>
-            <p:ph type="dt" idx="1"/>
+            <p:ph type="dt" idx="3"/>
           </p:nvPr>
         </p:nvSpPr>
         <p:spPr/>
@@ -1217,8 +1473,8 @@
         </p:nvSpPr>
         <p:spPr>
           <a:xfrm>
-            <a:off x="1069920" y="484560"/>
-            <a:ext cx="10058040" cy="1608840"/>
+            <a:off x="609480" y="273600"/>
+            <a:ext cx="10972440" cy="1144800"/>
           </a:xfrm>
           <a:prstGeom prst="rect">
             <a:avLst/>
@@ -1233,11 +1489,11 @@
             <a:noAutofit/>
           </a:bodyPr>
           <a:p>
-            <a:endParaRPr b="0" lang="en-US" sz="1800" spc="-1" strike="noStrike">
-              <a:solidFill>
-                <a:srgbClr val="000000"/>
-              </a:solidFill>
-              <a:latin typeface="Rockwell"/>
+            <a:pPr algn="ctr">
+              <a:buNone/>
+            </a:pPr>
+            <a:endParaRPr b="0" lang="en-IE" sz="4400" spc="-1" strike="noStrike">
+              <a:latin typeface="Arial"/>
             </a:endParaRPr>
           </a:p>
         </p:txBody>
@@ -1254,8 +1510,8 @@
         </p:nvSpPr>
         <p:spPr>
           <a:xfrm>
-            <a:off x="1069920" y="2121480"/>
-            <a:ext cx="3238560" cy="1931760"/>
+            <a:off x="609480" y="1604520"/>
+            <a:ext cx="3533040" cy="1896840"/>
           </a:xfrm>
           <a:prstGeom prst="rect">
             <a:avLst/>
@@ -1270,20 +1526,8 @@
             <a:normAutofit/>
           </a:bodyPr>
           <a:p>
-            <a:pPr>
-              <a:lnSpc>
-                <a:spcPct val="90000"/>
-              </a:lnSpc>
-              <a:spcBef>
-                <a:spcPts val="1417"/>
-              </a:spcBef>
-              <a:buNone/>
-            </a:pPr>
-            <a:endParaRPr b="0" lang="en-US" sz="2000" spc="-1" strike="noStrike">
-              <a:solidFill>
-                <a:srgbClr val="000000"/>
-              </a:solidFill>
-              <a:latin typeface="Rockwell"/>
+            <a:endParaRPr b="0" lang="en-IE" sz="3200" spc="-1" strike="noStrike">
+              <a:latin typeface="Arial"/>
             </a:endParaRPr>
           </a:p>
         </p:txBody>
@@ -1300,8 +1544,8 @@
         </p:nvSpPr>
         <p:spPr>
           <a:xfrm>
-            <a:off x="4470840" y="2121480"/>
-            <a:ext cx="3238560" cy="1931760"/>
+            <a:off x="4319640" y="1604520"/>
+            <a:ext cx="3533040" cy="1896840"/>
           </a:xfrm>
           <a:prstGeom prst="rect">
             <a:avLst/>
@@ -1316,20 +1560,8 @@
             <a:normAutofit/>
           </a:bodyPr>
           <a:p>
-            <a:pPr>
-              <a:lnSpc>
-                <a:spcPct val="90000"/>
-              </a:lnSpc>
-              <a:spcBef>
-                <a:spcPts val="1417"/>
-              </a:spcBef>
-              <a:buNone/>
-            </a:pPr>
-            <a:endParaRPr b="0" lang="en-US" sz="2000" spc="-1" strike="noStrike">
-              <a:solidFill>
-                <a:srgbClr val="000000"/>
-              </a:solidFill>
-              <a:latin typeface="Rockwell"/>
+            <a:endParaRPr b="0" lang="en-IE" sz="3200" spc="-1" strike="noStrike">
+              <a:latin typeface="Arial"/>
             </a:endParaRPr>
           </a:p>
         </p:txBody>
@@ -1346,8 +1578,8 @@
         </p:nvSpPr>
         <p:spPr>
           <a:xfrm>
-            <a:off x="7871760" y="2121480"/>
-            <a:ext cx="3238560" cy="1931760"/>
+            <a:off x="8029800" y="1604520"/>
+            <a:ext cx="3533040" cy="1896840"/>
           </a:xfrm>
           <a:prstGeom prst="rect">
             <a:avLst/>
@@ -1362,20 +1594,8 @@
             <a:normAutofit/>
           </a:bodyPr>
           <a:p>
-            <a:pPr>
-              <a:lnSpc>
-                <a:spcPct val="90000"/>
-              </a:lnSpc>
-              <a:spcBef>
-                <a:spcPts val="1417"/>
-              </a:spcBef>
-              <a:buNone/>
-            </a:pPr>
-            <a:endParaRPr b="0" lang="en-US" sz="2000" spc="-1" strike="noStrike">
-              <a:solidFill>
-                <a:srgbClr val="000000"/>
-              </a:solidFill>
-              <a:latin typeface="Rockwell"/>
+            <a:endParaRPr b="0" lang="en-IE" sz="3200" spc="-1" strike="noStrike">
+              <a:latin typeface="Arial"/>
             </a:endParaRPr>
           </a:p>
         </p:txBody>
@@ -1392,8 +1612,8 @@
         </p:nvSpPr>
         <p:spPr>
           <a:xfrm>
-            <a:off x="1069920" y="4237200"/>
-            <a:ext cx="3238560" cy="1931760"/>
+            <a:off x="609480" y="3682080"/>
+            <a:ext cx="3533040" cy="1896840"/>
           </a:xfrm>
           <a:prstGeom prst="rect">
             <a:avLst/>
@@ -1408,20 +1628,8 @@
             <a:normAutofit/>
           </a:bodyPr>
           <a:p>
-            <a:pPr>
-              <a:lnSpc>
-                <a:spcPct val="90000"/>
-              </a:lnSpc>
-              <a:spcBef>
-                <a:spcPts val="1417"/>
-              </a:spcBef>
-              <a:buNone/>
-            </a:pPr>
-            <a:endParaRPr b="0" lang="en-US" sz="2000" spc="-1" strike="noStrike">
-              <a:solidFill>
-                <a:srgbClr val="000000"/>
-              </a:solidFill>
-              <a:latin typeface="Rockwell"/>
+            <a:endParaRPr b="0" lang="en-IE" sz="3200" spc="-1" strike="noStrike">
+              <a:latin typeface="Arial"/>
             </a:endParaRPr>
           </a:p>
         </p:txBody>
@@ -1438,8 +1646,8 @@
         </p:nvSpPr>
         <p:spPr>
           <a:xfrm>
-            <a:off x="4470840" y="4237200"/>
-            <a:ext cx="3238560" cy="1931760"/>
+            <a:off x="4319640" y="3682080"/>
+            <a:ext cx="3533040" cy="1896840"/>
           </a:xfrm>
           <a:prstGeom prst="rect">
             <a:avLst/>
@@ -1454,20 +1662,8 @@
             <a:normAutofit/>
           </a:bodyPr>
           <a:p>
-            <a:pPr>
-              <a:lnSpc>
-                <a:spcPct val="90000"/>
-              </a:lnSpc>
-              <a:spcBef>
-                <a:spcPts val="1417"/>
-              </a:spcBef>
-              <a:buNone/>
-            </a:pPr>
-            <a:endParaRPr b="0" lang="en-US" sz="2000" spc="-1" strike="noStrike">
-              <a:solidFill>
-                <a:srgbClr val="000000"/>
-              </a:solidFill>
-              <a:latin typeface="Rockwell"/>
+            <a:endParaRPr b="0" lang="en-IE" sz="3200" spc="-1" strike="noStrike">
+              <a:latin typeface="Arial"/>
             </a:endParaRPr>
           </a:p>
         </p:txBody>
@@ -1484,8 +1680,8 @@
         </p:nvSpPr>
         <p:spPr>
           <a:xfrm>
-            <a:off x="7871760" y="4237200"/>
-            <a:ext cx="3238560" cy="1931760"/>
+            <a:off x="8029800" y="3682080"/>
+            <a:ext cx="3533040" cy="1896840"/>
           </a:xfrm>
           <a:prstGeom prst="rect">
             <a:avLst/>
@@ -1500,20 +1696,8 @@
             <a:normAutofit/>
           </a:bodyPr>
           <a:p>
-            <a:pPr>
-              <a:lnSpc>
-                <a:spcPct val="90000"/>
-              </a:lnSpc>
-              <a:spcBef>
-                <a:spcPts val="1417"/>
-              </a:spcBef>
-              <a:buNone/>
-            </a:pPr>
-            <a:endParaRPr b="0" lang="en-US" sz="2000" spc="-1" strike="noStrike">
-              <a:solidFill>
-                <a:srgbClr val="000000"/>
-              </a:solidFill>
-              <a:latin typeface="Rockwell"/>
+            <a:endParaRPr b="0" lang="en-IE" sz="3200" spc="-1" strike="noStrike">
+              <a:latin typeface="Arial"/>
             </a:endParaRPr>
           </a:p>
         </p:txBody>
@@ -1525,7 +1709,7 @@
             <a:spLocks noGrp="1"/>
           </p:cNvSpPr>
           <p:nvPr>
-            <p:ph type="ftr" idx="2"/>
+            <p:ph type="ftr" idx="1"/>
           </p:nvPr>
         </p:nvSpPr>
         <p:spPr/>
@@ -1545,14 +1729,14 @@
             <a:spLocks noGrp="1"/>
           </p:cNvSpPr>
           <p:nvPr>
-            <p:ph type="sldNum" idx="3"/>
+            <p:ph type="sldNum" idx="2"/>
           </p:nvPr>
         </p:nvSpPr>
         <p:spPr/>
         <p:txBody>
           <a:bodyPr/>
           <a:p>
-            <a:fld id="{84B070FD-EDDF-4E25-A4E4-926A9683EE31}" type="slidenum">
+            <a:fld id="{B696B90F-877E-4A47-8AFA-8233CF09F223}" type="slidenum">
               <a:t>&lt;#&gt;</a:t>
             </a:fld>
           </a:p>
@@ -1565,7 +1749,7 @@
             <a:spLocks noGrp="1"/>
           </p:cNvSpPr>
           <p:nvPr>
-            <p:ph type="dt" idx="1"/>
+            <p:ph type="dt" idx="3"/>
           </p:nvPr>
         </p:nvSpPr>
         <p:spPr/>
@@ -1608,7 +1792,7 @@
             <a:spLocks noGrp="1"/>
           </p:cNvSpPr>
           <p:nvPr>
-            <p:ph type="ftr" idx="5"/>
+            <p:ph type="ftr" idx="4"/>
           </p:nvPr>
         </p:nvSpPr>
         <p:spPr/>
@@ -1628,14 +1812,14 @@
             <a:spLocks noGrp="1"/>
           </p:cNvSpPr>
           <p:nvPr>
-            <p:ph type="sldNum" idx="6"/>
+            <p:ph type="sldNum" idx="5"/>
           </p:nvPr>
         </p:nvSpPr>
         <p:spPr/>
         <p:txBody>
           <a:bodyPr/>
           <a:p>
-            <a:fld id="{BB8B9288-0022-4ADF-8C7E-C7D792C8D770}" type="slidenum">
+            <a:fld id="{E9E7D7AD-8F7F-4DDA-A6D2-550C811DA5A0}" type="slidenum">
               <a:t>&lt;#&gt;</a:t>
             </a:fld>
           </a:p>
@@ -1648,7 +1832,7 @@
             <a:spLocks noGrp="1"/>
           </p:cNvSpPr>
           <p:nvPr>
-            <p:ph type="dt" idx="4"/>
+            <p:ph type="dt" idx="6"/>
           </p:nvPr>
         </p:nvSpPr>
         <p:spPr/>
@@ -1696,8 +1880,8 @@
         </p:nvSpPr>
         <p:spPr>
           <a:xfrm>
-            <a:off x="1069920" y="484560"/>
-            <a:ext cx="10058040" cy="1608840"/>
+            <a:off x="609480" y="273600"/>
+            <a:ext cx="10972440" cy="1144800"/>
           </a:xfrm>
           <a:prstGeom prst="rect">
             <a:avLst/>
@@ -1712,11 +1896,11 @@
             <a:noAutofit/>
           </a:bodyPr>
           <a:p>
-            <a:endParaRPr b="0" lang="en-US" sz="1800" spc="-1" strike="noStrike">
-              <a:solidFill>
-                <a:srgbClr val="000000"/>
-              </a:solidFill>
-              <a:latin typeface="Rockwell"/>
+            <a:pPr algn="ctr">
+              <a:buNone/>
+            </a:pPr>
+            <a:endParaRPr b="0" lang="en-IE" sz="4400" spc="-1" strike="noStrike">
+              <a:latin typeface="Arial"/>
             </a:endParaRPr>
           </a:p>
         </p:txBody>
@@ -1733,8 +1917,8 @@
         </p:nvSpPr>
         <p:spPr>
           <a:xfrm>
-            <a:off x="1069920" y="2121480"/>
-            <a:ext cx="10058040" cy="4050360"/>
+            <a:off x="609480" y="1604520"/>
+            <a:ext cx="10972440" cy="3977280"/>
           </a:xfrm>
           <a:prstGeom prst="rect">
             <a:avLst/>
@@ -1765,7 +1949,7 @@
             <a:spLocks noGrp="1"/>
           </p:cNvSpPr>
           <p:nvPr>
-            <p:ph type="ftr" idx="5"/>
+            <p:ph type="ftr" idx="4"/>
           </p:nvPr>
         </p:nvSpPr>
         <p:spPr/>
@@ -1785,14 +1969,14 @@
             <a:spLocks noGrp="1"/>
           </p:cNvSpPr>
           <p:nvPr>
-            <p:ph type="sldNum" idx="6"/>
+            <p:ph type="sldNum" idx="5"/>
           </p:nvPr>
         </p:nvSpPr>
         <p:spPr/>
         <p:txBody>
           <a:bodyPr/>
           <a:p>
-            <a:fld id="{91A323C4-D1E4-4879-8018-92C84B3B55B2}" type="slidenum">
+            <a:fld id="{0021662B-B18B-475F-86C9-34B8798509B9}" type="slidenum">
               <a:t>&lt;#&gt;</a:t>
             </a:fld>
           </a:p>
@@ -1805,7 +1989,7 @@
             <a:spLocks noGrp="1"/>
           </p:cNvSpPr>
           <p:nvPr>
-            <p:ph type="dt" idx="4"/>
+            <p:ph type="dt" idx="6"/>
           </p:nvPr>
         </p:nvSpPr>
         <p:spPr/>
@@ -1853,8 +2037,8 @@
         </p:nvSpPr>
         <p:spPr>
           <a:xfrm>
-            <a:off x="1069920" y="484560"/>
-            <a:ext cx="10058040" cy="1608840"/>
+            <a:off x="609480" y="273600"/>
+            <a:ext cx="10972440" cy="1144800"/>
           </a:xfrm>
           <a:prstGeom prst="rect">
             <a:avLst/>
@@ -1869,11 +2053,11 @@
             <a:noAutofit/>
           </a:bodyPr>
           <a:p>
-            <a:endParaRPr b="0" lang="en-US" sz="1800" spc="-1" strike="noStrike">
-              <a:solidFill>
-                <a:srgbClr val="000000"/>
-              </a:solidFill>
-              <a:latin typeface="Rockwell"/>
+            <a:pPr algn="ctr">
+              <a:buNone/>
+            </a:pPr>
+            <a:endParaRPr b="0" lang="en-IE" sz="4400" spc="-1" strike="noStrike">
+              <a:latin typeface="Arial"/>
             </a:endParaRPr>
           </a:p>
         </p:txBody>
@@ -1890,8 +2074,8 @@
         </p:nvSpPr>
         <p:spPr>
           <a:xfrm>
-            <a:off x="1069920" y="2121480"/>
-            <a:ext cx="10058040" cy="4050360"/>
+            <a:off x="609480" y="1604520"/>
+            <a:ext cx="10972440" cy="3977280"/>
           </a:xfrm>
           <a:prstGeom prst="rect">
             <a:avLst/>
@@ -1906,20 +2090,8 @@
             <a:normAutofit/>
           </a:bodyPr>
           <a:p>
-            <a:pPr>
-              <a:lnSpc>
-                <a:spcPct val="90000"/>
-              </a:lnSpc>
-              <a:spcBef>
-                <a:spcPts val="1417"/>
-              </a:spcBef>
-              <a:buNone/>
-            </a:pPr>
-            <a:endParaRPr b="0" lang="en-US" sz="2000" spc="-1" strike="noStrike">
-              <a:solidFill>
-                <a:srgbClr val="000000"/>
-              </a:solidFill>
-              <a:latin typeface="Rockwell"/>
+            <a:endParaRPr b="0" lang="en-IE" sz="3200" spc="-1" strike="noStrike">
+              <a:latin typeface="Arial"/>
             </a:endParaRPr>
           </a:p>
         </p:txBody>
@@ -1931,7 +2103,7 @@
             <a:spLocks noGrp="1"/>
           </p:cNvSpPr>
           <p:nvPr>
-            <p:ph type="ftr" idx="5"/>
+            <p:ph type="ftr" idx="4"/>
           </p:nvPr>
         </p:nvSpPr>
         <p:spPr/>
@@ -1951,14 +2123,14 @@
             <a:spLocks noGrp="1"/>
           </p:cNvSpPr>
           <p:nvPr>
-            <p:ph type="sldNum" idx="6"/>
+            <p:ph type="sldNum" idx="5"/>
           </p:nvPr>
         </p:nvSpPr>
         <p:spPr/>
         <p:txBody>
           <a:bodyPr/>
           <a:p>
-            <a:fld id="{D59501E0-AEA1-4D76-B8FB-43E251280DC6}" type="slidenum">
+            <a:fld id="{13BEEF37-FE37-4E17-AE1B-4FEBB82CA289}" type="slidenum">
               <a:t>&lt;#&gt;</a:t>
             </a:fld>
           </a:p>
@@ -1971,7 +2143,7 @@
             <a:spLocks noGrp="1"/>
           </p:cNvSpPr>
           <p:nvPr>
-            <p:ph type="dt" idx="4"/>
+            <p:ph type="dt" idx="6"/>
           </p:nvPr>
         </p:nvSpPr>
         <p:spPr/>
@@ -2019,8 +2191,8 @@
         </p:nvSpPr>
         <p:spPr>
           <a:xfrm>
-            <a:off x="1069920" y="484560"/>
-            <a:ext cx="10058040" cy="1608840"/>
+            <a:off x="609480" y="273600"/>
+            <a:ext cx="10972440" cy="1144800"/>
           </a:xfrm>
           <a:prstGeom prst="rect">
             <a:avLst/>
@@ -2035,11 +2207,11 @@
             <a:noAutofit/>
           </a:bodyPr>
           <a:p>
-            <a:endParaRPr b="0" lang="en-US" sz="1800" spc="-1" strike="noStrike">
-              <a:solidFill>
-                <a:srgbClr val="000000"/>
-              </a:solidFill>
-              <a:latin typeface="Rockwell"/>
+            <a:pPr algn="ctr">
+              <a:buNone/>
+            </a:pPr>
+            <a:endParaRPr b="0" lang="en-IE" sz="4400" spc="-1" strike="noStrike">
+              <a:latin typeface="Arial"/>
             </a:endParaRPr>
           </a:p>
         </p:txBody>
@@ -2056,8 +2228,8 @@
         </p:nvSpPr>
         <p:spPr>
           <a:xfrm>
-            <a:off x="1069920" y="2121480"/>
-            <a:ext cx="4908240" cy="4050360"/>
+            <a:off x="609480" y="1604520"/>
+            <a:ext cx="5354280" cy="3977280"/>
           </a:xfrm>
           <a:prstGeom prst="rect">
             <a:avLst/>
@@ -2072,20 +2244,8 @@
             <a:normAutofit/>
           </a:bodyPr>
           <a:p>
-            <a:pPr>
-              <a:lnSpc>
-                <a:spcPct val="90000"/>
-              </a:lnSpc>
-              <a:spcBef>
-                <a:spcPts val="1417"/>
-              </a:spcBef>
-              <a:buNone/>
-            </a:pPr>
-            <a:endParaRPr b="0" lang="en-US" sz="2000" spc="-1" strike="noStrike">
-              <a:solidFill>
-                <a:srgbClr val="000000"/>
-              </a:solidFill>
-              <a:latin typeface="Rockwell"/>
+            <a:endParaRPr b="0" lang="en-IE" sz="3200" spc="-1" strike="noStrike">
+              <a:latin typeface="Arial"/>
             </a:endParaRPr>
           </a:p>
         </p:txBody>
@@ -2102,8 +2262,8 @@
         </p:nvSpPr>
         <p:spPr>
           <a:xfrm>
-            <a:off x="6224040" y="2121480"/>
-            <a:ext cx="4908240" cy="4050360"/>
+            <a:off x="6231960" y="1604520"/>
+            <a:ext cx="5354280" cy="3977280"/>
           </a:xfrm>
           <a:prstGeom prst="rect">
             <a:avLst/>
@@ -2118,20 +2278,8 @@
             <a:normAutofit/>
           </a:bodyPr>
           <a:p>
-            <a:pPr>
-              <a:lnSpc>
-                <a:spcPct val="90000"/>
-              </a:lnSpc>
-              <a:spcBef>
-                <a:spcPts val="1417"/>
-              </a:spcBef>
-              <a:buNone/>
-            </a:pPr>
-            <a:endParaRPr b="0" lang="en-US" sz="2000" spc="-1" strike="noStrike">
-              <a:solidFill>
-                <a:srgbClr val="000000"/>
-              </a:solidFill>
-              <a:latin typeface="Rockwell"/>
+            <a:endParaRPr b="0" lang="en-IE" sz="3200" spc="-1" strike="noStrike">
+              <a:latin typeface="Arial"/>
             </a:endParaRPr>
           </a:p>
         </p:txBody>
@@ -2143,7 +2291,7 @@
             <a:spLocks noGrp="1"/>
           </p:cNvSpPr>
           <p:nvPr>
-            <p:ph type="ftr" idx="5"/>
+            <p:ph type="ftr" idx="4"/>
           </p:nvPr>
         </p:nvSpPr>
         <p:spPr/>
@@ -2163,14 +2311,14 @@
             <a:spLocks noGrp="1"/>
           </p:cNvSpPr>
           <p:nvPr>
-            <p:ph type="sldNum" idx="6"/>
+            <p:ph type="sldNum" idx="5"/>
           </p:nvPr>
         </p:nvSpPr>
         <p:spPr/>
         <p:txBody>
           <a:bodyPr/>
           <a:p>
-            <a:fld id="{25752DC4-CBC4-44E1-B651-CA6249E791F8}" type="slidenum">
+            <a:fld id="{B850CF94-CF99-46AB-9133-3E5149BFBF31}" type="slidenum">
               <a:t>&lt;#&gt;</a:t>
             </a:fld>
           </a:p>
@@ -2183,7 +2331,7 @@
             <a:spLocks noGrp="1"/>
           </p:cNvSpPr>
           <p:nvPr>
-            <p:ph type="dt" idx="4"/>
+            <p:ph type="dt" idx="6"/>
           </p:nvPr>
         </p:nvSpPr>
         <p:spPr/>
@@ -2231,8 +2379,8 @@
         </p:nvSpPr>
         <p:spPr>
           <a:xfrm>
-            <a:off x="1069920" y="484560"/>
-            <a:ext cx="10058040" cy="1608840"/>
+            <a:off x="609480" y="273600"/>
+            <a:ext cx="10972440" cy="1144800"/>
           </a:xfrm>
           <a:prstGeom prst="rect">
             <a:avLst/>
@@ -2247,11 +2395,11 @@
             <a:noAutofit/>
           </a:bodyPr>
           <a:p>
-            <a:endParaRPr b="0" lang="en-US" sz="1800" spc="-1" strike="noStrike">
-              <a:solidFill>
-                <a:srgbClr val="000000"/>
-              </a:solidFill>
-              <a:latin typeface="Rockwell"/>
+            <a:pPr algn="ctr">
+              <a:buNone/>
+            </a:pPr>
+            <a:endParaRPr b="0" lang="en-IE" sz="4400" spc="-1" strike="noStrike">
+              <a:latin typeface="Arial"/>
             </a:endParaRPr>
           </a:p>
         </p:txBody>
@@ -2263,7 +2411,7 @@
             <a:spLocks noGrp="1"/>
           </p:cNvSpPr>
           <p:nvPr>
-            <p:ph type="ftr" idx="5"/>
+            <p:ph type="ftr" idx="4"/>
           </p:nvPr>
         </p:nvSpPr>
         <p:spPr/>
@@ -2283,14 +2431,14 @@
             <a:spLocks noGrp="1"/>
           </p:cNvSpPr>
           <p:nvPr>
-            <p:ph type="sldNum" idx="6"/>
+            <p:ph type="sldNum" idx="5"/>
           </p:nvPr>
         </p:nvSpPr>
         <p:spPr/>
         <p:txBody>
           <a:bodyPr/>
           <a:p>
-            <a:fld id="{BA7FA405-12FF-4FE1-9882-D266949A40C0}" type="slidenum">
+            <a:fld id="{44547132-6528-44BA-922A-598ECDE81B2F}" type="slidenum">
               <a:t>&lt;#&gt;</a:t>
             </a:fld>
           </a:p>
@@ -2303,7 +2451,7 @@
             <a:spLocks noGrp="1"/>
           </p:cNvSpPr>
           <p:nvPr>
-            <p:ph type="dt" idx="4"/>
+            <p:ph type="dt" idx="6"/>
           </p:nvPr>
         </p:nvSpPr>
         <p:spPr/>
@@ -2351,8 +2499,8 @@
         </p:nvSpPr>
         <p:spPr>
           <a:xfrm>
-            <a:off x="1069920" y="484560"/>
-            <a:ext cx="10058040" cy="7458840"/>
+            <a:off x="609480" y="273600"/>
+            <a:ext cx="10972440" cy="5307840"/>
           </a:xfrm>
           <a:prstGeom prst="rect">
             <a:avLst/>
@@ -2383,7 +2531,7 @@
             <a:spLocks noGrp="1"/>
           </p:cNvSpPr>
           <p:nvPr>
-            <p:ph type="ftr" idx="5"/>
+            <p:ph type="ftr" idx="4"/>
           </p:nvPr>
         </p:nvSpPr>
         <p:spPr/>
@@ -2403,14 +2551,14 @@
             <a:spLocks noGrp="1"/>
           </p:cNvSpPr>
           <p:nvPr>
-            <p:ph type="sldNum" idx="6"/>
+            <p:ph type="sldNum" idx="5"/>
           </p:nvPr>
         </p:nvSpPr>
         <p:spPr/>
         <p:txBody>
           <a:bodyPr/>
           <a:p>
-            <a:fld id="{12EED61E-BDA2-486A-87E5-4AE96D1C5695}" type="slidenum">
+            <a:fld id="{320037C0-C009-4845-A841-674CE9EFD6B9}" type="slidenum">
               <a:t>&lt;#&gt;</a:t>
             </a:fld>
           </a:p>
@@ -2423,7 +2571,7 @@
             <a:spLocks noGrp="1"/>
           </p:cNvSpPr>
           <p:nvPr>
-            <p:ph type="dt" idx="4"/>
+            <p:ph type="dt" idx="6"/>
           </p:nvPr>
         </p:nvSpPr>
         <p:spPr/>
@@ -2471,8 +2619,8 @@
         </p:nvSpPr>
         <p:spPr>
           <a:xfrm>
-            <a:off x="1069920" y="484560"/>
-            <a:ext cx="10058040" cy="1608840"/>
+            <a:off x="609480" y="273600"/>
+            <a:ext cx="10972440" cy="1144800"/>
           </a:xfrm>
           <a:prstGeom prst="rect">
             <a:avLst/>
@@ -2487,11 +2635,11 @@
             <a:noAutofit/>
           </a:bodyPr>
           <a:p>
-            <a:endParaRPr b="0" lang="en-US" sz="1800" spc="-1" strike="noStrike">
-              <a:solidFill>
-                <a:srgbClr val="000000"/>
-              </a:solidFill>
-              <a:latin typeface="Rockwell"/>
+            <a:pPr algn="ctr">
+              <a:buNone/>
+            </a:pPr>
+            <a:endParaRPr b="0" lang="en-IE" sz="4400" spc="-1" strike="noStrike">
+              <a:latin typeface="Arial"/>
             </a:endParaRPr>
           </a:p>
         </p:txBody>
@@ -2508,8 +2656,8 @@
         </p:nvSpPr>
         <p:spPr>
           <a:xfrm>
-            <a:off x="1069920" y="2121480"/>
-            <a:ext cx="4908240" cy="1931760"/>
+            <a:off x="609480" y="1604520"/>
+            <a:ext cx="5354280" cy="1896840"/>
           </a:xfrm>
           <a:prstGeom prst="rect">
             <a:avLst/>
@@ -2524,20 +2672,8 @@
             <a:normAutofit/>
           </a:bodyPr>
           <a:p>
-            <a:pPr>
-              <a:lnSpc>
-                <a:spcPct val="90000"/>
-              </a:lnSpc>
-              <a:spcBef>
-                <a:spcPts val="1417"/>
-              </a:spcBef>
-              <a:buNone/>
-            </a:pPr>
-            <a:endParaRPr b="0" lang="en-US" sz="2000" spc="-1" strike="noStrike">
-              <a:solidFill>
-                <a:srgbClr val="000000"/>
-              </a:solidFill>
-              <a:latin typeface="Rockwell"/>
+            <a:endParaRPr b="0" lang="en-IE" sz="3200" spc="-1" strike="noStrike">
+              <a:latin typeface="Arial"/>
             </a:endParaRPr>
           </a:p>
         </p:txBody>
@@ -2554,8 +2690,8 @@
         </p:nvSpPr>
         <p:spPr>
           <a:xfrm>
-            <a:off x="6224040" y="2121480"/>
-            <a:ext cx="4908240" cy="4050360"/>
+            <a:off x="6231960" y="1604520"/>
+            <a:ext cx="5354280" cy="3977280"/>
           </a:xfrm>
           <a:prstGeom prst="rect">
             <a:avLst/>
@@ -2570,20 +2706,8 @@
             <a:normAutofit/>
           </a:bodyPr>
           <a:p>
-            <a:pPr>
-              <a:lnSpc>
-                <a:spcPct val="90000"/>
-              </a:lnSpc>
-              <a:spcBef>
-                <a:spcPts val="1417"/>
-              </a:spcBef>
-              <a:buNone/>
-            </a:pPr>
-            <a:endParaRPr b="0" lang="en-US" sz="2000" spc="-1" strike="noStrike">
-              <a:solidFill>
-                <a:srgbClr val="000000"/>
-              </a:solidFill>
-              <a:latin typeface="Rockwell"/>
+            <a:endParaRPr b="0" lang="en-IE" sz="3200" spc="-1" strike="noStrike">
+              <a:latin typeface="Arial"/>
             </a:endParaRPr>
           </a:p>
         </p:txBody>
@@ -2600,8 +2724,8 @@
         </p:nvSpPr>
         <p:spPr>
           <a:xfrm>
-            <a:off x="1069920" y="4237200"/>
-            <a:ext cx="4908240" cy="1931760"/>
+            <a:off x="609480" y="3682080"/>
+            <a:ext cx="5354280" cy="1896840"/>
           </a:xfrm>
           <a:prstGeom prst="rect">
             <a:avLst/>
@@ -2616,20 +2740,8 @@
             <a:normAutofit/>
           </a:bodyPr>
           <a:p>
-            <a:pPr>
-              <a:lnSpc>
-                <a:spcPct val="90000"/>
-              </a:lnSpc>
-              <a:spcBef>
-                <a:spcPts val="1417"/>
-              </a:spcBef>
-              <a:buNone/>
-            </a:pPr>
-            <a:endParaRPr b="0" lang="en-US" sz="2000" spc="-1" strike="noStrike">
-              <a:solidFill>
-                <a:srgbClr val="000000"/>
-              </a:solidFill>
-              <a:latin typeface="Rockwell"/>
+            <a:endParaRPr b="0" lang="en-IE" sz="3200" spc="-1" strike="noStrike">
+              <a:latin typeface="Arial"/>
             </a:endParaRPr>
           </a:p>
         </p:txBody>
@@ -2641,7 +2753,7 @@
             <a:spLocks noGrp="1"/>
           </p:cNvSpPr>
           <p:nvPr>
-            <p:ph type="ftr" idx="5"/>
+            <p:ph type="ftr" idx="4"/>
           </p:nvPr>
         </p:nvSpPr>
         <p:spPr/>
@@ -2661,14 +2773,14 @@
             <a:spLocks noGrp="1"/>
           </p:cNvSpPr>
           <p:nvPr>
-            <p:ph type="sldNum" idx="6"/>
+            <p:ph type="sldNum" idx="5"/>
           </p:nvPr>
         </p:nvSpPr>
         <p:spPr/>
         <p:txBody>
           <a:bodyPr/>
           <a:p>
-            <a:fld id="{A34D6236-B98F-4603-BC6B-8F7340865A51}" type="slidenum">
+            <a:fld id="{B512B6E4-A0A6-4124-BFA0-841CA20FEC4C}" type="slidenum">
               <a:t>&lt;#&gt;</a:t>
             </a:fld>
           </a:p>
@@ -2681,7 +2793,7 @@
             <a:spLocks noGrp="1"/>
           </p:cNvSpPr>
           <p:nvPr>
-            <p:ph type="dt" idx="4"/>
+            <p:ph type="dt" idx="6"/>
           </p:nvPr>
         </p:nvSpPr>
         <p:spPr/>
@@ -2729,8 +2841,8 @@
         </p:nvSpPr>
         <p:spPr>
           <a:xfrm>
-            <a:off x="1069920" y="484560"/>
-            <a:ext cx="10058040" cy="1608840"/>
+            <a:off x="609480" y="273600"/>
+            <a:ext cx="10972440" cy="1144800"/>
           </a:xfrm>
           <a:prstGeom prst="rect">
             <a:avLst/>
@@ -2745,11 +2857,11 @@
             <a:noAutofit/>
           </a:bodyPr>
           <a:p>
-            <a:endParaRPr b="0" lang="en-US" sz="1800" spc="-1" strike="noStrike">
-              <a:solidFill>
-                <a:srgbClr val="000000"/>
-              </a:solidFill>
-              <a:latin typeface="Rockwell"/>
+            <a:pPr algn="ctr">
+              <a:buNone/>
+            </a:pPr>
+            <a:endParaRPr b="0" lang="en-IE" sz="4400" spc="-1" strike="noStrike">
+              <a:latin typeface="Arial"/>
             </a:endParaRPr>
           </a:p>
         </p:txBody>
@@ -2766,8 +2878,8 @@
         </p:nvSpPr>
         <p:spPr>
           <a:xfrm>
-            <a:off x="1069920" y="2121480"/>
-            <a:ext cx="10058040" cy="4050360"/>
+            <a:off x="609480" y="1604520"/>
+            <a:ext cx="10972440" cy="3977280"/>
           </a:xfrm>
           <a:prstGeom prst="rect">
             <a:avLst/>
@@ -2798,7 +2910,7 @@
             <a:spLocks noGrp="1"/>
           </p:cNvSpPr>
           <p:nvPr>
-            <p:ph type="ftr" idx="2"/>
+            <p:ph type="ftr" idx="1"/>
           </p:nvPr>
         </p:nvSpPr>
         <p:spPr/>
@@ -2818,14 +2930,14 @@
             <a:spLocks noGrp="1"/>
           </p:cNvSpPr>
           <p:nvPr>
-            <p:ph type="sldNum" idx="3"/>
+            <p:ph type="sldNum" idx="2"/>
           </p:nvPr>
         </p:nvSpPr>
         <p:spPr/>
         <p:txBody>
           <a:bodyPr/>
           <a:p>
-            <a:fld id="{33942170-4B17-4A42-A49F-926125E5C541}" type="slidenum">
+            <a:fld id="{AF51D764-0BF9-46EB-A4E6-66F04DA4F1EB}" type="slidenum">
               <a:t>&lt;#&gt;</a:t>
             </a:fld>
           </a:p>
@@ -2838,7 +2950,7 @@
             <a:spLocks noGrp="1"/>
           </p:cNvSpPr>
           <p:nvPr>
-            <p:ph type="dt" idx="1"/>
+            <p:ph type="dt" idx="3"/>
           </p:nvPr>
         </p:nvSpPr>
         <p:spPr/>
@@ -2886,8 +2998,8 @@
         </p:nvSpPr>
         <p:spPr>
           <a:xfrm>
-            <a:off x="1069920" y="484560"/>
-            <a:ext cx="10058040" cy="1608840"/>
+            <a:off x="609480" y="273600"/>
+            <a:ext cx="10972440" cy="1144800"/>
           </a:xfrm>
           <a:prstGeom prst="rect">
             <a:avLst/>
@@ -2902,11 +3014,11 @@
             <a:noAutofit/>
           </a:bodyPr>
           <a:p>
-            <a:endParaRPr b="0" lang="en-US" sz="1800" spc="-1" strike="noStrike">
-              <a:solidFill>
-                <a:srgbClr val="000000"/>
-              </a:solidFill>
-              <a:latin typeface="Rockwell"/>
+            <a:pPr algn="ctr">
+              <a:buNone/>
+            </a:pPr>
+            <a:endParaRPr b="0" lang="en-IE" sz="4400" spc="-1" strike="noStrike">
+              <a:latin typeface="Arial"/>
             </a:endParaRPr>
           </a:p>
         </p:txBody>
@@ -2923,8 +3035,8 @@
         </p:nvSpPr>
         <p:spPr>
           <a:xfrm>
-            <a:off x="1069920" y="2121480"/>
-            <a:ext cx="4908240" cy="4050360"/>
+            <a:off x="609480" y="1604520"/>
+            <a:ext cx="5354280" cy="3977280"/>
           </a:xfrm>
           <a:prstGeom prst="rect">
             <a:avLst/>
@@ -2939,20 +3051,8 @@
             <a:normAutofit/>
           </a:bodyPr>
           <a:p>
-            <a:pPr>
-              <a:lnSpc>
-                <a:spcPct val="90000"/>
-              </a:lnSpc>
-              <a:spcBef>
-                <a:spcPts val="1417"/>
-              </a:spcBef>
-              <a:buNone/>
-            </a:pPr>
-            <a:endParaRPr b="0" lang="en-US" sz="2000" spc="-1" strike="noStrike">
-              <a:solidFill>
-                <a:srgbClr val="000000"/>
-              </a:solidFill>
-              <a:latin typeface="Rockwell"/>
+            <a:endParaRPr b="0" lang="en-IE" sz="3200" spc="-1" strike="noStrike">
+              <a:latin typeface="Arial"/>
             </a:endParaRPr>
           </a:p>
         </p:txBody>
@@ -2969,8 +3069,8 @@
         </p:nvSpPr>
         <p:spPr>
           <a:xfrm>
-            <a:off x="6224040" y="2121480"/>
-            <a:ext cx="4908240" cy="1931760"/>
+            <a:off x="6231960" y="1604520"/>
+            <a:ext cx="5354280" cy="1896840"/>
           </a:xfrm>
           <a:prstGeom prst="rect">
             <a:avLst/>
@@ -2985,20 +3085,8 @@
             <a:normAutofit/>
           </a:bodyPr>
           <a:p>
-            <a:pPr>
-              <a:lnSpc>
-                <a:spcPct val="90000"/>
-              </a:lnSpc>
-              <a:spcBef>
-                <a:spcPts val="1417"/>
-              </a:spcBef>
-              <a:buNone/>
-            </a:pPr>
-            <a:endParaRPr b="0" lang="en-US" sz="2000" spc="-1" strike="noStrike">
-              <a:solidFill>
-                <a:srgbClr val="000000"/>
-              </a:solidFill>
-              <a:latin typeface="Rockwell"/>
+            <a:endParaRPr b="0" lang="en-IE" sz="3200" spc="-1" strike="noStrike">
+              <a:latin typeface="Arial"/>
             </a:endParaRPr>
           </a:p>
         </p:txBody>
@@ -3015,8 +3103,8 @@
         </p:nvSpPr>
         <p:spPr>
           <a:xfrm>
-            <a:off x="6224040" y="4237200"/>
-            <a:ext cx="4908240" cy="1931760"/>
+            <a:off x="6231960" y="3682080"/>
+            <a:ext cx="5354280" cy="1896840"/>
           </a:xfrm>
           <a:prstGeom prst="rect">
             <a:avLst/>
@@ -3031,20 +3119,8 @@
             <a:normAutofit/>
           </a:bodyPr>
           <a:p>
-            <a:pPr>
-              <a:lnSpc>
-                <a:spcPct val="90000"/>
-              </a:lnSpc>
-              <a:spcBef>
-                <a:spcPts val="1417"/>
-              </a:spcBef>
-              <a:buNone/>
-            </a:pPr>
-            <a:endParaRPr b="0" lang="en-US" sz="2000" spc="-1" strike="noStrike">
-              <a:solidFill>
-                <a:srgbClr val="000000"/>
-              </a:solidFill>
-              <a:latin typeface="Rockwell"/>
+            <a:endParaRPr b="0" lang="en-IE" sz="3200" spc="-1" strike="noStrike">
+              <a:latin typeface="Arial"/>
             </a:endParaRPr>
           </a:p>
         </p:txBody>
@@ -3056,7 +3132,7 @@
             <a:spLocks noGrp="1"/>
           </p:cNvSpPr>
           <p:nvPr>
-            <p:ph type="ftr" idx="5"/>
+            <p:ph type="ftr" idx="4"/>
           </p:nvPr>
         </p:nvSpPr>
         <p:spPr/>
@@ -3076,14 +3152,14 @@
             <a:spLocks noGrp="1"/>
           </p:cNvSpPr>
           <p:nvPr>
-            <p:ph type="sldNum" idx="6"/>
+            <p:ph type="sldNum" idx="5"/>
           </p:nvPr>
         </p:nvSpPr>
         <p:spPr/>
         <p:txBody>
           <a:bodyPr/>
           <a:p>
-            <a:fld id="{AE6819B2-B7B6-4204-B18B-F1CBB31DDCEF}" type="slidenum">
+            <a:fld id="{C8539252-2C35-4F6F-8B82-7DFCC5C9C0E2}" type="slidenum">
               <a:t>&lt;#&gt;</a:t>
             </a:fld>
           </a:p>
@@ -3096,7 +3172,7 @@
             <a:spLocks noGrp="1"/>
           </p:cNvSpPr>
           <p:nvPr>
-            <p:ph type="dt" idx="4"/>
+            <p:ph type="dt" idx="6"/>
           </p:nvPr>
         </p:nvSpPr>
         <p:spPr/>
@@ -3144,8 +3220,8 @@
         </p:nvSpPr>
         <p:spPr>
           <a:xfrm>
-            <a:off x="1069920" y="484560"/>
-            <a:ext cx="10058040" cy="1608840"/>
+            <a:off x="609480" y="273600"/>
+            <a:ext cx="10972440" cy="1144800"/>
           </a:xfrm>
           <a:prstGeom prst="rect">
             <a:avLst/>
@@ -3160,11 +3236,11 @@
             <a:noAutofit/>
           </a:bodyPr>
           <a:p>
-            <a:endParaRPr b="0" lang="en-US" sz="1800" spc="-1" strike="noStrike">
-              <a:solidFill>
-                <a:srgbClr val="000000"/>
-              </a:solidFill>
-              <a:latin typeface="Rockwell"/>
+            <a:pPr algn="ctr">
+              <a:buNone/>
+            </a:pPr>
+            <a:endParaRPr b="0" lang="en-IE" sz="4400" spc="-1" strike="noStrike">
+              <a:latin typeface="Arial"/>
             </a:endParaRPr>
           </a:p>
         </p:txBody>
@@ -3181,8 +3257,8 @@
         </p:nvSpPr>
         <p:spPr>
           <a:xfrm>
-            <a:off x="1069920" y="2121480"/>
-            <a:ext cx="4908240" cy="1931760"/>
+            <a:off x="609480" y="1604520"/>
+            <a:ext cx="5354280" cy="1896840"/>
           </a:xfrm>
           <a:prstGeom prst="rect">
             <a:avLst/>
@@ -3197,20 +3273,8 @@
             <a:normAutofit/>
           </a:bodyPr>
           <a:p>
-            <a:pPr>
-              <a:lnSpc>
-                <a:spcPct val="90000"/>
-              </a:lnSpc>
-              <a:spcBef>
-                <a:spcPts val="1417"/>
-              </a:spcBef>
-              <a:buNone/>
-            </a:pPr>
-            <a:endParaRPr b="0" lang="en-US" sz="2000" spc="-1" strike="noStrike">
-              <a:solidFill>
-                <a:srgbClr val="000000"/>
-              </a:solidFill>
-              <a:latin typeface="Rockwell"/>
+            <a:endParaRPr b="0" lang="en-IE" sz="3200" spc="-1" strike="noStrike">
+              <a:latin typeface="Arial"/>
             </a:endParaRPr>
           </a:p>
         </p:txBody>
@@ -3227,8 +3291,8 @@
         </p:nvSpPr>
         <p:spPr>
           <a:xfrm>
-            <a:off x="6224040" y="2121480"/>
-            <a:ext cx="4908240" cy="1931760"/>
+            <a:off x="6231960" y="1604520"/>
+            <a:ext cx="5354280" cy="1896840"/>
           </a:xfrm>
           <a:prstGeom prst="rect">
             <a:avLst/>
@@ -3243,20 +3307,8 @@
             <a:normAutofit/>
           </a:bodyPr>
           <a:p>
-            <a:pPr>
-              <a:lnSpc>
-                <a:spcPct val="90000"/>
-              </a:lnSpc>
-              <a:spcBef>
-                <a:spcPts val="1417"/>
-              </a:spcBef>
-              <a:buNone/>
-            </a:pPr>
-            <a:endParaRPr b="0" lang="en-US" sz="2000" spc="-1" strike="noStrike">
-              <a:solidFill>
-                <a:srgbClr val="000000"/>
-              </a:solidFill>
-              <a:latin typeface="Rockwell"/>
+            <a:endParaRPr b="0" lang="en-IE" sz="3200" spc="-1" strike="noStrike">
+              <a:latin typeface="Arial"/>
             </a:endParaRPr>
           </a:p>
         </p:txBody>
@@ -3273,8 +3325,8 @@
         </p:nvSpPr>
         <p:spPr>
           <a:xfrm>
-            <a:off x="1069920" y="4237200"/>
-            <a:ext cx="10058040" cy="1931760"/>
+            <a:off x="609480" y="3682080"/>
+            <a:ext cx="10972440" cy="1896840"/>
           </a:xfrm>
           <a:prstGeom prst="rect">
             <a:avLst/>
@@ -3289,20 +3341,8 @@
             <a:normAutofit/>
           </a:bodyPr>
           <a:p>
-            <a:pPr>
-              <a:lnSpc>
-                <a:spcPct val="90000"/>
-              </a:lnSpc>
-              <a:spcBef>
-                <a:spcPts val="1417"/>
-              </a:spcBef>
-              <a:buNone/>
-            </a:pPr>
-            <a:endParaRPr b="0" lang="en-US" sz="2000" spc="-1" strike="noStrike">
-              <a:solidFill>
-                <a:srgbClr val="000000"/>
-              </a:solidFill>
-              <a:latin typeface="Rockwell"/>
+            <a:endParaRPr b="0" lang="en-IE" sz="3200" spc="-1" strike="noStrike">
+              <a:latin typeface="Arial"/>
             </a:endParaRPr>
           </a:p>
         </p:txBody>
@@ -3314,7 +3354,7 @@
             <a:spLocks noGrp="1"/>
           </p:cNvSpPr>
           <p:nvPr>
-            <p:ph type="ftr" idx="5"/>
+            <p:ph type="ftr" idx="4"/>
           </p:nvPr>
         </p:nvSpPr>
         <p:spPr/>
@@ -3334,14 +3374,14 @@
             <a:spLocks noGrp="1"/>
           </p:cNvSpPr>
           <p:nvPr>
-            <p:ph type="sldNum" idx="6"/>
+            <p:ph type="sldNum" idx="5"/>
           </p:nvPr>
         </p:nvSpPr>
         <p:spPr/>
         <p:txBody>
           <a:bodyPr/>
           <a:p>
-            <a:fld id="{9A04F648-D98F-4F87-A47C-9781CE83FD3F}" type="slidenum">
+            <a:fld id="{2611CF3D-5A9E-4D29-BDED-DF06E76AAF18}" type="slidenum">
               <a:t>&lt;#&gt;</a:t>
             </a:fld>
           </a:p>
@@ -3354,7 +3394,7 @@
             <a:spLocks noGrp="1"/>
           </p:cNvSpPr>
           <p:nvPr>
-            <p:ph type="dt" idx="4"/>
+            <p:ph type="dt" idx="6"/>
           </p:nvPr>
         </p:nvSpPr>
         <p:spPr/>
@@ -3402,8 +3442,8 @@
         </p:nvSpPr>
         <p:spPr>
           <a:xfrm>
-            <a:off x="1069920" y="484560"/>
-            <a:ext cx="10058040" cy="1608840"/>
+            <a:off x="609480" y="273600"/>
+            <a:ext cx="10972440" cy="1144800"/>
           </a:xfrm>
           <a:prstGeom prst="rect">
             <a:avLst/>
@@ -3418,11 +3458,11 @@
             <a:noAutofit/>
           </a:bodyPr>
           <a:p>
-            <a:endParaRPr b="0" lang="en-US" sz="1800" spc="-1" strike="noStrike">
-              <a:solidFill>
-                <a:srgbClr val="000000"/>
-              </a:solidFill>
-              <a:latin typeface="Rockwell"/>
+            <a:pPr algn="ctr">
+              <a:buNone/>
+            </a:pPr>
+            <a:endParaRPr b="0" lang="en-IE" sz="4400" spc="-1" strike="noStrike">
+              <a:latin typeface="Arial"/>
             </a:endParaRPr>
           </a:p>
         </p:txBody>
@@ -3439,8 +3479,8 @@
         </p:nvSpPr>
         <p:spPr>
           <a:xfrm>
-            <a:off x="1069920" y="2121480"/>
-            <a:ext cx="10058040" cy="1931760"/>
+            <a:off x="609480" y="1604520"/>
+            <a:ext cx="10972440" cy="1896840"/>
           </a:xfrm>
           <a:prstGeom prst="rect">
             <a:avLst/>
@@ -3455,20 +3495,8 @@
             <a:normAutofit/>
           </a:bodyPr>
           <a:p>
-            <a:pPr>
-              <a:lnSpc>
-                <a:spcPct val="90000"/>
-              </a:lnSpc>
-              <a:spcBef>
-                <a:spcPts val="1417"/>
-              </a:spcBef>
-              <a:buNone/>
-            </a:pPr>
-            <a:endParaRPr b="0" lang="en-US" sz="2000" spc="-1" strike="noStrike">
-              <a:solidFill>
-                <a:srgbClr val="000000"/>
-              </a:solidFill>
-              <a:latin typeface="Rockwell"/>
+            <a:endParaRPr b="0" lang="en-IE" sz="3200" spc="-1" strike="noStrike">
+              <a:latin typeface="Arial"/>
             </a:endParaRPr>
           </a:p>
         </p:txBody>
@@ -3485,8 +3513,8 @@
         </p:nvSpPr>
         <p:spPr>
           <a:xfrm>
-            <a:off x="1069920" y="4237200"/>
-            <a:ext cx="10058040" cy="1931760"/>
+            <a:off x="609480" y="3682080"/>
+            <a:ext cx="10972440" cy="1896840"/>
           </a:xfrm>
           <a:prstGeom prst="rect">
             <a:avLst/>
@@ -3501,20 +3529,8 @@
             <a:normAutofit/>
           </a:bodyPr>
           <a:p>
-            <a:pPr>
-              <a:lnSpc>
-                <a:spcPct val="90000"/>
-              </a:lnSpc>
-              <a:spcBef>
-                <a:spcPts val="1417"/>
-              </a:spcBef>
-              <a:buNone/>
-            </a:pPr>
-            <a:endParaRPr b="0" lang="en-US" sz="2000" spc="-1" strike="noStrike">
-              <a:solidFill>
-                <a:srgbClr val="000000"/>
-              </a:solidFill>
-              <a:latin typeface="Rockwell"/>
+            <a:endParaRPr b="0" lang="en-IE" sz="3200" spc="-1" strike="noStrike">
+              <a:latin typeface="Arial"/>
             </a:endParaRPr>
           </a:p>
         </p:txBody>
@@ -3526,7 +3542,7 @@
             <a:spLocks noGrp="1"/>
           </p:cNvSpPr>
           <p:nvPr>
-            <p:ph type="ftr" idx="5"/>
+            <p:ph type="ftr" idx="4"/>
           </p:nvPr>
         </p:nvSpPr>
         <p:spPr/>
@@ -3546,14 +3562,14 @@
             <a:spLocks noGrp="1"/>
           </p:cNvSpPr>
           <p:nvPr>
-            <p:ph type="sldNum" idx="6"/>
+            <p:ph type="sldNum" idx="5"/>
           </p:nvPr>
         </p:nvSpPr>
         <p:spPr/>
         <p:txBody>
           <a:bodyPr/>
           <a:p>
-            <a:fld id="{644C4D20-9480-47CC-A28F-C517174C4D35}" type="slidenum">
+            <a:fld id="{B535F822-7C8E-435A-8A55-D81555E21239}" type="slidenum">
               <a:t>&lt;#&gt;</a:t>
             </a:fld>
           </a:p>
@@ -3566,7 +3582,7 @@
             <a:spLocks noGrp="1"/>
           </p:cNvSpPr>
           <p:nvPr>
-            <p:ph type="dt" idx="4"/>
+            <p:ph type="dt" idx="6"/>
           </p:nvPr>
         </p:nvSpPr>
         <p:spPr/>
@@ -3614,8 +3630,8 @@
         </p:nvSpPr>
         <p:spPr>
           <a:xfrm>
-            <a:off x="1069920" y="484560"/>
-            <a:ext cx="10058040" cy="1608840"/>
+            <a:off x="609480" y="273600"/>
+            <a:ext cx="10972440" cy="1144800"/>
           </a:xfrm>
           <a:prstGeom prst="rect">
             <a:avLst/>
@@ -3630,11 +3646,11 @@
             <a:noAutofit/>
           </a:bodyPr>
           <a:p>
-            <a:endParaRPr b="0" lang="en-US" sz="1800" spc="-1" strike="noStrike">
-              <a:solidFill>
-                <a:srgbClr val="000000"/>
-              </a:solidFill>
-              <a:latin typeface="Rockwell"/>
+            <a:pPr algn="ctr">
+              <a:buNone/>
+            </a:pPr>
+            <a:endParaRPr b="0" lang="en-IE" sz="4400" spc="-1" strike="noStrike">
+              <a:latin typeface="Arial"/>
             </a:endParaRPr>
           </a:p>
         </p:txBody>
@@ -3651,8 +3667,8 @@
         </p:nvSpPr>
         <p:spPr>
           <a:xfrm>
-            <a:off x="1069920" y="2121480"/>
-            <a:ext cx="4908240" cy="1931760"/>
+            <a:off x="609480" y="1604520"/>
+            <a:ext cx="5354280" cy="1896840"/>
           </a:xfrm>
           <a:prstGeom prst="rect">
             <a:avLst/>
@@ -3667,20 +3683,8 @@
             <a:normAutofit/>
           </a:bodyPr>
           <a:p>
-            <a:pPr>
-              <a:lnSpc>
-                <a:spcPct val="90000"/>
-              </a:lnSpc>
-              <a:spcBef>
-                <a:spcPts val="1417"/>
-              </a:spcBef>
-              <a:buNone/>
-            </a:pPr>
-            <a:endParaRPr b="0" lang="en-US" sz="2000" spc="-1" strike="noStrike">
-              <a:solidFill>
-                <a:srgbClr val="000000"/>
-              </a:solidFill>
-              <a:latin typeface="Rockwell"/>
+            <a:endParaRPr b="0" lang="en-IE" sz="3200" spc="-1" strike="noStrike">
+              <a:latin typeface="Arial"/>
             </a:endParaRPr>
           </a:p>
         </p:txBody>
@@ -3697,8 +3701,8 @@
         </p:nvSpPr>
         <p:spPr>
           <a:xfrm>
-            <a:off x="6224040" y="2121480"/>
-            <a:ext cx="4908240" cy="1931760"/>
+            <a:off x="6231960" y="1604520"/>
+            <a:ext cx="5354280" cy="1896840"/>
           </a:xfrm>
           <a:prstGeom prst="rect">
             <a:avLst/>
@@ -3713,20 +3717,8 @@
             <a:normAutofit/>
           </a:bodyPr>
           <a:p>
-            <a:pPr>
-              <a:lnSpc>
-                <a:spcPct val="90000"/>
-              </a:lnSpc>
-              <a:spcBef>
-                <a:spcPts val="1417"/>
-              </a:spcBef>
-              <a:buNone/>
-            </a:pPr>
-            <a:endParaRPr b="0" lang="en-US" sz="2000" spc="-1" strike="noStrike">
-              <a:solidFill>
-                <a:srgbClr val="000000"/>
-              </a:solidFill>
-              <a:latin typeface="Rockwell"/>
+            <a:endParaRPr b="0" lang="en-IE" sz="3200" spc="-1" strike="noStrike">
+              <a:latin typeface="Arial"/>
             </a:endParaRPr>
           </a:p>
         </p:txBody>
@@ -3743,8 +3735,8 @@
         </p:nvSpPr>
         <p:spPr>
           <a:xfrm>
-            <a:off x="1069920" y="4237200"/>
-            <a:ext cx="4908240" cy="1931760"/>
+            <a:off x="609480" y="3682080"/>
+            <a:ext cx="5354280" cy="1896840"/>
           </a:xfrm>
           <a:prstGeom prst="rect">
             <a:avLst/>
@@ -3759,20 +3751,8 @@
             <a:normAutofit/>
           </a:bodyPr>
           <a:p>
-            <a:pPr>
-              <a:lnSpc>
-                <a:spcPct val="90000"/>
-              </a:lnSpc>
-              <a:spcBef>
-                <a:spcPts val="1417"/>
-              </a:spcBef>
-              <a:buNone/>
-            </a:pPr>
-            <a:endParaRPr b="0" lang="en-US" sz="2000" spc="-1" strike="noStrike">
-              <a:solidFill>
-                <a:srgbClr val="000000"/>
-              </a:solidFill>
-              <a:latin typeface="Rockwell"/>
+            <a:endParaRPr b="0" lang="en-IE" sz="3200" spc="-1" strike="noStrike">
+              <a:latin typeface="Arial"/>
             </a:endParaRPr>
           </a:p>
         </p:txBody>
@@ -3789,8 +3769,8 @@
         </p:nvSpPr>
         <p:spPr>
           <a:xfrm>
-            <a:off x="6224040" y="4237200"/>
-            <a:ext cx="4908240" cy="1931760"/>
+            <a:off x="6231960" y="3682080"/>
+            <a:ext cx="5354280" cy="1896840"/>
           </a:xfrm>
           <a:prstGeom prst="rect">
             <a:avLst/>
@@ -3805,20 +3785,8 @@
             <a:normAutofit/>
           </a:bodyPr>
           <a:p>
-            <a:pPr>
-              <a:lnSpc>
-                <a:spcPct val="90000"/>
-              </a:lnSpc>
-              <a:spcBef>
-                <a:spcPts val="1417"/>
-              </a:spcBef>
-              <a:buNone/>
-            </a:pPr>
-            <a:endParaRPr b="0" lang="en-US" sz="2000" spc="-1" strike="noStrike">
-              <a:solidFill>
-                <a:srgbClr val="000000"/>
-              </a:solidFill>
-              <a:latin typeface="Rockwell"/>
+            <a:endParaRPr b="0" lang="en-IE" sz="3200" spc="-1" strike="noStrike">
+              <a:latin typeface="Arial"/>
             </a:endParaRPr>
           </a:p>
         </p:txBody>
@@ -3830,7 +3798,7 @@
             <a:spLocks noGrp="1"/>
           </p:cNvSpPr>
           <p:nvPr>
-            <p:ph type="ftr" idx="5"/>
+            <p:ph type="ftr" idx="4"/>
           </p:nvPr>
         </p:nvSpPr>
         <p:spPr/>
@@ -3850,14 +3818,14 @@
             <a:spLocks noGrp="1"/>
           </p:cNvSpPr>
           <p:nvPr>
-            <p:ph type="sldNum" idx="6"/>
+            <p:ph type="sldNum" idx="5"/>
           </p:nvPr>
         </p:nvSpPr>
         <p:spPr/>
         <p:txBody>
           <a:bodyPr/>
           <a:p>
-            <a:fld id="{8001C420-8BB9-41F1-ABD2-AB63537F7E72}" type="slidenum">
+            <a:fld id="{ECE9EC87-0123-4D81-84F8-E47C02604A1A}" type="slidenum">
               <a:t>&lt;#&gt;</a:t>
             </a:fld>
           </a:p>
@@ -3870,7 +3838,7 @@
             <a:spLocks noGrp="1"/>
           </p:cNvSpPr>
           <p:nvPr>
-            <p:ph type="dt" idx="4"/>
+            <p:ph type="dt" idx="6"/>
           </p:nvPr>
         </p:nvSpPr>
         <p:spPr/>
@@ -3918,8 +3886,8 @@
         </p:nvSpPr>
         <p:spPr>
           <a:xfrm>
-            <a:off x="1069920" y="484560"/>
-            <a:ext cx="10058040" cy="1608840"/>
+            <a:off x="609480" y="273600"/>
+            <a:ext cx="10972440" cy="1144800"/>
           </a:xfrm>
           <a:prstGeom prst="rect">
             <a:avLst/>
@@ -3934,11 +3902,11 @@
             <a:noAutofit/>
           </a:bodyPr>
           <a:p>
-            <a:endParaRPr b="0" lang="en-US" sz="1800" spc="-1" strike="noStrike">
-              <a:solidFill>
-                <a:srgbClr val="000000"/>
-              </a:solidFill>
-              <a:latin typeface="Rockwell"/>
+            <a:pPr algn="ctr">
+              <a:buNone/>
+            </a:pPr>
+            <a:endParaRPr b="0" lang="en-IE" sz="4400" spc="-1" strike="noStrike">
+              <a:latin typeface="Arial"/>
             </a:endParaRPr>
           </a:p>
         </p:txBody>
@@ -3955,8 +3923,8 @@
         </p:nvSpPr>
         <p:spPr>
           <a:xfrm>
-            <a:off x="1069920" y="2121480"/>
-            <a:ext cx="3238560" cy="1931760"/>
+            <a:off x="609480" y="1604520"/>
+            <a:ext cx="3533040" cy="1896840"/>
           </a:xfrm>
           <a:prstGeom prst="rect">
             <a:avLst/>
@@ -3971,20 +3939,8 @@
             <a:normAutofit/>
           </a:bodyPr>
           <a:p>
-            <a:pPr>
-              <a:lnSpc>
-                <a:spcPct val="90000"/>
-              </a:lnSpc>
-              <a:spcBef>
-                <a:spcPts val="1417"/>
-              </a:spcBef>
-              <a:buNone/>
-            </a:pPr>
-            <a:endParaRPr b="0" lang="en-US" sz="2000" spc="-1" strike="noStrike">
-              <a:solidFill>
-                <a:srgbClr val="000000"/>
-              </a:solidFill>
-              <a:latin typeface="Rockwell"/>
+            <a:endParaRPr b="0" lang="en-IE" sz="3200" spc="-1" strike="noStrike">
+              <a:latin typeface="Arial"/>
             </a:endParaRPr>
           </a:p>
         </p:txBody>
@@ -4001,8 +3957,8 @@
         </p:nvSpPr>
         <p:spPr>
           <a:xfrm>
-            <a:off x="4470840" y="2121480"/>
-            <a:ext cx="3238560" cy="1931760"/>
+            <a:off x="4319640" y="1604520"/>
+            <a:ext cx="3533040" cy="1896840"/>
           </a:xfrm>
           <a:prstGeom prst="rect">
             <a:avLst/>
@@ -4017,20 +3973,8 @@
             <a:normAutofit/>
           </a:bodyPr>
           <a:p>
-            <a:pPr>
-              <a:lnSpc>
-                <a:spcPct val="90000"/>
-              </a:lnSpc>
-              <a:spcBef>
-                <a:spcPts val="1417"/>
-              </a:spcBef>
-              <a:buNone/>
-            </a:pPr>
-            <a:endParaRPr b="0" lang="en-US" sz="2000" spc="-1" strike="noStrike">
-              <a:solidFill>
-                <a:srgbClr val="000000"/>
-              </a:solidFill>
-              <a:latin typeface="Rockwell"/>
+            <a:endParaRPr b="0" lang="en-IE" sz="3200" spc="-1" strike="noStrike">
+              <a:latin typeface="Arial"/>
             </a:endParaRPr>
           </a:p>
         </p:txBody>
@@ -4047,8 +3991,8 @@
         </p:nvSpPr>
         <p:spPr>
           <a:xfrm>
-            <a:off x="7871760" y="2121480"/>
-            <a:ext cx="3238560" cy="1931760"/>
+            <a:off x="8029800" y="1604520"/>
+            <a:ext cx="3533040" cy="1896840"/>
           </a:xfrm>
           <a:prstGeom prst="rect">
             <a:avLst/>
@@ -4063,20 +4007,8 @@
             <a:normAutofit/>
           </a:bodyPr>
           <a:p>
-            <a:pPr>
-              <a:lnSpc>
-                <a:spcPct val="90000"/>
-              </a:lnSpc>
-              <a:spcBef>
-                <a:spcPts val="1417"/>
-              </a:spcBef>
-              <a:buNone/>
-            </a:pPr>
-            <a:endParaRPr b="0" lang="en-US" sz="2000" spc="-1" strike="noStrike">
-              <a:solidFill>
-                <a:srgbClr val="000000"/>
-              </a:solidFill>
-              <a:latin typeface="Rockwell"/>
+            <a:endParaRPr b="0" lang="en-IE" sz="3200" spc="-1" strike="noStrike">
+              <a:latin typeface="Arial"/>
             </a:endParaRPr>
           </a:p>
         </p:txBody>
@@ -4093,8 +4025,8 @@
         </p:nvSpPr>
         <p:spPr>
           <a:xfrm>
-            <a:off x="1069920" y="4237200"/>
-            <a:ext cx="3238560" cy="1931760"/>
+            <a:off x="609480" y="3682080"/>
+            <a:ext cx="3533040" cy="1896840"/>
           </a:xfrm>
           <a:prstGeom prst="rect">
             <a:avLst/>
@@ -4109,20 +4041,8 @@
             <a:normAutofit/>
           </a:bodyPr>
           <a:p>
-            <a:pPr>
-              <a:lnSpc>
-                <a:spcPct val="90000"/>
-              </a:lnSpc>
-              <a:spcBef>
-                <a:spcPts val="1417"/>
-              </a:spcBef>
-              <a:buNone/>
-            </a:pPr>
-            <a:endParaRPr b="0" lang="en-US" sz="2000" spc="-1" strike="noStrike">
-              <a:solidFill>
-                <a:srgbClr val="000000"/>
-              </a:solidFill>
-              <a:latin typeface="Rockwell"/>
+            <a:endParaRPr b="0" lang="en-IE" sz="3200" spc="-1" strike="noStrike">
+              <a:latin typeface="Arial"/>
             </a:endParaRPr>
           </a:p>
         </p:txBody>
@@ -4139,8 +4059,8 @@
         </p:nvSpPr>
         <p:spPr>
           <a:xfrm>
-            <a:off x="4470840" y="4237200"/>
-            <a:ext cx="3238560" cy="1931760"/>
+            <a:off x="4319640" y="3682080"/>
+            <a:ext cx="3533040" cy="1896840"/>
           </a:xfrm>
           <a:prstGeom prst="rect">
             <a:avLst/>
@@ -4155,20 +4075,8 @@
             <a:normAutofit/>
           </a:bodyPr>
           <a:p>
-            <a:pPr>
-              <a:lnSpc>
-                <a:spcPct val="90000"/>
-              </a:lnSpc>
-              <a:spcBef>
-                <a:spcPts val="1417"/>
-              </a:spcBef>
-              <a:buNone/>
-            </a:pPr>
-            <a:endParaRPr b="0" lang="en-US" sz="2000" spc="-1" strike="noStrike">
-              <a:solidFill>
-                <a:srgbClr val="000000"/>
-              </a:solidFill>
-              <a:latin typeface="Rockwell"/>
+            <a:endParaRPr b="0" lang="en-IE" sz="3200" spc="-1" strike="noStrike">
+              <a:latin typeface="Arial"/>
             </a:endParaRPr>
           </a:p>
         </p:txBody>
@@ -4185,8 +4093,8 @@
         </p:nvSpPr>
         <p:spPr>
           <a:xfrm>
-            <a:off x="7871760" y="4237200"/>
-            <a:ext cx="3238560" cy="1931760"/>
+            <a:off x="8029800" y="3682080"/>
+            <a:ext cx="3533040" cy="1896840"/>
           </a:xfrm>
           <a:prstGeom prst="rect">
             <a:avLst/>
@@ -4201,20 +4109,8 @@
             <a:normAutofit/>
           </a:bodyPr>
           <a:p>
-            <a:pPr>
-              <a:lnSpc>
-                <a:spcPct val="90000"/>
-              </a:lnSpc>
-              <a:spcBef>
-                <a:spcPts val="1417"/>
-              </a:spcBef>
-              <a:buNone/>
-            </a:pPr>
-            <a:endParaRPr b="0" lang="en-US" sz="2000" spc="-1" strike="noStrike">
-              <a:solidFill>
-                <a:srgbClr val="000000"/>
-              </a:solidFill>
-              <a:latin typeface="Rockwell"/>
+            <a:endParaRPr b="0" lang="en-IE" sz="3200" spc="-1" strike="noStrike">
+              <a:latin typeface="Arial"/>
             </a:endParaRPr>
           </a:p>
         </p:txBody>
@@ -4226,7 +4122,7 @@
             <a:spLocks noGrp="1"/>
           </p:cNvSpPr>
           <p:nvPr>
-            <p:ph type="ftr" idx="5"/>
+            <p:ph type="ftr" idx="4"/>
           </p:nvPr>
         </p:nvSpPr>
         <p:spPr/>
@@ -4246,14 +4142,14 @@
             <a:spLocks noGrp="1"/>
           </p:cNvSpPr>
           <p:nvPr>
-            <p:ph type="sldNum" idx="6"/>
+            <p:ph type="sldNum" idx="5"/>
           </p:nvPr>
         </p:nvSpPr>
         <p:spPr/>
         <p:txBody>
           <a:bodyPr/>
           <a:p>
-            <a:fld id="{022A6AF3-6555-4F3B-98BD-77925DA46A3E}" type="slidenum">
+            <a:fld id="{6FC07237-4382-4186-BE42-03679F8D88AB}" type="slidenum">
               <a:t>&lt;#&gt;</a:t>
             </a:fld>
           </a:p>
@@ -4266,7 +4162,7 @@
             <a:spLocks noGrp="1"/>
           </p:cNvSpPr>
           <p:nvPr>
-            <p:ph type="dt" idx="4"/>
+            <p:ph type="dt" idx="6"/>
           </p:nvPr>
         </p:nvSpPr>
         <p:spPr/>
@@ -4314,8 +4210,8 @@
         </p:nvSpPr>
         <p:spPr>
           <a:xfrm>
-            <a:off x="1069920" y="484560"/>
-            <a:ext cx="10058040" cy="1608840"/>
+            <a:off x="609480" y="273600"/>
+            <a:ext cx="10972440" cy="1144800"/>
           </a:xfrm>
           <a:prstGeom prst="rect">
             <a:avLst/>
@@ -4330,11 +4226,11 @@
             <a:noAutofit/>
           </a:bodyPr>
           <a:p>
-            <a:endParaRPr b="0" lang="en-US" sz="1800" spc="-1" strike="noStrike">
-              <a:solidFill>
-                <a:srgbClr val="000000"/>
-              </a:solidFill>
-              <a:latin typeface="Rockwell"/>
+            <a:pPr algn="ctr">
+              <a:buNone/>
+            </a:pPr>
+            <a:endParaRPr b="0" lang="en-IE" sz="4400" spc="-1" strike="noStrike">
+              <a:latin typeface="Arial"/>
             </a:endParaRPr>
           </a:p>
         </p:txBody>
@@ -4351,8 +4247,8 @@
         </p:nvSpPr>
         <p:spPr>
           <a:xfrm>
-            <a:off x="1069920" y="2121480"/>
-            <a:ext cx="10058040" cy="4050360"/>
+            <a:off x="609480" y="1604520"/>
+            <a:ext cx="10972440" cy="3977280"/>
           </a:xfrm>
           <a:prstGeom prst="rect">
             <a:avLst/>
@@ -4367,20 +4263,8 @@
             <a:normAutofit/>
           </a:bodyPr>
           <a:p>
-            <a:pPr>
-              <a:lnSpc>
-                <a:spcPct val="90000"/>
-              </a:lnSpc>
-              <a:spcBef>
-                <a:spcPts val="1417"/>
-              </a:spcBef>
-              <a:buNone/>
-            </a:pPr>
-            <a:endParaRPr b="0" lang="en-US" sz="2000" spc="-1" strike="noStrike">
-              <a:solidFill>
-                <a:srgbClr val="000000"/>
-              </a:solidFill>
-              <a:latin typeface="Rockwell"/>
+            <a:endParaRPr b="0" lang="en-IE" sz="3200" spc="-1" strike="noStrike">
+              <a:latin typeface="Arial"/>
             </a:endParaRPr>
           </a:p>
         </p:txBody>
@@ -4392,7 +4276,7 @@
             <a:spLocks noGrp="1"/>
           </p:cNvSpPr>
           <p:nvPr>
-            <p:ph type="ftr" idx="2"/>
+            <p:ph type="ftr" idx="1"/>
           </p:nvPr>
         </p:nvSpPr>
         <p:spPr/>
@@ -4412,14 +4296,14 @@
             <a:spLocks noGrp="1"/>
           </p:cNvSpPr>
           <p:nvPr>
-            <p:ph type="sldNum" idx="3"/>
+            <p:ph type="sldNum" idx="2"/>
           </p:nvPr>
         </p:nvSpPr>
         <p:spPr/>
         <p:txBody>
           <a:bodyPr/>
           <a:p>
-            <a:fld id="{905513DF-4BC7-4BCB-8DC6-6D1B6A670252}" type="slidenum">
+            <a:fld id="{077A77C4-95DC-4D4A-A93D-0C24C397A4DC}" type="slidenum">
               <a:t>&lt;#&gt;</a:t>
             </a:fld>
           </a:p>
@@ -4432,7 +4316,7 @@
             <a:spLocks noGrp="1"/>
           </p:cNvSpPr>
           <p:nvPr>
-            <p:ph type="dt" idx="1"/>
+            <p:ph type="dt" idx="3"/>
           </p:nvPr>
         </p:nvSpPr>
         <p:spPr/>
@@ -4480,8 +4364,8 @@
         </p:nvSpPr>
         <p:spPr>
           <a:xfrm>
-            <a:off x="1069920" y="484560"/>
-            <a:ext cx="10058040" cy="1608840"/>
+            <a:off x="609480" y="273600"/>
+            <a:ext cx="10972440" cy="1144800"/>
           </a:xfrm>
           <a:prstGeom prst="rect">
             <a:avLst/>
@@ -4496,11 +4380,11 @@
             <a:noAutofit/>
           </a:bodyPr>
           <a:p>
-            <a:endParaRPr b="0" lang="en-US" sz="1800" spc="-1" strike="noStrike">
-              <a:solidFill>
-                <a:srgbClr val="000000"/>
-              </a:solidFill>
-              <a:latin typeface="Rockwell"/>
+            <a:pPr algn="ctr">
+              <a:buNone/>
+            </a:pPr>
+            <a:endParaRPr b="0" lang="en-IE" sz="4400" spc="-1" strike="noStrike">
+              <a:latin typeface="Arial"/>
             </a:endParaRPr>
           </a:p>
         </p:txBody>
@@ -4517,8 +4401,8 @@
         </p:nvSpPr>
         <p:spPr>
           <a:xfrm>
-            <a:off x="1069920" y="2121480"/>
-            <a:ext cx="4908240" cy="4050360"/>
+            <a:off x="609480" y="1604520"/>
+            <a:ext cx="5354280" cy="3977280"/>
           </a:xfrm>
           <a:prstGeom prst="rect">
             <a:avLst/>
@@ -4533,20 +4417,8 @@
             <a:normAutofit/>
           </a:bodyPr>
           <a:p>
-            <a:pPr>
-              <a:lnSpc>
-                <a:spcPct val="90000"/>
-              </a:lnSpc>
-              <a:spcBef>
-                <a:spcPts val="1417"/>
-              </a:spcBef>
-              <a:buNone/>
-            </a:pPr>
-            <a:endParaRPr b="0" lang="en-US" sz="2000" spc="-1" strike="noStrike">
-              <a:solidFill>
-                <a:srgbClr val="000000"/>
-              </a:solidFill>
-              <a:latin typeface="Rockwell"/>
+            <a:endParaRPr b="0" lang="en-IE" sz="3200" spc="-1" strike="noStrike">
+              <a:latin typeface="Arial"/>
             </a:endParaRPr>
           </a:p>
         </p:txBody>
@@ -4563,8 +4435,8 @@
         </p:nvSpPr>
         <p:spPr>
           <a:xfrm>
-            <a:off x="6224040" y="2121480"/>
-            <a:ext cx="4908240" cy="4050360"/>
+            <a:off x="6231960" y="1604520"/>
+            <a:ext cx="5354280" cy="3977280"/>
           </a:xfrm>
           <a:prstGeom prst="rect">
             <a:avLst/>
@@ -4579,20 +4451,8 @@
             <a:normAutofit/>
           </a:bodyPr>
           <a:p>
-            <a:pPr>
-              <a:lnSpc>
-                <a:spcPct val="90000"/>
-              </a:lnSpc>
-              <a:spcBef>
-                <a:spcPts val="1417"/>
-              </a:spcBef>
-              <a:buNone/>
-            </a:pPr>
-            <a:endParaRPr b="0" lang="en-US" sz="2000" spc="-1" strike="noStrike">
-              <a:solidFill>
-                <a:srgbClr val="000000"/>
-              </a:solidFill>
-              <a:latin typeface="Rockwell"/>
+            <a:endParaRPr b="0" lang="en-IE" sz="3200" spc="-1" strike="noStrike">
+              <a:latin typeface="Arial"/>
             </a:endParaRPr>
           </a:p>
         </p:txBody>
@@ -4604,7 +4464,7 @@
             <a:spLocks noGrp="1"/>
           </p:cNvSpPr>
           <p:nvPr>
-            <p:ph type="ftr" idx="2"/>
+            <p:ph type="ftr" idx="1"/>
           </p:nvPr>
         </p:nvSpPr>
         <p:spPr/>
@@ -4624,14 +4484,14 @@
             <a:spLocks noGrp="1"/>
           </p:cNvSpPr>
           <p:nvPr>
-            <p:ph type="sldNum" idx="3"/>
+            <p:ph type="sldNum" idx="2"/>
           </p:nvPr>
         </p:nvSpPr>
         <p:spPr/>
         <p:txBody>
           <a:bodyPr/>
           <a:p>
-            <a:fld id="{70B20A6D-9388-43EC-B5DB-653BCA5C4527}" type="slidenum">
+            <a:fld id="{6F0AB47A-12F4-4BEE-8FC0-3091D132287F}" type="slidenum">
               <a:t>&lt;#&gt;</a:t>
             </a:fld>
           </a:p>
@@ -4644,7 +4504,7 @@
             <a:spLocks noGrp="1"/>
           </p:cNvSpPr>
           <p:nvPr>
-            <p:ph type="dt" idx="1"/>
+            <p:ph type="dt" idx="3"/>
           </p:nvPr>
         </p:nvSpPr>
         <p:spPr/>
@@ -4692,8 +4552,8 @@
         </p:nvSpPr>
         <p:spPr>
           <a:xfrm>
-            <a:off x="1069920" y="484560"/>
-            <a:ext cx="10058040" cy="1608840"/>
+            <a:off x="609480" y="273600"/>
+            <a:ext cx="10972440" cy="1144800"/>
           </a:xfrm>
           <a:prstGeom prst="rect">
             <a:avLst/>
@@ -4708,11 +4568,11 @@
             <a:noAutofit/>
           </a:bodyPr>
           <a:p>
-            <a:endParaRPr b="0" lang="en-US" sz="1800" spc="-1" strike="noStrike">
-              <a:solidFill>
-                <a:srgbClr val="000000"/>
-              </a:solidFill>
-              <a:latin typeface="Rockwell"/>
+            <a:pPr algn="ctr">
+              <a:buNone/>
+            </a:pPr>
+            <a:endParaRPr b="0" lang="en-IE" sz="4400" spc="-1" strike="noStrike">
+              <a:latin typeface="Arial"/>
             </a:endParaRPr>
           </a:p>
         </p:txBody>
@@ -4724,7 +4584,7 @@
             <a:spLocks noGrp="1"/>
           </p:cNvSpPr>
           <p:nvPr>
-            <p:ph type="ftr" idx="2"/>
+            <p:ph type="ftr" idx="1"/>
           </p:nvPr>
         </p:nvSpPr>
         <p:spPr/>
@@ -4744,14 +4604,14 @@
             <a:spLocks noGrp="1"/>
           </p:cNvSpPr>
           <p:nvPr>
-            <p:ph type="sldNum" idx="3"/>
+            <p:ph type="sldNum" idx="2"/>
           </p:nvPr>
         </p:nvSpPr>
         <p:spPr/>
         <p:txBody>
           <a:bodyPr/>
           <a:p>
-            <a:fld id="{493D2EC6-6134-44F0-93DC-C8B42D9F46BB}" type="slidenum">
+            <a:fld id="{3164F500-F1E3-4FBA-B48D-2EB2395031DB}" type="slidenum">
               <a:t>&lt;#&gt;</a:t>
             </a:fld>
           </a:p>
@@ -4764,7 +4624,7 @@
             <a:spLocks noGrp="1"/>
           </p:cNvSpPr>
           <p:nvPr>
-            <p:ph type="dt" idx="1"/>
+            <p:ph type="dt" idx="3"/>
           </p:nvPr>
         </p:nvSpPr>
         <p:spPr/>
@@ -4812,8 +4672,8 @@
         </p:nvSpPr>
         <p:spPr>
           <a:xfrm>
-            <a:off x="1069920" y="484560"/>
-            <a:ext cx="10058040" cy="7458840"/>
+            <a:off x="609480" y="273600"/>
+            <a:ext cx="10972440" cy="5307840"/>
           </a:xfrm>
           <a:prstGeom prst="rect">
             <a:avLst/>
@@ -4844,7 +4704,7 @@
             <a:spLocks noGrp="1"/>
           </p:cNvSpPr>
           <p:nvPr>
-            <p:ph type="ftr" idx="2"/>
+            <p:ph type="ftr" idx="1"/>
           </p:nvPr>
         </p:nvSpPr>
         <p:spPr/>
@@ -4864,14 +4724,14 @@
             <a:spLocks noGrp="1"/>
           </p:cNvSpPr>
           <p:nvPr>
-            <p:ph type="sldNum" idx="3"/>
+            <p:ph type="sldNum" idx="2"/>
           </p:nvPr>
         </p:nvSpPr>
         <p:spPr/>
         <p:txBody>
           <a:bodyPr/>
           <a:p>
-            <a:fld id="{5A1BF788-E958-43F0-BE90-FAB0BC81FC54}" type="slidenum">
+            <a:fld id="{F97E19F6-10ED-4045-99FC-6D57BFE1F470}" type="slidenum">
               <a:t>&lt;#&gt;</a:t>
             </a:fld>
           </a:p>
@@ -4884,7 +4744,7 @@
             <a:spLocks noGrp="1"/>
           </p:cNvSpPr>
           <p:nvPr>
-            <p:ph type="dt" idx="1"/>
+            <p:ph type="dt" idx="3"/>
           </p:nvPr>
         </p:nvSpPr>
         <p:spPr/>
@@ -4932,8 +4792,8 @@
         </p:nvSpPr>
         <p:spPr>
           <a:xfrm>
-            <a:off x="1069920" y="484560"/>
-            <a:ext cx="10058040" cy="1608840"/>
+            <a:off x="609480" y="273600"/>
+            <a:ext cx="10972440" cy="1144800"/>
           </a:xfrm>
           <a:prstGeom prst="rect">
             <a:avLst/>
@@ -4948,11 +4808,11 @@
             <a:noAutofit/>
           </a:bodyPr>
           <a:p>
-            <a:endParaRPr b="0" lang="en-US" sz="1800" spc="-1" strike="noStrike">
-              <a:solidFill>
-                <a:srgbClr val="000000"/>
-              </a:solidFill>
-              <a:latin typeface="Rockwell"/>
+            <a:pPr algn="ctr">
+              <a:buNone/>
+            </a:pPr>
+            <a:endParaRPr b="0" lang="en-IE" sz="4400" spc="-1" strike="noStrike">
+              <a:latin typeface="Arial"/>
             </a:endParaRPr>
           </a:p>
         </p:txBody>
@@ -4969,8 +4829,8 @@
         </p:nvSpPr>
         <p:spPr>
           <a:xfrm>
-            <a:off x="1069920" y="2121480"/>
-            <a:ext cx="4908240" cy="1931760"/>
+            <a:off x="609480" y="1604520"/>
+            <a:ext cx="5354280" cy="1896840"/>
           </a:xfrm>
           <a:prstGeom prst="rect">
             <a:avLst/>
@@ -4985,20 +4845,8 @@
             <a:normAutofit/>
           </a:bodyPr>
           <a:p>
-            <a:pPr>
-              <a:lnSpc>
-                <a:spcPct val="90000"/>
-              </a:lnSpc>
-              <a:spcBef>
-                <a:spcPts val="1417"/>
-              </a:spcBef>
-              <a:buNone/>
-            </a:pPr>
-            <a:endParaRPr b="0" lang="en-US" sz="2000" spc="-1" strike="noStrike">
-              <a:solidFill>
-                <a:srgbClr val="000000"/>
-              </a:solidFill>
-              <a:latin typeface="Rockwell"/>
+            <a:endParaRPr b="0" lang="en-IE" sz="3200" spc="-1" strike="noStrike">
+              <a:latin typeface="Arial"/>
             </a:endParaRPr>
           </a:p>
         </p:txBody>
@@ -5015,8 +4863,8 @@
         </p:nvSpPr>
         <p:spPr>
           <a:xfrm>
-            <a:off x="6224040" y="2121480"/>
-            <a:ext cx="4908240" cy="4050360"/>
+            <a:off x="6231960" y="1604520"/>
+            <a:ext cx="5354280" cy="3977280"/>
           </a:xfrm>
           <a:prstGeom prst="rect">
             <a:avLst/>
@@ -5031,20 +4879,8 @@
             <a:normAutofit/>
           </a:bodyPr>
           <a:p>
-            <a:pPr>
-              <a:lnSpc>
-                <a:spcPct val="90000"/>
-              </a:lnSpc>
-              <a:spcBef>
-                <a:spcPts val="1417"/>
-              </a:spcBef>
-              <a:buNone/>
-            </a:pPr>
-            <a:endParaRPr b="0" lang="en-US" sz="2000" spc="-1" strike="noStrike">
-              <a:solidFill>
-                <a:srgbClr val="000000"/>
-              </a:solidFill>
-              <a:latin typeface="Rockwell"/>
+            <a:endParaRPr b="0" lang="en-IE" sz="3200" spc="-1" strike="noStrike">
+              <a:latin typeface="Arial"/>
             </a:endParaRPr>
           </a:p>
         </p:txBody>
@@ -5061,8 +4897,8 @@
         </p:nvSpPr>
         <p:spPr>
           <a:xfrm>
-            <a:off x="1069920" y="4237200"/>
-            <a:ext cx="4908240" cy="1931760"/>
+            <a:off x="609480" y="3682080"/>
+            <a:ext cx="5354280" cy="1896840"/>
           </a:xfrm>
           <a:prstGeom prst="rect">
             <a:avLst/>
@@ -5077,20 +4913,8 @@
             <a:normAutofit/>
           </a:bodyPr>
           <a:p>
-            <a:pPr>
-              <a:lnSpc>
-                <a:spcPct val="90000"/>
-              </a:lnSpc>
-              <a:spcBef>
-                <a:spcPts val="1417"/>
-              </a:spcBef>
-              <a:buNone/>
-            </a:pPr>
-            <a:endParaRPr b="0" lang="en-US" sz="2000" spc="-1" strike="noStrike">
-              <a:solidFill>
-                <a:srgbClr val="000000"/>
-              </a:solidFill>
-              <a:latin typeface="Rockwell"/>
+            <a:endParaRPr b="0" lang="en-IE" sz="3200" spc="-1" strike="noStrike">
+              <a:latin typeface="Arial"/>
             </a:endParaRPr>
           </a:p>
         </p:txBody>
@@ -5102,7 +4926,7 @@
             <a:spLocks noGrp="1"/>
           </p:cNvSpPr>
           <p:nvPr>
-            <p:ph type="ftr" idx="2"/>
+            <p:ph type="ftr" idx="1"/>
           </p:nvPr>
         </p:nvSpPr>
         <p:spPr/>
@@ -5122,14 +4946,14 @@
             <a:spLocks noGrp="1"/>
           </p:cNvSpPr>
           <p:nvPr>
-            <p:ph type="sldNum" idx="3"/>
+            <p:ph type="sldNum" idx="2"/>
           </p:nvPr>
         </p:nvSpPr>
         <p:spPr/>
         <p:txBody>
           <a:bodyPr/>
           <a:p>
-            <a:fld id="{4941C7DB-39F1-4F62-91E7-181BEE2F42DF}" type="slidenum">
+            <a:fld id="{56A0445C-D759-44AB-B19E-71E7E3EE76A9}" type="slidenum">
               <a:t>&lt;#&gt;</a:t>
             </a:fld>
           </a:p>
@@ -5142,7 +4966,7 @@
             <a:spLocks noGrp="1"/>
           </p:cNvSpPr>
           <p:nvPr>
-            <p:ph type="dt" idx="1"/>
+            <p:ph type="dt" idx="3"/>
           </p:nvPr>
         </p:nvSpPr>
         <p:spPr/>
@@ -5190,8 +5014,8 @@
         </p:nvSpPr>
         <p:spPr>
           <a:xfrm>
-            <a:off x="1069920" y="484560"/>
-            <a:ext cx="10058040" cy="1608840"/>
+            <a:off x="609480" y="273600"/>
+            <a:ext cx="10972440" cy="1144800"/>
           </a:xfrm>
           <a:prstGeom prst="rect">
             <a:avLst/>
@@ -5206,11 +5030,11 @@
             <a:noAutofit/>
           </a:bodyPr>
           <a:p>
-            <a:endParaRPr b="0" lang="en-US" sz="1800" spc="-1" strike="noStrike">
-              <a:solidFill>
-                <a:srgbClr val="000000"/>
-              </a:solidFill>
-              <a:latin typeface="Rockwell"/>
+            <a:pPr algn="ctr">
+              <a:buNone/>
+            </a:pPr>
+            <a:endParaRPr b="0" lang="en-IE" sz="4400" spc="-1" strike="noStrike">
+              <a:latin typeface="Arial"/>
             </a:endParaRPr>
           </a:p>
         </p:txBody>
@@ -5227,8 +5051,8 @@
         </p:nvSpPr>
         <p:spPr>
           <a:xfrm>
-            <a:off x="1069920" y="2121480"/>
-            <a:ext cx="4908240" cy="4050360"/>
+            <a:off x="609480" y="1604520"/>
+            <a:ext cx="5354280" cy="3977280"/>
           </a:xfrm>
           <a:prstGeom prst="rect">
             <a:avLst/>
@@ -5243,20 +5067,8 @@
             <a:normAutofit/>
           </a:bodyPr>
           <a:p>
-            <a:pPr>
-              <a:lnSpc>
-                <a:spcPct val="90000"/>
-              </a:lnSpc>
-              <a:spcBef>
-                <a:spcPts val="1417"/>
-              </a:spcBef>
-              <a:buNone/>
-            </a:pPr>
-            <a:endParaRPr b="0" lang="en-US" sz="2000" spc="-1" strike="noStrike">
-              <a:solidFill>
-                <a:srgbClr val="000000"/>
-              </a:solidFill>
-              <a:latin typeface="Rockwell"/>
+            <a:endParaRPr b="0" lang="en-IE" sz="3200" spc="-1" strike="noStrike">
+              <a:latin typeface="Arial"/>
             </a:endParaRPr>
           </a:p>
         </p:txBody>
@@ -5273,8 +5085,8 @@
         </p:nvSpPr>
         <p:spPr>
           <a:xfrm>
-            <a:off x="6224040" y="2121480"/>
-            <a:ext cx="4908240" cy="1931760"/>
+            <a:off x="6231960" y="1604520"/>
+            <a:ext cx="5354280" cy="1896840"/>
           </a:xfrm>
           <a:prstGeom prst="rect">
             <a:avLst/>
@@ -5289,20 +5101,8 @@
             <a:normAutofit/>
           </a:bodyPr>
           <a:p>
-            <a:pPr>
-              <a:lnSpc>
-                <a:spcPct val="90000"/>
-              </a:lnSpc>
-              <a:spcBef>
-                <a:spcPts val="1417"/>
-              </a:spcBef>
-              <a:buNone/>
-            </a:pPr>
-            <a:endParaRPr b="0" lang="en-US" sz="2000" spc="-1" strike="noStrike">
-              <a:solidFill>
-                <a:srgbClr val="000000"/>
-              </a:solidFill>
-              <a:latin typeface="Rockwell"/>
+            <a:endParaRPr b="0" lang="en-IE" sz="3200" spc="-1" strike="noStrike">
+              <a:latin typeface="Arial"/>
             </a:endParaRPr>
           </a:p>
         </p:txBody>
@@ -5319,8 +5119,8 @@
         </p:nvSpPr>
         <p:spPr>
           <a:xfrm>
-            <a:off x="6224040" y="4237200"/>
-            <a:ext cx="4908240" cy="1931760"/>
+            <a:off x="6231960" y="3682080"/>
+            <a:ext cx="5354280" cy="1896840"/>
           </a:xfrm>
           <a:prstGeom prst="rect">
             <a:avLst/>
@@ -5335,20 +5135,8 @@
             <a:normAutofit/>
           </a:bodyPr>
           <a:p>
-            <a:pPr>
-              <a:lnSpc>
-                <a:spcPct val="90000"/>
-              </a:lnSpc>
-              <a:spcBef>
-                <a:spcPts val="1417"/>
-              </a:spcBef>
-              <a:buNone/>
-            </a:pPr>
-            <a:endParaRPr b="0" lang="en-US" sz="2000" spc="-1" strike="noStrike">
-              <a:solidFill>
-                <a:srgbClr val="000000"/>
-              </a:solidFill>
-              <a:latin typeface="Rockwell"/>
+            <a:endParaRPr b="0" lang="en-IE" sz="3200" spc="-1" strike="noStrike">
+              <a:latin typeface="Arial"/>
             </a:endParaRPr>
           </a:p>
         </p:txBody>
@@ -5360,7 +5148,7 @@
             <a:spLocks noGrp="1"/>
           </p:cNvSpPr>
           <p:nvPr>
-            <p:ph type="ftr" idx="2"/>
+            <p:ph type="ftr" idx="1"/>
           </p:nvPr>
         </p:nvSpPr>
         <p:spPr/>
@@ -5380,14 +5168,14 @@
             <a:spLocks noGrp="1"/>
           </p:cNvSpPr>
           <p:nvPr>
-            <p:ph type="sldNum" idx="3"/>
+            <p:ph type="sldNum" idx="2"/>
           </p:nvPr>
         </p:nvSpPr>
         <p:spPr/>
         <p:txBody>
           <a:bodyPr/>
           <a:p>
-            <a:fld id="{945A23A8-5AC4-4A76-9F5A-AFD25E4C10EF}" type="slidenum">
+            <a:fld id="{58C91A6F-31F7-445B-B238-0C003A870C57}" type="slidenum">
               <a:t>&lt;#&gt;</a:t>
             </a:fld>
           </a:p>
@@ -5400,7 +5188,7 @@
             <a:spLocks noGrp="1"/>
           </p:cNvSpPr>
           <p:nvPr>
-            <p:ph type="dt" idx="1"/>
+            <p:ph type="dt" idx="3"/>
           </p:nvPr>
         </p:nvSpPr>
         <p:spPr/>
@@ -5448,8 +5236,8 @@
         </p:nvSpPr>
         <p:spPr>
           <a:xfrm>
-            <a:off x="1069920" y="484560"/>
-            <a:ext cx="10058040" cy="1608840"/>
+            <a:off x="609480" y="273600"/>
+            <a:ext cx="10972440" cy="1144800"/>
           </a:xfrm>
           <a:prstGeom prst="rect">
             <a:avLst/>
@@ -5464,11 +5252,11 @@
             <a:noAutofit/>
           </a:bodyPr>
           <a:p>
-            <a:endParaRPr b="0" lang="en-US" sz="1800" spc="-1" strike="noStrike">
-              <a:solidFill>
-                <a:srgbClr val="000000"/>
-              </a:solidFill>
-              <a:latin typeface="Rockwell"/>
+            <a:pPr algn="ctr">
+              <a:buNone/>
+            </a:pPr>
+            <a:endParaRPr b="0" lang="en-IE" sz="4400" spc="-1" strike="noStrike">
+              <a:latin typeface="Arial"/>
             </a:endParaRPr>
           </a:p>
         </p:txBody>
@@ -5485,8 +5273,8 @@
         </p:nvSpPr>
         <p:spPr>
           <a:xfrm>
-            <a:off x="1069920" y="2121480"/>
-            <a:ext cx="4908240" cy="1931760"/>
+            <a:off x="609480" y="1604520"/>
+            <a:ext cx="5354280" cy="1896840"/>
           </a:xfrm>
           <a:prstGeom prst="rect">
             <a:avLst/>
@@ -5501,20 +5289,8 @@
             <a:normAutofit/>
           </a:bodyPr>
           <a:p>
-            <a:pPr>
-              <a:lnSpc>
-                <a:spcPct val="90000"/>
-              </a:lnSpc>
-              <a:spcBef>
-                <a:spcPts val="1417"/>
-              </a:spcBef>
-              <a:buNone/>
-            </a:pPr>
-            <a:endParaRPr b="0" lang="en-US" sz="2000" spc="-1" strike="noStrike">
-              <a:solidFill>
-                <a:srgbClr val="000000"/>
-              </a:solidFill>
-              <a:latin typeface="Rockwell"/>
+            <a:endParaRPr b="0" lang="en-IE" sz="3200" spc="-1" strike="noStrike">
+              <a:latin typeface="Arial"/>
             </a:endParaRPr>
           </a:p>
         </p:txBody>
@@ -5531,8 +5307,8 @@
         </p:nvSpPr>
         <p:spPr>
           <a:xfrm>
-            <a:off x="6224040" y="2121480"/>
-            <a:ext cx="4908240" cy="1931760"/>
+            <a:off x="6231960" y="1604520"/>
+            <a:ext cx="5354280" cy="1896840"/>
           </a:xfrm>
           <a:prstGeom prst="rect">
             <a:avLst/>
@@ -5547,20 +5323,8 @@
             <a:normAutofit/>
           </a:bodyPr>
           <a:p>
-            <a:pPr>
-              <a:lnSpc>
-                <a:spcPct val="90000"/>
-              </a:lnSpc>
-              <a:spcBef>
-                <a:spcPts val="1417"/>
-              </a:spcBef>
-              <a:buNone/>
-            </a:pPr>
-            <a:endParaRPr b="0" lang="en-US" sz="2000" spc="-1" strike="noStrike">
-              <a:solidFill>
-                <a:srgbClr val="000000"/>
-              </a:solidFill>
-              <a:latin typeface="Rockwell"/>
+            <a:endParaRPr b="0" lang="en-IE" sz="3200" spc="-1" strike="noStrike">
+              <a:latin typeface="Arial"/>
             </a:endParaRPr>
           </a:p>
         </p:txBody>
@@ -5577,8 +5341,8 @@
         </p:nvSpPr>
         <p:spPr>
           <a:xfrm>
-            <a:off x="1069920" y="4237200"/>
-            <a:ext cx="10058040" cy="1931760"/>
+            <a:off x="609480" y="3682080"/>
+            <a:ext cx="10972440" cy="1896840"/>
           </a:xfrm>
           <a:prstGeom prst="rect">
             <a:avLst/>
@@ -5593,20 +5357,8 @@
             <a:normAutofit/>
           </a:bodyPr>
           <a:p>
-            <a:pPr>
-              <a:lnSpc>
-                <a:spcPct val="90000"/>
-              </a:lnSpc>
-              <a:spcBef>
-                <a:spcPts val="1417"/>
-              </a:spcBef>
-              <a:buNone/>
-            </a:pPr>
-            <a:endParaRPr b="0" lang="en-US" sz="2000" spc="-1" strike="noStrike">
-              <a:solidFill>
-                <a:srgbClr val="000000"/>
-              </a:solidFill>
-              <a:latin typeface="Rockwell"/>
+            <a:endParaRPr b="0" lang="en-IE" sz="3200" spc="-1" strike="noStrike">
+              <a:latin typeface="Arial"/>
             </a:endParaRPr>
           </a:p>
         </p:txBody>
@@ -5618,7 +5370,7 @@
             <a:spLocks noGrp="1"/>
           </p:cNvSpPr>
           <p:nvPr>
-            <p:ph type="ftr" idx="2"/>
+            <p:ph type="ftr" idx="1"/>
           </p:nvPr>
         </p:nvSpPr>
         <p:spPr/>
@@ -5638,14 +5390,14 @@
             <a:spLocks noGrp="1"/>
           </p:cNvSpPr>
           <p:nvPr>
-            <p:ph type="sldNum" idx="3"/>
+            <p:ph type="sldNum" idx="2"/>
           </p:nvPr>
         </p:nvSpPr>
         <p:spPr/>
         <p:txBody>
           <a:bodyPr/>
           <a:p>
-            <a:fld id="{E6CF42F1-E243-40DD-9DD7-101D93185622}" type="slidenum">
+            <a:fld id="{F8B38F82-88A9-49AD-B299-D1CB7C575EE9}" type="slidenum">
               <a:t>&lt;#&gt;</a:t>
             </a:fld>
           </a:p>
@@ -5658,7 +5410,7 @@
             <a:spLocks noGrp="1"/>
           </p:cNvSpPr>
           <p:nvPr>
-            <p:ph type="dt" idx="1"/>
+            <p:ph type="dt" idx="3"/>
           </p:nvPr>
         </p:nvSpPr>
         <p:spPr/>
@@ -5710,9 +5462,9 @@
         <p:grpSpPr>
           <a:xfrm>
             <a:off x="11401560" y="6229800"/>
-            <a:ext cx="456840" cy="456840"/>
+            <a:ext cx="456480" cy="456480"/>
             <a:chOff x="11401560" y="6229800"/>
-            <a:chExt cx="456840" cy="456840"/>
+            <a:chExt cx="456480" cy="456480"/>
           </a:xfrm>
         </p:grpSpPr>
         <p:sp>
@@ -5724,7 +5476,7 @@
           <p:spPr>
             <a:xfrm>
               <a:off x="11401560" y="6229800"/>
-              <a:ext cx="456840" cy="456840"/>
+              <a:ext cx="456480" cy="456480"/>
             </a:xfrm>
             <a:prstGeom prst="ellipse">
               <a:avLst/>
@@ -5754,7 +5506,7 @@
           <p:spPr>
             <a:xfrm>
               <a:off x="11431080" y="6258960"/>
-              <a:ext cx="398520" cy="398520"/>
+              <a:ext cx="398160" cy="398160"/>
             </a:xfrm>
             <a:prstGeom prst="ellipse">
               <a:avLst/>
@@ -5784,7 +5536,7 @@
         <p:spPr>
           <a:xfrm>
             <a:off x="920880" y="1347120"/>
-            <a:ext cx="10222560" cy="80280"/>
+            <a:ext cx="10222200" cy="79920"/>
           </a:xfrm>
           <a:prstGeom prst="rect">
             <a:avLst/>
@@ -5824,7 +5576,7 @@
         <p:spPr>
           <a:xfrm>
             <a:off x="920880" y="4299840"/>
-            <a:ext cx="10222560" cy="80280"/>
+            <a:ext cx="10222200" cy="79920"/>
           </a:xfrm>
           <a:prstGeom prst="rect">
             <a:avLst/>
@@ -5864,7 +5616,7 @@
         <p:spPr>
           <a:xfrm>
             <a:off x="920880" y="1484640"/>
-            <a:ext cx="10222560" cy="2742840"/>
+            <a:ext cx="10222200" cy="2742480"/>
           </a:xfrm>
           <a:prstGeom prst="rect">
             <a:avLst/>
@@ -5904,9 +5656,9 @@
         <p:grpSpPr>
           <a:xfrm>
             <a:off x="9649080" y="4069080"/>
-            <a:ext cx="1080720" cy="1080720"/>
+            <a:ext cx="1080360" cy="1080360"/>
             <a:chOff x="9649080" y="4069080"/>
-            <a:chExt cx="1080720" cy="1080720"/>
+            <a:chExt cx="1080360" cy="1080360"/>
           </a:xfrm>
         </p:grpSpPr>
         <p:sp>
@@ -5918,7 +5670,7 @@
           <p:spPr>
             <a:xfrm>
               <a:off x="9649080" y="4069080"/>
-              <a:ext cx="1080720" cy="1080720"/>
+              <a:ext cx="1080360" cy="1080360"/>
             </a:xfrm>
             <a:prstGeom prst="ellipse">
               <a:avLst/>
@@ -5948,7 +5700,7 @@
           <p:spPr>
             <a:xfrm>
               <a:off x="9757440" y="4177080"/>
-              <a:ext cx="864360" cy="864360"/>
+              <a:ext cx="864000" cy="864000"/>
             </a:xfrm>
             <a:prstGeom prst="ellipse">
               <a:avLst/>
@@ -5981,8 +5733,8 @@
         </p:nvSpPr>
         <p:spPr>
           <a:xfrm>
-            <a:off x="1051560" y="1432080"/>
-            <a:ext cx="9966600" cy="3035520"/>
+            <a:off x="1069920" y="484560"/>
+            <a:ext cx="10057680" cy="1608480"/>
           </a:xfrm>
           <a:prstGeom prst="rect">
             <a:avLst/>
@@ -5993,27 +5745,18 @@
           </a:ln>
         </p:spPr>
         <p:txBody>
-          <a:bodyPr anchor="ctr">
+          <a:bodyPr lIns="0" rIns="0" tIns="0" bIns="0" anchor="ctr">
             <a:noAutofit/>
           </a:bodyPr>
           <a:p>
-            <a:pPr>
-              <a:lnSpc>
-                <a:spcPct val="80000"/>
-              </a:lnSpc>
-              <a:buNone/>
-            </a:pPr>
-            <a:r>
-              <a:rPr b="0" lang="en-US" sz="9600" spc="-1" strike="noStrike" cap="all">
-                <a:latin typeface="Rockwell Condensed"/>
-              </a:rPr>
-              <a:t>Click to edit Master title style</a:t>
-            </a:r>
-            <a:endParaRPr b="0" lang="en-US" sz="9600" spc="-1" strike="noStrike">
-              <a:solidFill>
-                <a:srgbClr val="000000"/>
-              </a:solidFill>
-              <a:latin typeface="Rockwell"/>
+            <a:r>
+              <a:rPr b="0" lang="en-IE" sz="1800" spc="-1" strike="noStrike">
+                <a:latin typeface="Arial"/>
+              </a:rPr>
+              <a:t>Click to edit the title text format</a:t>
+            </a:r>
+            <a:endParaRPr b="0" lang="en-IE" sz="1800" spc="-1" strike="noStrike">
+              <a:latin typeface="Arial"/>
             </a:endParaRPr>
           </a:p>
         </p:txBody>
@@ -6025,13 +5768,13 @@
             <a:spLocks noGrp="1"/>
           </p:cNvSpPr>
           <p:nvPr>
-            <p:ph type="dt" idx="1"/>
-          </p:nvPr>
-        </p:nvSpPr>
-        <p:spPr>
-          <a:xfrm>
-            <a:off x="7964280" y="6272640"/>
-            <a:ext cx="3273120" cy="364680"/>
+            <p:ph type="ftr" idx="1"/>
+          </p:nvPr>
+        </p:nvSpPr>
+        <p:spPr>
+          <a:xfrm>
+            <a:off x="1088280" y="6272640"/>
+            <a:ext cx="6327000" cy="364320"/>
           </a:xfrm>
           <a:prstGeom prst="rect">
             <a:avLst/>
@@ -6042,74 +5785,14 @@
           </a:ln>
         </p:spPr>
         <p:txBody>
-          <a:bodyPr anchor="ctr">
-            <a:noAutofit/>
-          </a:bodyPr>
-          <a:lstStyle>
-            <a:lvl1pPr algn="r">
-              <a:lnSpc>
-                <a:spcPct val="100000"/>
-              </a:lnSpc>
-              <a:buNone/>
-              <a:defRPr b="0" lang="en-US" sz="1100" spc="-1" strike="noStrike">
-                <a:solidFill>
-                  <a:srgbClr val="696464"/>
-                </a:solidFill>
-                <a:latin typeface="Rockwell"/>
-              </a:defRPr>
-            </a:lvl1pPr>
-          </a:lstStyle>
-          <a:p>
-            <a:pPr algn="r">
-              <a:lnSpc>
-                <a:spcPct val="100000"/>
-              </a:lnSpc>
-              <a:buNone/>
-            </a:pPr>
-            <a:r>
-              <a:rPr b="0" lang="en-US" sz="1100" spc="-1" strike="noStrike">
-                <a:solidFill>
-                  <a:srgbClr val="696464"/>
-                </a:solidFill>
-                <a:latin typeface="Rockwell"/>
-              </a:rPr>
-              <a:t>&lt;date/time&gt;</a:t>
-            </a:r>
-            <a:endParaRPr b="0" lang="en-IE" sz="1100" spc="-1" strike="noStrike">
-              <a:latin typeface="Times New Roman"/>
-            </a:endParaRPr>
-          </a:p>
-        </p:txBody>
-      </p:sp>
-      <p:sp>
-        <p:nvSpPr>
-          <p:cNvPr id="11" name="PlaceHolder 3"/>
-          <p:cNvSpPr>
-            <a:spLocks noGrp="1"/>
-          </p:cNvSpPr>
-          <p:nvPr>
-            <p:ph type="ftr" idx="2"/>
-          </p:nvPr>
-        </p:nvSpPr>
-        <p:spPr>
-          <a:xfrm>
-            <a:off x="1088280" y="6272640"/>
-            <a:ext cx="6327360" cy="364680"/>
-          </a:xfrm>
-          <a:prstGeom prst="rect">
-            <a:avLst/>
-          </a:prstGeom>
-          <a:noFill/>
-          <a:ln w="0">
-            <a:noFill/>
-          </a:ln>
-        </p:spPr>
-        <p:txBody>
-          <a:bodyPr anchor="ctr">
+          <a:bodyPr lIns="90000" rIns="90000" tIns="45000" bIns="45000" anchor="ctr">
             <a:noAutofit/>
           </a:bodyPr>
           <a:lstStyle>
             <a:lvl1pPr algn="ctr">
+              <a:lnSpc>
+                <a:spcPct val="100000"/>
+              </a:lnSpc>
               <a:buNone/>
               <a:defRPr b="0" lang="en-IE" sz="1400" spc="-1" strike="noStrike">
                 <a:latin typeface="Times New Roman"/>
@@ -6118,6 +5801,9 @@
           </a:lstStyle>
           <a:p>
             <a:pPr algn="ctr">
+              <a:lnSpc>
+                <a:spcPct val="100000"/>
+              </a:lnSpc>
               <a:buNone/>
             </a:pPr>
             <a:r>
@@ -6134,18 +5820,18 @@
       </p:sp>
       <p:sp>
         <p:nvSpPr>
-          <p:cNvPr id="12" name="PlaceHolder 4"/>
-          <p:cNvSpPr>
-            <a:spLocks noGrp="1"/>
-          </p:cNvSpPr>
-          <p:nvPr>
-            <p:ph type="sldNum" idx="3"/>
+          <p:cNvPr id="11" name="PlaceHolder 3"/>
+          <p:cNvSpPr>
+            <a:spLocks noGrp="1"/>
+          </p:cNvSpPr>
+          <p:nvPr>
+            <p:ph type="sldNum" idx="2"/>
           </p:nvPr>
         </p:nvSpPr>
         <p:spPr>
           <a:xfrm>
             <a:off x="9592560" y="4289400"/>
-            <a:ext cx="1193400" cy="639720"/>
+            <a:ext cx="1193040" cy="639360"/>
           </a:xfrm>
           <a:prstGeom prst="rect">
             <a:avLst/>
@@ -6156,7 +5842,7 @@
           </a:ln>
         </p:spPr>
         <p:txBody>
-          <a:bodyPr anchor="ctr">
+          <a:bodyPr lIns="90000" rIns="90000" tIns="45000" bIns="45000" anchor="ctr">
             <a:noAutofit/>
           </a:bodyPr>
           <a:lstStyle>
@@ -6180,7 +5866,7 @@
               </a:lnSpc>
               <a:buNone/>
             </a:pPr>
-            <a:fld id="{83E1AB3F-BAB3-413D-9C10-AB146A50C157}" type="slidenum">
+            <a:fld id="{D7DA63FA-A430-4EE9-A6EC-13AE0B2AA192}" type="slidenum">
               <a:rPr b="1" lang="en-US" sz="2800" spc="-1" strike="noStrike">
                 <a:solidFill>
                   <a:srgbClr val="ffffff"/>
@@ -6197,6 +5883,53 @@
       </p:sp>
       <p:sp>
         <p:nvSpPr>
+          <p:cNvPr id="12" name="PlaceHolder 4"/>
+          <p:cNvSpPr>
+            <a:spLocks noGrp="1"/>
+          </p:cNvSpPr>
+          <p:nvPr>
+            <p:ph type="dt" idx="3"/>
+          </p:nvPr>
+        </p:nvSpPr>
+        <p:spPr>
+          <a:xfrm>
+            <a:off x="7964280" y="6272640"/>
+            <a:ext cx="3272760" cy="364320"/>
+          </a:xfrm>
+          <a:prstGeom prst="rect">
+            <a:avLst/>
+          </a:prstGeom>
+          <a:noFill/>
+          <a:ln w="0">
+            <a:noFill/>
+          </a:ln>
+        </p:spPr>
+        <p:txBody>
+          <a:bodyPr lIns="90000" rIns="90000" tIns="45000" bIns="45000" anchor="ctr">
+            <a:noAutofit/>
+          </a:bodyPr>
+          <a:lstStyle>
+            <a:lvl1pPr>
+              <a:defRPr b="0" lang="en-IE" sz="1400" spc="-1" strike="noStrike">
+                <a:latin typeface="Times New Roman"/>
+              </a:defRPr>
+            </a:lvl1pPr>
+          </a:lstStyle>
+          <a:p>
+            <a:r>
+              <a:rPr b="0" lang="en-IE" sz="1400" spc="-1" strike="noStrike">
+                <a:latin typeface="Times New Roman"/>
+              </a:rPr>
+              <a:t>&lt;date/time&gt;</a:t>
+            </a:r>
+            <a:endParaRPr b="0" lang="en-IE" sz="1400" spc="-1" strike="noStrike">
+              <a:latin typeface="Times New Roman"/>
+            </a:endParaRPr>
+          </a:p>
+        </p:txBody>
+      </p:sp>
+      <p:sp>
+        <p:nvSpPr>
           <p:cNvPr id="13" name="PlaceHolder 5"/>
           <p:cNvSpPr>
             <a:spLocks noGrp="1"/>
@@ -6224,9 +5957,6 @@
           </a:bodyPr>
           <a:p>
             <a:pPr marL="432000" indent="-324000">
-              <a:lnSpc>
-                <a:spcPct val="90000"/>
-              </a:lnSpc>
               <a:spcBef>
                 <a:spcPts val="1417"/>
               </a:spcBef>
@@ -6238,26 +5968,17 @@
               <a:buChar char=""/>
             </a:pPr>
             <a:r>
-              <a:rPr b="0" lang="en-US" sz="2000" spc="-1" strike="noStrike">
-                <a:solidFill>
-                  <a:srgbClr val="000000"/>
-                </a:solidFill>
-                <a:latin typeface="Rockwell"/>
+              <a:rPr b="0" lang="en-IE" sz="3200" spc="-1" strike="noStrike">
+                <a:latin typeface="Arial"/>
               </a:rPr>
               <a:t>Click to edit the outline text format</a:t>
             </a:r>
-            <a:endParaRPr b="0" lang="en-US" sz="2000" spc="-1" strike="noStrike">
-              <a:solidFill>
-                <a:srgbClr val="000000"/>
-              </a:solidFill>
-              <a:latin typeface="Rockwell"/>
+            <a:endParaRPr b="0" lang="en-IE" sz="3200" spc="-1" strike="noStrike">
+              <a:latin typeface="Arial"/>
             </a:endParaRPr>
           </a:p>
           <a:p>
             <a:pPr lvl="1" marL="864000" indent="-324000">
-              <a:lnSpc>
-                <a:spcPct val="90000"/>
-              </a:lnSpc>
               <a:spcBef>
                 <a:spcPts val="1134"/>
               </a:spcBef>
@@ -6269,26 +5990,17 @@
               <a:buChar char=""/>
             </a:pPr>
             <a:r>
-              <a:rPr b="0" lang="en-US" sz="1600" spc="-1" strike="noStrike">
-                <a:solidFill>
-                  <a:srgbClr val="000000"/>
-                </a:solidFill>
-                <a:latin typeface="Rockwell"/>
+              <a:rPr b="0" lang="en-IE" sz="2800" spc="-1" strike="noStrike">
+                <a:latin typeface="Arial"/>
               </a:rPr>
               <a:t>Second Outline Level</a:t>
             </a:r>
-            <a:endParaRPr b="0" lang="en-US" sz="1600" spc="-1" strike="noStrike">
-              <a:solidFill>
-                <a:srgbClr val="000000"/>
-              </a:solidFill>
-              <a:latin typeface="Rockwell"/>
+            <a:endParaRPr b="0" lang="en-IE" sz="2800" spc="-1" strike="noStrike">
+              <a:latin typeface="Arial"/>
             </a:endParaRPr>
           </a:p>
           <a:p>
             <a:pPr lvl="2" marL="1296000" indent="-288000">
-              <a:lnSpc>
-                <a:spcPct val="90000"/>
-              </a:lnSpc>
               <a:spcBef>
                 <a:spcPts val="850"/>
               </a:spcBef>
@@ -6300,26 +6012,17 @@
               <a:buChar char=""/>
             </a:pPr>
             <a:r>
-              <a:rPr b="0" lang="en-US" sz="1600" spc="-1" strike="noStrike">
-                <a:solidFill>
-                  <a:srgbClr val="000000"/>
-                </a:solidFill>
-                <a:latin typeface="Rockwell"/>
+              <a:rPr b="0" lang="en-IE" sz="2400" spc="-1" strike="noStrike">
+                <a:latin typeface="Arial"/>
               </a:rPr>
               <a:t>Third Outline Level</a:t>
             </a:r>
-            <a:endParaRPr b="0" lang="en-US" sz="1600" spc="-1" strike="noStrike">
-              <a:solidFill>
-                <a:srgbClr val="000000"/>
-              </a:solidFill>
-              <a:latin typeface="Rockwell"/>
+            <a:endParaRPr b="0" lang="en-IE" sz="2400" spc="-1" strike="noStrike">
+              <a:latin typeface="Arial"/>
             </a:endParaRPr>
           </a:p>
           <a:p>
             <a:pPr lvl="3" marL="1728000" indent="-216000">
-              <a:lnSpc>
-                <a:spcPct val="90000"/>
-              </a:lnSpc>
               <a:spcBef>
                 <a:spcPts val="567"/>
               </a:spcBef>
@@ -6331,26 +6034,17 @@
               <a:buChar char=""/>
             </a:pPr>
             <a:r>
-              <a:rPr b="0" lang="en-US" sz="1600" spc="-1" strike="noStrike">
-                <a:solidFill>
-                  <a:srgbClr val="000000"/>
-                </a:solidFill>
-                <a:latin typeface="Rockwell"/>
+              <a:rPr b="0" lang="en-IE" sz="2000" spc="-1" strike="noStrike">
+                <a:latin typeface="Arial"/>
               </a:rPr>
               <a:t>Fourth Outline Level</a:t>
             </a:r>
-            <a:endParaRPr b="0" lang="en-US" sz="1600" spc="-1" strike="noStrike">
-              <a:solidFill>
-                <a:srgbClr val="000000"/>
-              </a:solidFill>
-              <a:latin typeface="Rockwell"/>
+            <a:endParaRPr b="0" lang="en-IE" sz="2000" spc="-1" strike="noStrike">
+              <a:latin typeface="Arial"/>
             </a:endParaRPr>
           </a:p>
           <a:p>
             <a:pPr lvl="4" marL="2160000" indent="-216000">
-              <a:lnSpc>
-                <a:spcPct val="90000"/>
-              </a:lnSpc>
               <a:spcBef>
                 <a:spcPts val="283"/>
               </a:spcBef>
@@ -6362,26 +6056,17 @@
               <a:buChar char=""/>
             </a:pPr>
             <a:r>
-              <a:rPr b="0" lang="en-US" sz="2000" spc="-1" strike="noStrike">
-                <a:solidFill>
-                  <a:srgbClr val="000000"/>
-                </a:solidFill>
-                <a:latin typeface="Rockwell"/>
+              <a:rPr b="0" lang="en-IE" sz="2000" spc="-1" strike="noStrike">
+                <a:latin typeface="Arial"/>
               </a:rPr>
               <a:t>Fifth Outline Level</a:t>
             </a:r>
-            <a:endParaRPr b="0" lang="en-US" sz="2000" spc="-1" strike="noStrike">
-              <a:solidFill>
-                <a:srgbClr val="000000"/>
-              </a:solidFill>
-              <a:latin typeface="Rockwell"/>
+            <a:endParaRPr b="0" lang="en-IE" sz="2000" spc="-1" strike="noStrike">
+              <a:latin typeface="Arial"/>
             </a:endParaRPr>
           </a:p>
           <a:p>
             <a:pPr lvl="5" marL="2592000" indent="-216000">
-              <a:lnSpc>
-                <a:spcPct val="90000"/>
-              </a:lnSpc>
               <a:spcBef>
                 <a:spcPts val="283"/>
               </a:spcBef>
@@ -6393,26 +6078,17 @@
               <a:buChar char=""/>
             </a:pPr>
             <a:r>
-              <a:rPr b="0" lang="en-US" sz="2000" spc="-1" strike="noStrike">
-                <a:solidFill>
-                  <a:srgbClr val="000000"/>
-                </a:solidFill>
-                <a:latin typeface="Rockwell"/>
+              <a:rPr b="0" lang="en-IE" sz="2000" spc="-1" strike="noStrike">
+                <a:latin typeface="Arial"/>
               </a:rPr>
               <a:t>Sixth Outline Level</a:t>
             </a:r>
-            <a:endParaRPr b="0" lang="en-US" sz="2000" spc="-1" strike="noStrike">
-              <a:solidFill>
-                <a:srgbClr val="000000"/>
-              </a:solidFill>
-              <a:latin typeface="Rockwell"/>
+            <a:endParaRPr b="0" lang="en-IE" sz="2000" spc="-1" strike="noStrike">
+              <a:latin typeface="Arial"/>
             </a:endParaRPr>
           </a:p>
           <a:p>
             <a:pPr lvl="6" marL="3024000" indent="-216000">
-              <a:lnSpc>
-                <a:spcPct val="90000"/>
-              </a:lnSpc>
               <a:spcBef>
                 <a:spcPts val="283"/>
               </a:spcBef>
@@ -6424,19 +6100,13 @@
               <a:buChar char=""/>
             </a:pPr>
             <a:r>
-              <a:rPr b="0" lang="en-US" sz="2000" spc="-1" strike="noStrike">
-                <a:solidFill>
-                  <a:srgbClr val="000000"/>
-                </a:solidFill>
-                <a:latin typeface="Rockwell"/>
+              <a:rPr b="0" lang="en-IE" sz="2000" spc="-1" strike="noStrike">
+                <a:latin typeface="Arial"/>
               </a:rPr>
               <a:t>Seventh Outline Level</a:t>
             </a:r>
-            <a:endParaRPr b="0" lang="en-US" sz="2000" spc="-1" strike="noStrike">
-              <a:solidFill>
-                <a:srgbClr val="000000"/>
-              </a:solidFill>
-              <a:latin typeface="Rockwell"/>
+            <a:endParaRPr b="0" lang="en-IE" sz="2000" spc="-1" strike="noStrike">
+              <a:latin typeface="Arial"/>
             </a:endParaRPr>
           </a:p>
         </p:txBody>
@@ -6494,9 +6164,9 @@
         <p:grpSpPr>
           <a:xfrm>
             <a:off x="11401560" y="6229800"/>
-            <a:ext cx="456840" cy="456840"/>
+            <a:ext cx="456480" cy="456480"/>
             <a:chOff x="11401560" y="6229800"/>
-            <a:chExt cx="456840" cy="456840"/>
+            <a:chExt cx="456480" cy="456480"/>
           </a:xfrm>
         </p:grpSpPr>
         <p:sp>
@@ -6508,7 +6178,7 @@
           <p:spPr>
             <a:xfrm>
               <a:off x="11401560" y="6229800"/>
-              <a:ext cx="456840" cy="456840"/>
+              <a:ext cx="456480" cy="456480"/>
             </a:xfrm>
             <a:prstGeom prst="ellipse">
               <a:avLst/>
@@ -6538,7 +6208,7 @@
           <p:spPr>
             <a:xfrm>
               <a:off x="11431080" y="6258960"/>
-              <a:ext cx="398520" cy="398520"/>
+              <a:ext cx="398160" cy="398160"/>
             </a:xfrm>
             <a:prstGeom prst="ellipse">
               <a:avLst/>
@@ -6566,13 +6236,13 @@
             <a:spLocks noGrp="1"/>
           </p:cNvSpPr>
           <p:nvPr>
-            <p:ph type="title"/>
-          </p:nvPr>
-        </p:nvSpPr>
-        <p:spPr>
-          <a:xfrm>
-            <a:off x="1069920" y="484560"/>
-            <a:ext cx="10058040" cy="1608840"/>
+            <p:ph type="ftr" idx="4"/>
+          </p:nvPr>
+        </p:nvSpPr>
+        <p:spPr>
+          <a:xfrm>
+            <a:off x="1088280" y="6272640"/>
+            <a:ext cx="6327000" cy="364320"/>
           </a:xfrm>
           <a:prstGeom prst="rect">
             <a:avLst/>
@@ -6583,319 +6253,14 @@
           </a:ln>
         </p:spPr>
         <p:txBody>
-          <a:bodyPr anchor="ctr">
-            <a:noAutofit/>
-          </a:bodyPr>
-          <a:p>
-            <a:pPr>
-              <a:lnSpc>
-                <a:spcPct val="90000"/>
-              </a:lnSpc>
-              <a:buNone/>
-            </a:pPr>
-            <a:r>
-              <a:rPr b="0" lang="en-US" sz="5400" spc="-1" strike="noStrike" cap="all">
-                <a:latin typeface="Rockwell Condensed"/>
-              </a:rPr>
-              <a:t>Click to edit Master title style</a:t>
-            </a:r>
-            <a:endParaRPr b="0" lang="en-US" sz="5400" spc="-1" strike="noStrike">
-              <a:solidFill>
-                <a:srgbClr val="000000"/>
-              </a:solidFill>
-              <a:latin typeface="Rockwell"/>
-            </a:endParaRPr>
-          </a:p>
-        </p:txBody>
-      </p:sp>
-      <p:sp>
-        <p:nvSpPr>
-          <p:cNvPr id="54" name="PlaceHolder 2"/>
-          <p:cNvSpPr>
-            <a:spLocks noGrp="1"/>
-          </p:cNvSpPr>
-          <p:nvPr>
-            <p:ph type="body"/>
-          </p:nvPr>
-        </p:nvSpPr>
-        <p:spPr>
-          <a:xfrm>
-            <a:off x="1069920" y="2121480"/>
-            <a:ext cx="10058040" cy="4050360"/>
-          </a:xfrm>
-          <a:prstGeom prst="rect">
-            <a:avLst/>
-          </a:prstGeom>
-          <a:noFill/>
-          <a:ln w="0">
-            <a:noFill/>
-          </a:ln>
-        </p:spPr>
-        <p:txBody>
-          <a:bodyPr anchor="t">
-            <a:noAutofit/>
-          </a:bodyPr>
-          <a:p>
-            <a:pPr marL="182880" indent="-182880">
-              <a:lnSpc>
-                <a:spcPct val="90000"/>
-              </a:lnSpc>
-              <a:spcBef>
-                <a:spcPts val="1199"/>
-              </a:spcBef>
-              <a:buClr>
-                <a:srgbClr val="9e3611"/>
-              </a:buClr>
-              <a:buSzPct val="85000"/>
-              <a:buFont typeface="Wingdings" charset="2"/>
-              <a:buChar char=""/>
-            </a:pPr>
-            <a:r>
-              <a:rPr b="0" lang="en-US" sz="2000" spc="-1" strike="noStrike">
-                <a:solidFill>
-                  <a:srgbClr val="000000"/>
-                </a:solidFill>
-                <a:latin typeface="Rockwell"/>
-              </a:rPr>
-              <a:t>Click to edit Master text styles</a:t>
-            </a:r>
-            <a:endParaRPr b="0" lang="en-US" sz="2000" spc="-1" strike="noStrike">
-              <a:solidFill>
-                <a:srgbClr val="000000"/>
-              </a:solidFill>
-              <a:latin typeface="Rockwell"/>
-            </a:endParaRPr>
-          </a:p>
-          <a:p>
-            <a:pPr lvl="1" marL="457200" indent="-182880">
-              <a:lnSpc>
-                <a:spcPct val="90000"/>
-              </a:lnSpc>
-              <a:spcBef>
-                <a:spcPts val="400"/>
-              </a:spcBef>
-              <a:spcAft>
-                <a:spcPts val="201"/>
-              </a:spcAft>
-              <a:buClr>
-                <a:srgbClr val="9e3611"/>
-              </a:buClr>
-              <a:buSzPct val="85000"/>
-              <a:buFont typeface="Wingdings" charset="2"/>
-              <a:buChar char=""/>
-            </a:pPr>
-            <a:r>
-              <a:rPr b="0" lang="en-US" sz="1800" spc="-1" strike="noStrike">
-                <a:solidFill>
-                  <a:srgbClr val="000000"/>
-                </a:solidFill>
-                <a:latin typeface="Rockwell"/>
-              </a:rPr>
-              <a:t>Second level</a:t>
-            </a:r>
-            <a:endParaRPr b="0" lang="en-US" sz="1800" spc="-1" strike="noStrike">
-              <a:solidFill>
-                <a:srgbClr val="000000"/>
-              </a:solidFill>
-              <a:latin typeface="Rockwell"/>
-            </a:endParaRPr>
-          </a:p>
-          <a:p>
-            <a:pPr lvl="2" marL="731520" indent="-182880">
-              <a:lnSpc>
-                <a:spcPct val="90000"/>
-              </a:lnSpc>
-              <a:spcBef>
-                <a:spcPts val="400"/>
-              </a:spcBef>
-              <a:spcAft>
-                <a:spcPts val="201"/>
-              </a:spcAft>
-              <a:buClr>
-                <a:srgbClr val="9e3611"/>
-              </a:buClr>
-              <a:buSzPct val="85000"/>
-              <a:buFont typeface="Wingdings" charset="2"/>
-              <a:buChar char=""/>
-            </a:pPr>
-            <a:r>
-              <a:rPr b="0" lang="en-US" sz="1600" spc="-1" strike="noStrike">
-                <a:solidFill>
-                  <a:srgbClr val="000000"/>
-                </a:solidFill>
-                <a:latin typeface="Rockwell"/>
-              </a:rPr>
-              <a:t>Third level</a:t>
-            </a:r>
-            <a:endParaRPr b="0" lang="en-US" sz="1600" spc="-1" strike="noStrike">
-              <a:solidFill>
-                <a:srgbClr val="000000"/>
-              </a:solidFill>
-              <a:latin typeface="Rockwell"/>
-            </a:endParaRPr>
-          </a:p>
-          <a:p>
-            <a:pPr lvl="3" marL="1005840" indent="-182880">
-              <a:lnSpc>
-                <a:spcPct val="90000"/>
-              </a:lnSpc>
-              <a:spcBef>
-                <a:spcPts val="400"/>
-              </a:spcBef>
-              <a:spcAft>
-                <a:spcPts val="201"/>
-              </a:spcAft>
-              <a:buClr>
-                <a:srgbClr val="9e3611"/>
-              </a:buClr>
-              <a:buSzPct val="85000"/>
-              <a:buFont typeface="Wingdings" charset="2"/>
-              <a:buChar char=""/>
-            </a:pPr>
-            <a:r>
-              <a:rPr b="0" lang="en-US" sz="1600" spc="-1" strike="noStrike">
-                <a:solidFill>
-                  <a:srgbClr val="000000"/>
-                </a:solidFill>
-                <a:latin typeface="Rockwell"/>
-              </a:rPr>
-              <a:t>Fourth level</a:t>
-            </a:r>
-            <a:endParaRPr b="0" lang="en-US" sz="1600" spc="-1" strike="noStrike">
-              <a:solidFill>
-                <a:srgbClr val="000000"/>
-              </a:solidFill>
-              <a:latin typeface="Rockwell"/>
-            </a:endParaRPr>
-          </a:p>
-          <a:p>
-            <a:pPr lvl="4" marL="1280160" indent="-182880">
-              <a:lnSpc>
-                <a:spcPct val="90000"/>
-              </a:lnSpc>
-              <a:spcBef>
-                <a:spcPts val="400"/>
-              </a:spcBef>
-              <a:spcAft>
-                <a:spcPts val="201"/>
-              </a:spcAft>
-              <a:buClr>
-                <a:srgbClr val="9e3611"/>
-              </a:buClr>
-              <a:buSzPct val="85000"/>
-              <a:buFont typeface="Wingdings" charset="2"/>
-              <a:buChar char=""/>
-            </a:pPr>
-            <a:r>
-              <a:rPr b="0" lang="en-US" sz="1600" spc="-1" strike="noStrike">
-                <a:solidFill>
-                  <a:srgbClr val="000000"/>
-                </a:solidFill>
-                <a:latin typeface="Rockwell"/>
-              </a:rPr>
-              <a:t>Fifth level</a:t>
-            </a:r>
-            <a:endParaRPr b="0" lang="en-US" sz="1600" spc="-1" strike="noStrike">
-              <a:solidFill>
-                <a:srgbClr val="000000"/>
-              </a:solidFill>
-              <a:latin typeface="Rockwell"/>
-            </a:endParaRPr>
-          </a:p>
-        </p:txBody>
-      </p:sp>
-      <p:sp>
-        <p:nvSpPr>
-          <p:cNvPr id="55" name="PlaceHolder 3"/>
-          <p:cNvSpPr>
-            <a:spLocks noGrp="1"/>
-          </p:cNvSpPr>
-          <p:nvPr>
-            <p:ph type="dt" idx="4"/>
-          </p:nvPr>
-        </p:nvSpPr>
-        <p:spPr>
-          <a:xfrm>
-            <a:off x="7964280" y="6272640"/>
-            <a:ext cx="3273120" cy="364680"/>
-          </a:xfrm>
-          <a:prstGeom prst="rect">
-            <a:avLst/>
-          </a:prstGeom>
-          <a:noFill/>
-          <a:ln w="0">
-            <a:noFill/>
-          </a:ln>
-        </p:spPr>
-        <p:txBody>
-          <a:bodyPr anchor="ctr">
-            <a:noAutofit/>
-          </a:bodyPr>
-          <a:lstStyle>
-            <a:lvl1pPr algn="r">
-              <a:lnSpc>
-                <a:spcPct val="100000"/>
-              </a:lnSpc>
-              <a:buNone/>
-              <a:defRPr b="0" lang="en-US" sz="1100" spc="-1" strike="noStrike">
-                <a:solidFill>
-                  <a:srgbClr val="696464"/>
-                </a:solidFill>
-                <a:latin typeface="Rockwell"/>
-              </a:defRPr>
-            </a:lvl1pPr>
-          </a:lstStyle>
-          <a:p>
-            <a:pPr algn="r">
-              <a:lnSpc>
-                <a:spcPct val="100000"/>
-              </a:lnSpc>
-              <a:buNone/>
-            </a:pPr>
-            <a:r>
-              <a:rPr b="0" lang="en-US" sz="1100" spc="-1" strike="noStrike">
-                <a:solidFill>
-                  <a:srgbClr val="696464"/>
-                </a:solidFill>
-                <a:latin typeface="Rockwell"/>
-              </a:rPr>
-              <a:t>&lt;date/time&gt;</a:t>
-            </a:r>
-            <a:endParaRPr b="0" lang="en-IE" sz="1100" spc="-1" strike="noStrike">
-              <a:latin typeface="Times New Roman"/>
-            </a:endParaRPr>
-          </a:p>
-        </p:txBody>
-      </p:sp>
-      <p:sp>
-        <p:nvSpPr>
-          <p:cNvPr id="56" name="PlaceHolder 4"/>
-          <p:cNvSpPr>
-            <a:spLocks noGrp="1"/>
-          </p:cNvSpPr>
-          <p:nvPr>
-            <p:ph type="ftr" idx="5"/>
-          </p:nvPr>
-        </p:nvSpPr>
-        <p:spPr>
-          <a:xfrm>
-            <a:off x="1088280" y="6272640"/>
-            <a:ext cx="6327360" cy="364680"/>
-          </a:xfrm>
-          <a:prstGeom prst="rect">
-            <a:avLst/>
-          </a:prstGeom>
-          <a:noFill/>
-          <a:ln w="0">
-            <a:noFill/>
-          </a:ln>
-        </p:spPr>
-        <p:txBody>
-          <a:bodyPr anchor="ctr">
+          <a:bodyPr lIns="90000" rIns="90000" tIns="45000" bIns="45000" anchor="ctr">
             <a:noAutofit/>
           </a:bodyPr>
           <a:lstStyle>
             <a:lvl1pPr algn="ctr">
+              <a:lnSpc>
+                <a:spcPct val="100000"/>
+              </a:lnSpc>
               <a:buNone/>
               <a:defRPr b="0" lang="en-IE" sz="1400" spc="-1" strike="noStrike">
                 <a:latin typeface="Times New Roman"/>
@@ -6904,6 +6269,9 @@
           </a:lstStyle>
           <a:p>
             <a:pPr algn="ctr">
+              <a:lnSpc>
+                <a:spcPct val="100000"/>
+              </a:lnSpc>
               <a:buNone/>
             </a:pPr>
             <a:r>
@@ -6920,18 +6288,18 @@
       </p:sp>
       <p:sp>
         <p:nvSpPr>
-          <p:cNvPr id="57" name="PlaceHolder 5"/>
-          <p:cNvSpPr>
-            <a:spLocks noGrp="1"/>
-          </p:cNvSpPr>
-          <p:nvPr>
-            <p:ph type="sldNum" idx="6"/>
+          <p:cNvPr id="54" name="PlaceHolder 2"/>
+          <p:cNvSpPr>
+            <a:spLocks noGrp="1"/>
+          </p:cNvSpPr>
+          <p:nvPr>
+            <p:ph type="sldNum" idx="5"/>
           </p:nvPr>
         </p:nvSpPr>
         <p:spPr>
           <a:xfrm>
             <a:off x="11311200" y="6272640"/>
-            <a:ext cx="639720" cy="364680"/>
+            <a:ext cx="639360" cy="364320"/>
           </a:xfrm>
           <a:prstGeom prst="rect">
             <a:avLst/>
@@ -6942,7 +6310,7 @@
           </a:ln>
         </p:spPr>
         <p:txBody>
-          <a:bodyPr anchor="ctr">
+          <a:bodyPr lIns="90000" rIns="90000" tIns="45000" bIns="45000" anchor="ctr">
             <a:noAutofit/>
           </a:bodyPr>
           <a:lstStyle>
@@ -6966,7 +6334,7 @@
               </a:lnSpc>
               <a:buNone/>
             </a:pPr>
-            <a:fld id="{DEF48C11-6C72-485D-9BEA-D32AAA75306F}" type="slidenum">
+            <a:fld id="{4AC62C92-2D47-4C13-9394-43DF27C1AE66}" type="slidenum">
               <a:rPr b="1" lang="en-US" sz="1400" spc="-1" strike="noStrike">
                 <a:solidFill>
                   <a:srgbClr val="ffffff"/>
@@ -6977,6 +6345,279 @@
             </a:fld>
             <a:endParaRPr b="0" lang="en-IE" sz="1400" spc="-1" strike="noStrike">
               <a:latin typeface="Times New Roman"/>
+            </a:endParaRPr>
+          </a:p>
+        </p:txBody>
+      </p:sp>
+      <p:sp>
+        <p:nvSpPr>
+          <p:cNvPr id="55" name="PlaceHolder 3"/>
+          <p:cNvSpPr>
+            <a:spLocks noGrp="1"/>
+          </p:cNvSpPr>
+          <p:nvPr>
+            <p:ph type="dt" idx="6"/>
+          </p:nvPr>
+        </p:nvSpPr>
+        <p:spPr>
+          <a:xfrm>
+            <a:off x="7964280" y="6272640"/>
+            <a:ext cx="3272760" cy="364320"/>
+          </a:xfrm>
+          <a:prstGeom prst="rect">
+            <a:avLst/>
+          </a:prstGeom>
+          <a:noFill/>
+          <a:ln w="0">
+            <a:noFill/>
+          </a:ln>
+        </p:spPr>
+        <p:txBody>
+          <a:bodyPr lIns="90000" rIns="90000" tIns="45000" bIns="45000" anchor="ctr">
+            <a:noAutofit/>
+          </a:bodyPr>
+          <a:lstStyle>
+            <a:lvl1pPr>
+              <a:defRPr b="0" lang="en-IE" sz="1400" spc="-1" strike="noStrike">
+                <a:latin typeface="Times New Roman"/>
+              </a:defRPr>
+            </a:lvl1pPr>
+          </a:lstStyle>
+          <a:p>
+            <a:r>
+              <a:rPr b="0" lang="en-IE" sz="1400" spc="-1" strike="noStrike">
+                <a:latin typeface="Times New Roman"/>
+              </a:rPr>
+              <a:t>&lt;date/time&gt;</a:t>
+            </a:r>
+            <a:endParaRPr b="0" lang="en-IE" sz="1400" spc="-1" strike="noStrike">
+              <a:latin typeface="Times New Roman"/>
+            </a:endParaRPr>
+          </a:p>
+        </p:txBody>
+      </p:sp>
+      <p:sp>
+        <p:nvSpPr>
+          <p:cNvPr id="56" name="PlaceHolder 4"/>
+          <p:cNvSpPr>
+            <a:spLocks noGrp="1"/>
+          </p:cNvSpPr>
+          <p:nvPr>
+            <p:ph type="title"/>
+          </p:nvPr>
+        </p:nvSpPr>
+        <p:spPr>
+          <a:xfrm>
+            <a:off x="609480" y="273600"/>
+            <a:ext cx="10972440" cy="1144800"/>
+          </a:xfrm>
+          <a:prstGeom prst="rect">
+            <a:avLst/>
+          </a:prstGeom>
+          <a:noFill/>
+          <a:ln w="0">
+            <a:noFill/>
+          </a:ln>
+        </p:spPr>
+        <p:txBody>
+          <a:bodyPr lIns="0" rIns="0" tIns="0" bIns="0" anchor="ctr">
+            <a:noAutofit/>
+          </a:bodyPr>
+          <a:p>
+            <a:pPr algn="ctr">
+              <a:buNone/>
+            </a:pPr>
+            <a:r>
+              <a:rPr b="0" lang="en-IE" sz="4400" spc="-1" strike="noStrike">
+                <a:latin typeface="Arial"/>
+              </a:rPr>
+              <a:t>Click to edit the title text format</a:t>
+            </a:r>
+            <a:endParaRPr b="0" lang="en-IE" sz="4400" spc="-1" strike="noStrike">
+              <a:latin typeface="Arial"/>
+            </a:endParaRPr>
+          </a:p>
+        </p:txBody>
+      </p:sp>
+      <p:sp>
+        <p:nvSpPr>
+          <p:cNvPr id="57" name="PlaceHolder 5"/>
+          <p:cNvSpPr>
+            <a:spLocks noGrp="1"/>
+          </p:cNvSpPr>
+          <p:nvPr>
+            <p:ph type="body"/>
+          </p:nvPr>
+        </p:nvSpPr>
+        <p:spPr>
+          <a:xfrm>
+            <a:off x="609480" y="1604520"/>
+            <a:ext cx="10972440" cy="3977280"/>
+          </a:xfrm>
+          <a:prstGeom prst="rect">
+            <a:avLst/>
+          </a:prstGeom>
+          <a:noFill/>
+          <a:ln w="0">
+            <a:noFill/>
+          </a:ln>
+        </p:spPr>
+        <p:txBody>
+          <a:bodyPr lIns="0" rIns="0" tIns="0" bIns="0" anchor="t">
+            <a:normAutofit/>
+          </a:bodyPr>
+          <a:p>
+            <a:pPr marL="432000" indent="-324000">
+              <a:spcBef>
+                <a:spcPts val="1417"/>
+              </a:spcBef>
+              <a:buClr>
+                <a:srgbClr val="000000"/>
+              </a:buClr>
+              <a:buSzPct val="45000"/>
+              <a:buFont typeface="Wingdings" charset="2"/>
+              <a:buChar char=""/>
+            </a:pPr>
+            <a:r>
+              <a:rPr b="0" lang="en-IE" sz="3200" spc="-1" strike="noStrike">
+                <a:latin typeface="Arial"/>
+              </a:rPr>
+              <a:t>Click to edit the outline text format</a:t>
+            </a:r>
+            <a:endParaRPr b="0" lang="en-IE" sz="3200" spc="-1" strike="noStrike">
+              <a:latin typeface="Arial"/>
+            </a:endParaRPr>
+          </a:p>
+          <a:p>
+            <a:pPr lvl="1" marL="864000" indent="-324000">
+              <a:spcBef>
+                <a:spcPts val="1134"/>
+              </a:spcBef>
+              <a:buClr>
+                <a:srgbClr val="000000"/>
+              </a:buClr>
+              <a:buSzPct val="75000"/>
+              <a:buFont typeface="Symbol" charset="2"/>
+              <a:buChar char=""/>
+            </a:pPr>
+            <a:r>
+              <a:rPr b="0" lang="en-IE" sz="2800" spc="-1" strike="noStrike">
+                <a:latin typeface="Arial"/>
+              </a:rPr>
+              <a:t>Second Outline Level</a:t>
+            </a:r>
+            <a:endParaRPr b="0" lang="en-IE" sz="2800" spc="-1" strike="noStrike">
+              <a:latin typeface="Arial"/>
+            </a:endParaRPr>
+          </a:p>
+          <a:p>
+            <a:pPr lvl="2" marL="1296000" indent="-288000">
+              <a:spcBef>
+                <a:spcPts val="850"/>
+              </a:spcBef>
+              <a:buClr>
+                <a:srgbClr val="000000"/>
+              </a:buClr>
+              <a:buSzPct val="45000"/>
+              <a:buFont typeface="Wingdings" charset="2"/>
+              <a:buChar char=""/>
+            </a:pPr>
+            <a:r>
+              <a:rPr b="0" lang="en-IE" sz="2400" spc="-1" strike="noStrike">
+                <a:latin typeface="Arial"/>
+              </a:rPr>
+              <a:t>Third Outline Level</a:t>
+            </a:r>
+            <a:endParaRPr b="0" lang="en-IE" sz="2400" spc="-1" strike="noStrike">
+              <a:latin typeface="Arial"/>
+            </a:endParaRPr>
+          </a:p>
+          <a:p>
+            <a:pPr lvl="3" marL="1728000" indent="-216000">
+              <a:spcBef>
+                <a:spcPts val="567"/>
+              </a:spcBef>
+              <a:buClr>
+                <a:srgbClr val="000000"/>
+              </a:buClr>
+              <a:buSzPct val="75000"/>
+              <a:buFont typeface="Symbol" charset="2"/>
+              <a:buChar char=""/>
+            </a:pPr>
+            <a:r>
+              <a:rPr b="0" lang="en-IE" sz="2000" spc="-1" strike="noStrike">
+                <a:latin typeface="Arial"/>
+              </a:rPr>
+              <a:t>Fourth Outline Level</a:t>
+            </a:r>
+            <a:endParaRPr b="0" lang="en-IE" sz="2000" spc="-1" strike="noStrike">
+              <a:latin typeface="Arial"/>
+            </a:endParaRPr>
+          </a:p>
+          <a:p>
+            <a:pPr lvl="4" marL="2160000" indent="-216000">
+              <a:spcBef>
+                <a:spcPts val="283"/>
+              </a:spcBef>
+              <a:buClr>
+                <a:srgbClr val="000000"/>
+              </a:buClr>
+              <a:buSzPct val="45000"/>
+              <a:buFont typeface="Wingdings" charset="2"/>
+              <a:buChar char=""/>
+            </a:pPr>
+            <a:r>
+              <a:rPr b="0" lang="en-IE" sz="2000" spc="-1" strike="noStrike">
+                <a:latin typeface="Arial"/>
+              </a:rPr>
+              <a:t>Fifth Outline Level</a:t>
+            </a:r>
+            <a:endParaRPr b="0" lang="en-IE" sz="2000" spc="-1" strike="noStrike">
+              <a:latin typeface="Arial"/>
+            </a:endParaRPr>
+          </a:p>
+          <a:p>
+            <a:pPr lvl="5" marL="2592000" indent="-216000">
+              <a:spcBef>
+                <a:spcPts val="283"/>
+              </a:spcBef>
+              <a:buClr>
+                <a:srgbClr val="000000"/>
+              </a:buClr>
+              <a:buSzPct val="45000"/>
+              <a:buFont typeface="Wingdings" charset="2"/>
+              <a:buChar char=""/>
+            </a:pPr>
+            <a:r>
+              <a:rPr b="0" lang="en-IE" sz="2000" spc="-1" strike="noStrike">
+                <a:latin typeface="Arial"/>
+              </a:rPr>
+              <a:t>Sixth Outline Level</a:t>
+            </a:r>
+            <a:endParaRPr b="0" lang="en-IE" sz="2000" spc="-1" strike="noStrike">
+              <a:latin typeface="Arial"/>
+            </a:endParaRPr>
+          </a:p>
+          <a:p>
+            <a:pPr lvl="6" marL="3024000" indent="-216000">
+              <a:spcBef>
+                <a:spcPts val="283"/>
+              </a:spcBef>
+              <a:buClr>
+                <a:srgbClr val="000000"/>
+              </a:buClr>
+              <a:buSzPct val="45000"/>
+              <a:buFont typeface="Wingdings" charset="2"/>
+              <a:buChar char=""/>
+            </a:pPr>
+            <a:r>
+              <a:rPr b="0" lang="en-IE" sz="2000" spc="-1" strike="noStrike">
+                <a:latin typeface="Arial"/>
+              </a:rPr>
+              <a:t>Seventh Outline Level</a:t>
+            </a:r>
+            <a:endParaRPr b="0" lang="en-IE" sz="2000" spc="-1" strike="noStrike">
+              <a:latin typeface="Arial"/>
             </a:endParaRPr>
           </a:p>
         </p:txBody>
@@ -7031,7 +6672,7 @@
         <p:spPr>
           <a:xfrm>
             <a:off x="1051560" y="1432080"/>
-            <a:ext cx="9966600" cy="3035520"/>
+            <a:ext cx="9966240" cy="3035160"/>
           </a:xfrm>
           <a:prstGeom prst="rect">
             <a:avLst/>
@@ -7042,7 +6683,7 @@
           </a:ln>
         </p:spPr>
         <p:txBody>
-          <a:bodyPr anchor="ctr">
+          <a:bodyPr lIns="0" rIns="0" tIns="0" bIns="0" anchor="ctr">
             <a:noAutofit/>
           </a:bodyPr>
           <a:p>
@@ -7067,11 +6708,8 @@
               </a:rPr>
               <a:t>API: Consuming with python</a:t>
             </a:r>
-            <a:endParaRPr b="0" lang="en-US" sz="7200" spc="-1" strike="noStrike">
-              <a:solidFill>
-                <a:srgbClr val="000000"/>
-              </a:solidFill>
-              <a:latin typeface="Rockwell"/>
+            <a:endParaRPr b="0" lang="en-IE" sz="7200" spc="-1" strike="noStrike">
+              <a:latin typeface="Arial"/>
             </a:endParaRPr>
           </a:p>
         </p:txBody>
@@ -7089,7 +6727,7 @@
         <p:spPr>
           <a:xfrm>
             <a:off x="1069920" y="4389120"/>
-            <a:ext cx="7890840" cy="1069560"/>
+            <a:ext cx="7890480" cy="1069200"/>
           </a:xfrm>
           <a:prstGeom prst="rect">
             <a:avLst/>
@@ -7100,7 +6738,7 @@
           </a:ln>
         </p:spPr>
         <p:txBody>
-          <a:bodyPr anchor="t">
+          <a:bodyPr lIns="0" rIns="0" tIns="0" bIns="0" anchor="t">
             <a:normAutofit/>
           </a:bodyPr>
           <a:p>
@@ -7119,7 +6757,7 @@
             <a:r>
               <a:rPr b="0" lang="en-IE" sz="2200" spc="-1" strike="noStrike" u="sng">
                 <a:solidFill>
-                  <a:srgbClr val="000000"/>
+                  <a:srgbClr val="cc9900"/>
                 </a:solidFill>
                 <a:uFillTx/>
                 <a:latin typeface="Rockwell"/>
@@ -7130,7 +6768,7 @@
             <a:r>
               <a:rPr b="0" lang="en-IE" sz="2200" spc="-1" strike="noStrike" u="sng">
                 <a:solidFill>
-                  <a:srgbClr val="000000"/>
+                  <a:srgbClr val="cc9900"/>
                 </a:solidFill>
                 <a:uFillTx/>
                 <a:latin typeface="Rockwell"/>
@@ -7218,7 +6856,7 @@
         <p:spPr>
           <a:xfrm>
             <a:off x="0" y="0"/>
-            <a:ext cx="12191760" cy="6857640"/>
+            <a:ext cx="12191400" cy="6857280"/>
           </a:xfrm>
           <a:prstGeom prst="rect">
             <a:avLst/>
@@ -7254,7 +6892,7 @@
         <p:spPr>
           <a:xfrm>
             <a:off x="984600" y="464040"/>
-            <a:ext cx="10222560" cy="80280"/>
+            <a:ext cx="10222200" cy="79920"/>
           </a:xfrm>
           <a:prstGeom prst="rect">
             <a:avLst/>
@@ -7294,7 +6932,7 @@
         <p:spPr>
           <a:xfrm>
             <a:off x="984600" y="601920"/>
-            <a:ext cx="10222560" cy="1385640"/>
+            <a:ext cx="10222200" cy="1385280"/>
           </a:xfrm>
           <a:prstGeom prst="rect">
             <a:avLst/>
@@ -7334,7 +6972,7 @@
         <p:spPr>
           <a:xfrm>
             <a:off x="984600" y="2038680"/>
-            <a:ext cx="10222560" cy="80280"/>
+            <a:ext cx="10222200" cy="79920"/>
           </a:xfrm>
           <a:prstGeom prst="rect">
             <a:avLst/>
@@ -7378,7 +7016,7 @@
         <p:spPr>
           <a:xfrm>
             <a:off x="1069920" y="484560"/>
-            <a:ext cx="10058040" cy="1608840"/>
+            <a:ext cx="10057680" cy="1608480"/>
           </a:xfrm>
           <a:prstGeom prst="rect">
             <a:avLst/>
@@ -7389,7 +7027,7 @@
           </a:ln>
         </p:spPr>
         <p:txBody>
-          <a:bodyPr anchor="ctr">
+          <a:bodyPr lIns="90000" rIns="90000" tIns="45000" bIns="45000" anchor="ctr">
             <a:normAutofit/>
           </a:bodyPr>
           <a:p>
@@ -7405,11 +7043,8 @@
               </a:rPr>
               <a:t>Requests module</a:t>
             </a:r>
-            <a:endParaRPr b="0" lang="en-US" sz="5400" spc="-1" strike="noStrike">
-              <a:solidFill>
-                <a:srgbClr val="000000"/>
-              </a:solidFill>
-              <a:latin typeface="Rockwell"/>
+            <a:endParaRPr b="0" lang="en-IE" sz="5400" spc="-1" strike="noStrike">
+              <a:latin typeface="Arial"/>
             </a:endParaRPr>
           </a:p>
         </p:txBody>
@@ -7427,7 +7062,7 @@
         <p:spPr>
           <a:xfrm>
             <a:off x="1069920" y="2320560"/>
-            <a:ext cx="10058040" cy="3851280"/>
+            <a:ext cx="10057680" cy="3850920"/>
           </a:xfrm>
           <a:prstGeom prst="rect">
             <a:avLst/>
@@ -7438,7 +7073,7 @@
           </a:ln>
         </p:spPr>
         <p:txBody>
-          <a:bodyPr anchor="t">
+          <a:bodyPr lIns="90000" rIns="90000" tIns="45000" bIns="45000" anchor="t">
             <a:normAutofit fontScale="72000"/>
           </a:bodyPr>
           <a:p>
@@ -7465,11 +7100,8 @@
               </a:rPr>
               <a:t>https://github.com/psf/requests</a:t>
             </a:r>
-            <a:endParaRPr b="0" lang="en-US" sz="2000" spc="-1" strike="noStrike">
-              <a:solidFill>
-                <a:srgbClr val="000000"/>
-              </a:solidFill>
-              <a:latin typeface="Rockwell"/>
+            <a:endParaRPr b="0" lang="en-IE" sz="2000" spc="-1" strike="noStrike">
+              <a:latin typeface="Arial"/>
             </a:endParaRPr>
           </a:p>
           <a:p>
@@ -7496,11 +7128,8 @@
               </a:rPr>
               <a:t>Has methods for each of the HTTP methods.</a:t>
             </a:r>
-            <a:endParaRPr b="0" lang="en-US" sz="2000" spc="-1" strike="noStrike">
-              <a:solidFill>
-                <a:srgbClr val="000000"/>
-              </a:solidFill>
-              <a:latin typeface="Rockwell"/>
+            <a:endParaRPr b="0" lang="en-IE" sz="2000" spc="-1" strike="noStrike">
+              <a:latin typeface="Arial"/>
             </a:endParaRPr>
           </a:p>
           <a:p>
@@ -7527,11 +7156,8 @@
               </a:rPr>
               <a:t>Very powerful:</a:t>
             </a:r>
-            <a:endParaRPr b="0" lang="en-US" sz="2000" spc="-1" strike="noStrike">
-              <a:solidFill>
-                <a:srgbClr val="000000"/>
-              </a:solidFill>
-              <a:latin typeface="Rockwell"/>
+            <a:endParaRPr b="0" lang="en-IE" sz="2000" spc="-1" strike="noStrike">
+              <a:latin typeface="Arial"/>
             </a:endParaRPr>
           </a:p>
           <a:p>
@@ -7561,11 +7187,8 @@
               </a:rPr>
               <a:t>Sessions, cookies, keep alive</a:t>
             </a:r>
-            <a:endParaRPr b="0" lang="en-US" sz="1800" spc="-1" strike="noStrike">
-              <a:solidFill>
-                <a:srgbClr val="000000"/>
-              </a:solidFill>
-              <a:latin typeface="Rockwell"/>
+            <a:endParaRPr b="0" lang="en-IE" sz="1800" spc="-1" strike="noStrike">
+              <a:latin typeface="Arial"/>
             </a:endParaRPr>
           </a:p>
           <a:p>
@@ -7595,11 +7218,8 @@
               </a:rPr>
               <a:t>Authentication</a:t>
             </a:r>
-            <a:endParaRPr b="0" lang="en-US" sz="1800" spc="-1" strike="noStrike">
-              <a:solidFill>
-                <a:srgbClr val="000000"/>
-              </a:solidFill>
-              <a:latin typeface="Rockwell"/>
+            <a:endParaRPr b="0" lang="en-IE" sz="1800" spc="-1" strike="noStrike">
+              <a:latin typeface="Arial"/>
             </a:endParaRPr>
           </a:p>
           <a:p>
@@ -7626,11 +7246,8 @@
               </a:rPr>
               <a:t>Parameters for us:</a:t>
             </a:r>
-            <a:endParaRPr b="0" lang="en-US" sz="2000" spc="-1" strike="noStrike">
-              <a:solidFill>
-                <a:srgbClr val="000000"/>
-              </a:solidFill>
-              <a:latin typeface="Rockwell"/>
+            <a:endParaRPr b="0" lang="en-IE" sz="2000" spc="-1" strike="noStrike">
+              <a:latin typeface="Arial"/>
             </a:endParaRPr>
           </a:p>
           <a:p>
@@ -7660,11 +7277,8 @@
               </a:rPr>
               <a:t>headers</a:t>
             </a:r>
-            <a:endParaRPr b="0" lang="en-US" sz="1800" spc="-1" strike="noStrike">
-              <a:solidFill>
-                <a:srgbClr val="000000"/>
-              </a:solidFill>
-              <a:latin typeface="Rockwell"/>
+            <a:endParaRPr b="0" lang="en-IE" sz="1800" spc="-1" strike="noStrike">
+              <a:latin typeface="Arial"/>
             </a:endParaRPr>
           </a:p>
           <a:p>
@@ -7694,11 +7308,8 @@
               </a:rPr>
               <a:t>data</a:t>
             </a:r>
-            <a:endParaRPr b="0" lang="en-US" sz="1800" spc="-1" strike="noStrike">
-              <a:solidFill>
-                <a:srgbClr val="000000"/>
-              </a:solidFill>
-              <a:latin typeface="Rockwell"/>
+            <a:endParaRPr b="0" lang="en-IE" sz="1800" spc="-1" strike="noStrike">
+              <a:latin typeface="Arial"/>
             </a:endParaRPr>
           </a:p>
           <a:p>
@@ -7728,11 +7339,8 @@
               </a:rPr>
               <a:t>json</a:t>
             </a:r>
-            <a:endParaRPr b="0" lang="en-US" sz="1800" spc="-1" strike="noStrike">
-              <a:solidFill>
-                <a:srgbClr val="000000"/>
-              </a:solidFill>
-              <a:latin typeface="Rockwell"/>
+            <a:endParaRPr b="0" lang="en-IE" sz="1800" spc="-1" strike="noStrike">
+              <a:latin typeface="Arial"/>
             </a:endParaRPr>
           </a:p>
           <a:p>
@@ -7759,11 +7367,8 @@
               </a:rPr>
               <a:t>Response attributes and methods for us:</a:t>
             </a:r>
-            <a:endParaRPr b="0" lang="en-US" sz="2000" spc="-1" strike="noStrike">
-              <a:solidFill>
-                <a:srgbClr val="000000"/>
-              </a:solidFill>
-              <a:latin typeface="Rockwell"/>
+            <a:endParaRPr b="0" lang="en-IE" sz="2000" spc="-1" strike="noStrike">
+              <a:latin typeface="Arial"/>
             </a:endParaRPr>
           </a:p>
           <a:p>
@@ -7793,11 +7398,8 @@
               </a:rPr>
               <a:t>status</a:t>
             </a:r>
-            <a:endParaRPr b="0" lang="en-US" sz="1800" spc="-1" strike="noStrike">
-              <a:solidFill>
-                <a:srgbClr val="000000"/>
-              </a:solidFill>
-              <a:latin typeface="Rockwell"/>
+            <a:endParaRPr b="0" lang="en-IE" sz="1800" spc="-1" strike="noStrike">
+              <a:latin typeface="Arial"/>
             </a:endParaRPr>
           </a:p>
           <a:p>
@@ -7827,11 +7429,8 @@
               </a:rPr>
               <a:t>text</a:t>
             </a:r>
-            <a:endParaRPr b="0" lang="en-US" sz="1800" spc="-1" strike="noStrike">
-              <a:solidFill>
-                <a:srgbClr val="000000"/>
-              </a:solidFill>
-              <a:latin typeface="Rockwell"/>
+            <a:endParaRPr b="0" lang="en-IE" sz="1800" spc="-1" strike="noStrike">
+              <a:latin typeface="Arial"/>
             </a:endParaRPr>
           </a:p>
           <a:p>
@@ -7861,11 +7460,8 @@
               </a:rPr>
               <a:t>json()</a:t>
             </a:r>
-            <a:endParaRPr b="0" lang="en-US" sz="1800" spc="-1" strike="noStrike">
-              <a:solidFill>
-                <a:srgbClr val="000000"/>
-              </a:solidFill>
-              <a:latin typeface="Rockwell"/>
+            <a:endParaRPr b="0" lang="en-IE" sz="1800" spc="-1" strike="noStrike">
+              <a:latin typeface="Arial"/>
             </a:endParaRPr>
           </a:p>
           <a:p>
@@ -7895,11 +7491,8 @@
               </a:rPr>
               <a:t>content()</a:t>
             </a:r>
-            <a:endParaRPr b="0" lang="en-US" sz="1800" spc="-1" strike="noStrike">
-              <a:solidFill>
-                <a:srgbClr val="000000"/>
-              </a:solidFill>
-              <a:latin typeface="Rockwell"/>
+            <a:endParaRPr b="0" lang="en-IE" sz="1800" spc="-1" strike="noStrike">
+              <a:latin typeface="Arial"/>
             </a:endParaRPr>
           </a:p>
           <a:p>
@@ -7929,11 +7522,8 @@
               </a:rPr>
               <a:t>headers[]</a:t>
             </a:r>
-            <a:endParaRPr b="0" lang="en-US" sz="1800" spc="-1" strike="noStrike">
-              <a:solidFill>
-                <a:srgbClr val="000000"/>
-              </a:solidFill>
-              <a:latin typeface="Rockwell"/>
+            <a:endParaRPr b="0" lang="en-IE" sz="1800" spc="-1" strike="noStrike">
+              <a:latin typeface="Arial"/>
             </a:endParaRPr>
           </a:p>
         </p:txBody>
@@ -7947,7 +7537,7 @@
         <p:spPr>
           <a:xfrm>
             <a:off x="11401560" y="6229800"/>
-            <a:ext cx="456840" cy="456840"/>
+            <a:ext cx="456480" cy="456480"/>
           </a:xfrm>
           <a:prstGeom prst="ellipse">
             <a:avLst/>
@@ -7977,7 +7567,7 @@
         <p:spPr>
           <a:xfrm>
             <a:off x="11431080" y="6258960"/>
-            <a:ext cx="398520" cy="398520"/>
+            <a:ext cx="398160" cy="398160"/>
           </a:xfrm>
           <a:prstGeom prst="ellipse">
             <a:avLst/>
@@ -8043,7 +7633,7 @@
         <p:spPr>
           <a:xfrm>
             <a:off x="0" y="0"/>
-            <a:ext cx="12191760" cy="6857640"/>
+            <a:ext cx="12191400" cy="6857280"/>
           </a:xfrm>
           <a:prstGeom prst="rect">
             <a:avLst/>
@@ -8079,7 +7669,7 @@
         <p:spPr>
           <a:xfrm>
             <a:off x="984600" y="464040"/>
-            <a:ext cx="10222560" cy="80280"/>
+            <a:ext cx="10222200" cy="79920"/>
           </a:xfrm>
           <a:prstGeom prst="rect">
             <a:avLst/>
@@ -8119,7 +7709,7 @@
         <p:spPr>
           <a:xfrm>
             <a:off x="984600" y="601920"/>
-            <a:ext cx="10222560" cy="1385640"/>
+            <a:ext cx="10222200" cy="1385280"/>
           </a:xfrm>
           <a:prstGeom prst="rect">
             <a:avLst/>
@@ -8159,7 +7749,7 @@
         <p:spPr>
           <a:xfrm>
             <a:off x="984600" y="2038680"/>
-            <a:ext cx="10222560" cy="80280"/>
+            <a:ext cx="10222200" cy="79920"/>
           </a:xfrm>
           <a:prstGeom prst="rect">
             <a:avLst/>
@@ -8203,7 +7793,7 @@
         <p:spPr>
           <a:xfrm>
             <a:off x="1069920" y="484560"/>
-            <a:ext cx="10058040" cy="1608840"/>
+            <a:ext cx="10057680" cy="1608480"/>
           </a:xfrm>
           <a:prstGeom prst="rect">
             <a:avLst/>
@@ -8214,7 +7804,7 @@
           </a:ln>
         </p:spPr>
         <p:txBody>
-          <a:bodyPr anchor="ctr">
+          <a:bodyPr lIns="90000" rIns="90000" tIns="45000" bIns="45000" anchor="ctr">
             <a:normAutofit/>
           </a:bodyPr>
           <a:p>
@@ -8230,11 +7820,8 @@
               </a:rPr>
               <a:t>URL Encoding</a:t>
             </a:r>
-            <a:endParaRPr b="0" lang="en-US" sz="5400" spc="-1" strike="noStrike">
-              <a:solidFill>
-                <a:srgbClr val="000000"/>
-              </a:solidFill>
-              <a:latin typeface="Rockwell"/>
+            <a:endParaRPr b="0" lang="en-IE" sz="5400" spc="-1" strike="noStrike">
+              <a:latin typeface="Arial"/>
             </a:endParaRPr>
           </a:p>
         </p:txBody>
@@ -8252,7 +7839,7 @@
         <p:spPr>
           <a:xfrm>
             <a:off x="1069920" y="2320560"/>
-            <a:ext cx="10058040" cy="1799640"/>
+            <a:ext cx="10057680" cy="1799280"/>
           </a:xfrm>
           <a:prstGeom prst="rect">
             <a:avLst/>
@@ -8263,7 +7850,7 @@
           </a:ln>
         </p:spPr>
         <p:txBody>
-          <a:bodyPr anchor="t">
+          <a:bodyPr lIns="90000" rIns="90000" tIns="45000" bIns="45000" anchor="t">
             <a:normAutofit/>
           </a:bodyPr>
           <a:p>
@@ -8290,11 +7877,8 @@
               </a:rPr>
               <a:t>Module</a:t>
             </a:r>
-            <a:endParaRPr b="0" lang="en-US" sz="2000" spc="-1" strike="noStrike">
-              <a:solidFill>
-                <a:srgbClr val="000000"/>
-              </a:solidFill>
-              <a:latin typeface="Rockwell"/>
+            <a:endParaRPr b="0" lang="en-IE" sz="2000" spc="-1" strike="noStrike">
+              <a:latin typeface="Arial"/>
             </a:endParaRPr>
           </a:p>
           <a:p>
@@ -8319,11 +7903,8 @@
               </a:rPr>
               <a:t>urllib.parse</a:t>
             </a:r>
-            <a:endParaRPr b="0" lang="en-US" sz="2000" spc="-1" strike="noStrike">
-              <a:solidFill>
-                <a:srgbClr val="000000"/>
-              </a:solidFill>
-              <a:latin typeface="Rockwell"/>
+            <a:endParaRPr b="0" lang="en-IE" sz="2000" spc="-1" strike="noStrike">
+              <a:latin typeface="Arial"/>
             </a:endParaRPr>
           </a:p>
           <a:p>
@@ -8353,11 +7934,8 @@
               </a:rPr>
               <a:t>Function</a:t>
             </a:r>
-            <a:endParaRPr b="0" lang="en-US" sz="2000" spc="-1" strike="noStrike">
-              <a:solidFill>
-                <a:srgbClr val="000000"/>
-              </a:solidFill>
-              <a:latin typeface="Rockwell"/>
+            <a:endParaRPr b="0" lang="en-IE" sz="2000" spc="-1" strike="noStrike">
+              <a:latin typeface="Arial"/>
             </a:endParaRPr>
           </a:p>
           <a:p>
@@ -8382,11 +7960,8 @@
               </a:rPr>
               <a:t>quote()</a:t>
             </a:r>
-            <a:endParaRPr b="0" lang="en-US" sz="2000" spc="-1" strike="noStrike">
-              <a:solidFill>
-                <a:srgbClr val="000000"/>
-              </a:solidFill>
-              <a:latin typeface="Rockwell"/>
+            <a:endParaRPr b="0" lang="en-IE" sz="2000" spc="-1" strike="noStrike">
+              <a:latin typeface="Arial"/>
             </a:endParaRPr>
           </a:p>
           <a:p>
@@ -8402,11 +7977,8 @@
                 <a:tab algn="l" pos="0"/>
               </a:tabLst>
             </a:pPr>
-            <a:endParaRPr b="0" lang="en-US" sz="2000" spc="-1" strike="noStrike">
-              <a:solidFill>
-                <a:srgbClr val="000000"/>
-              </a:solidFill>
-              <a:latin typeface="Rockwell"/>
+            <a:endParaRPr b="0" lang="en-IE" sz="2000" spc="-1" strike="noStrike">
+              <a:latin typeface="Arial"/>
             </a:endParaRPr>
           </a:p>
         </p:txBody>
@@ -8420,7 +7992,7 @@
         <p:spPr>
           <a:xfrm>
             <a:off x="11401560" y="6229800"/>
-            <a:ext cx="456840" cy="456840"/>
+            <a:ext cx="456480" cy="456480"/>
           </a:xfrm>
           <a:prstGeom prst="ellipse">
             <a:avLst/>
@@ -8450,7 +8022,7 @@
         <p:spPr>
           <a:xfrm>
             <a:off x="11431080" y="6258960"/>
-            <a:ext cx="398520" cy="398520"/>
+            <a:ext cx="398160" cy="398160"/>
           </a:xfrm>
           <a:prstGeom prst="ellipse">
             <a:avLst/>
@@ -8479,7 +8051,7 @@
         <p:spPr>
           <a:xfrm>
             <a:off x="1069920" y="4373640"/>
-            <a:ext cx="9186480" cy="1461240"/>
+            <a:ext cx="9186120" cy="1461240"/>
           </a:xfrm>
           <a:prstGeom prst="rect">
             <a:avLst/>
@@ -8514,6 +8086,7 @@
                   <a:srgbClr val="c586c0"/>
                 </a:solidFill>
                 <a:latin typeface="Consolas"/>
+                <a:ea typeface="DejaVu Sans"/>
               </a:rPr>
               <a:t>import</a:t>
             </a:r>
@@ -8523,6 +8096,7 @@
                   <a:srgbClr val="ffffff"/>
                 </a:solidFill>
                 <a:latin typeface="Consolas"/>
+                <a:ea typeface="DejaVu Sans"/>
               </a:rPr>
               <a:t> </a:t>
             </a:r>
@@ -8532,6 +8106,7 @@
                   <a:srgbClr val="4ec9b0"/>
                 </a:solidFill>
                 <a:latin typeface="Consolas"/>
+                <a:ea typeface="DejaVu Sans"/>
               </a:rPr>
               <a:t>urllib</a:t>
             </a:r>
@@ -8541,6 +8116,7 @@
                   <a:srgbClr val="ffffff"/>
                 </a:solidFill>
                 <a:latin typeface="Consolas"/>
+                <a:ea typeface="DejaVu Sans"/>
               </a:rPr>
               <a:t>.</a:t>
             </a:r>
@@ -8550,6 +8126,7 @@
                   <a:srgbClr val="4ec9b0"/>
                 </a:solidFill>
                 <a:latin typeface="Consolas"/>
+                <a:ea typeface="DejaVu Sans"/>
               </a:rPr>
               <a:t>parse</a:t>
             </a:r>
@@ -8570,6 +8147,7 @@
                   <a:srgbClr val="9cdcfe"/>
                 </a:solidFill>
                 <a:latin typeface="Consolas"/>
+                <a:ea typeface="DejaVu Sans"/>
               </a:rPr>
               <a:t>query</a:t>
             </a:r>
@@ -8579,6 +8157,7 @@
                   <a:srgbClr val="ffffff"/>
                 </a:solidFill>
                 <a:latin typeface="Consolas"/>
+                <a:ea typeface="DejaVu Sans"/>
               </a:rPr>
               <a:t> </a:t>
             </a:r>
@@ -8588,6 +8167,7 @@
                   <a:srgbClr val="d4d4d4"/>
                 </a:solidFill>
                 <a:latin typeface="Consolas"/>
+                <a:ea typeface="DejaVu Sans"/>
               </a:rPr>
               <a:t>=</a:t>
             </a:r>
@@ -8597,6 +8177,7 @@
                   <a:srgbClr val="ffffff"/>
                 </a:solidFill>
                 <a:latin typeface="Consolas"/>
+                <a:ea typeface="DejaVu Sans"/>
               </a:rPr>
               <a:t> </a:t>
             </a:r>
@@ -8606,6 +8187,7 @@
                   <a:srgbClr val="ce9178"/>
                 </a:solidFill>
                 <a:latin typeface="Consolas"/>
+                <a:ea typeface="DejaVu Sans"/>
               </a:rPr>
               <a:t>'Hellö Wörld@Python'</a:t>
             </a:r>
@@ -8626,6 +8208,7 @@
                   <a:srgbClr val="9cdcfe"/>
                 </a:solidFill>
                 <a:latin typeface="Consolas"/>
+                <a:ea typeface="DejaVu Sans"/>
               </a:rPr>
               <a:t>parsed</a:t>
             </a:r>
@@ -8635,6 +8218,7 @@
                   <a:srgbClr val="ffffff"/>
                 </a:solidFill>
                 <a:latin typeface="Consolas"/>
+                <a:ea typeface="DejaVu Sans"/>
               </a:rPr>
               <a:t> </a:t>
             </a:r>
@@ -8644,6 +8228,7 @@
                   <a:srgbClr val="d4d4d4"/>
                 </a:solidFill>
                 <a:latin typeface="Consolas"/>
+                <a:ea typeface="DejaVu Sans"/>
               </a:rPr>
               <a:t>=</a:t>
             </a:r>
@@ -8653,6 +8238,7 @@
                   <a:srgbClr val="ffffff"/>
                 </a:solidFill>
                 <a:latin typeface="Consolas"/>
+                <a:ea typeface="DejaVu Sans"/>
               </a:rPr>
               <a:t>  </a:t>
             </a:r>
@@ -8662,6 +8248,7 @@
                   <a:srgbClr val="4ec9b0"/>
                 </a:solidFill>
                 <a:latin typeface="Consolas"/>
+                <a:ea typeface="DejaVu Sans"/>
               </a:rPr>
               <a:t>urllib</a:t>
             </a:r>
@@ -8671,6 +8258,7 @@
                   <a:srgbClr val="ffffff"/>
                 </a:solidFill>
                 <a:latin typeface="Consolas"/>
+                <a:ea typeface="DejaVu Sans"/>
               </a:rPr>
               <a:t>.</a:t>
             </a:r>
@@ -8680,6 +8268,7 @@
                   <a:srgbClr val="4ec9b0"/>
                 </a:solidFill>
                 <a:latin typeface="Consolas"/>
+                <a:ea typeface="DejaVu Sans"/>
               </a:rPr>
               <a:t>parse</a:t>
             </a:r>
@@ -8689,6 +8278,7 @@
                   <a:srgbClr val="ffffff"/>
                 </a:solidFill>
                 <a:latin typeface="Consolas"/>
+                <a:ea typeface="DejaVu Sans"/>
               </a:rPr>
               <a:t>.</a:t>
             </a:r>
@@ -8698,6 +8288,7 @@
                   <a:srgbClr val="dcdcaa"/>
                 </a:solidFill>
                 <a:latin typeface="Consolas"/>
+                <a:ea typeface="DejaVu Sans"/>
               </a:rPr>
               <a:t>quote</a:t>
             </a:r>
@@ -8707,6 +8298,7 @@
                   <a:srgbClr val="ffffff"/>
                 </a:solidFill>
                 <a:latin typeface="Consolas"/>
+                <a:ea typeface="DejaVu Sans"/>
               </a:rPr>
               <a:t>(</a:t>
             </a:r>
@@ -8716,6 +8308,7 @@
                   <a:srgbClr val="9cdcfe"/>
                 </a:solidFill>
                 <a:latin typeface="Consolas"/>
+                <a:ea typeface="DejaVu Sans"/>
               </a:rPr>
               <a:t>query</a:t>
             </a:r>
@@ -8725,6 +8318,7 @@
                   <a:srgbClr val="ffffff"/>
                 </a:solidFill>
                 <a:latin typeface="Consolas"/>
+                <a:ea typeface="DejaVu Sans"/>
               </a:rPr>
               <a:t>)</a:t>
             </a:r>
@@ -8745,6 +8339,7 @@
                   <a:srgbClr val="dcdcaa"/>
                 </a:solidFill>
                 <a:latin typeface="Consolas"/>
+                <a:ea typeface="DejaVu Sans"/>
               </a:rPr>
               <a:t>print</a:t>
             </a:r>
@@ -8754,6 +8349,7 @@
                   <a:srgbClr val="ffffff"/>
                 </a:solidFill>
                 <a:latin typeface="Consolas"/>
+                <a:ea typeface="DejaVu Sans"/>
               </a:rPr>
               <a:t>(</a:t>
             </a:r>
@@ -8763,6 +8359,7 @@
                   <a:srgbClr val="9cdcfe"/>
                 </a:solidFill>
                 <a:latin typeface="Consolas"/>
+                <a:ea typeface="DejaVu Sans"/>
               </a:rPr>
               <a:t>parsed</a:t>
             </a:r>
@@ -8772,6 +8369,7 @@
                   <a:srgbClr val="ffffff"/>
                 </a:solidFill>
                 <a:latin typeface="Consolas"/>
+                <a:ea typeface="DejaVu Sans"/>
               </a:rPr>
               <a:t>)</a:t>
             </a:r>
@@ -8792,6 +8390,7 @@
                   <a:srgbClr val="7ca668"/>
                 </a:solidFill>
                 <a:latin typeface="Consolas"/>
+                <a:ea typeface="DejaVu Sans"/>
               </a:rPr>
               <a:t>#'Hell%C3%B6%20W%C3%B6rld%40Python'</a:t>
             </a:r>
@@ -8847,7 +8446,7 @@
         <p:spPr>
           <a:xfrm>
             <a:off x="0" y="0"/>
-            <a:ext cx="12191760" cy="6857640"/>
+            <a:ext cx="12191400" cy="6857280"/>
           </a:xfrm>
           <a:prstGeom prst="rect">
             <a:avLst/>
@@ -8883,7 +8482,7 @@
         <p:spPr>
           <a:xfrm>
             <a:off x="984600" y="464040"/>
-            <a:ext cx="10222560" cy="80280"/>
+            <a:ext cx="10222200" cy="79920"/>
           </a:xfrm>
           <a:prstGeom prst="rect">
             <a:avLst/>
@@ -8923,7 +8522,7 @@
         <p:spPr>
           <a:xfrm>
             <a:off x="984600" y="601920"/>
-            <a:ext cx="10222560" cy="1385640"/>
+            <a:ext cx="10222200" cy="1385280"/>
           </a:xfrm>
           <a:prstGeom prst="rect">
             <a:avLst/>
@@ -8963,7 +8562,7 @@
         <p:spPr>
           <a:xfrm>
             <a:off x="984600" y="2038680"/>
-            <a:ext cx="10222560" cy="80280"/>
+            <a:ext cx="10222200" cy="79920"/>
           </a:xfrm>
           <a:prstGeom prst="rect">
             <a:avLst/>
@@ -9007,7 +8606,7 @@
         <p:spPr>
           <a:xfrm>
             <a:off x="1069920" y="484560"/>
-            <a:ext cx="10058040" cy="1608840"/>
+            <a:ext cx="10057680" cy="1608480"/>
           </a:xfrm>
           <a:prstGeom prst="rect">
             <a:avLst/>
@@ -9018,7 +8617,7 @@
           </a:ln>
         </p:spPr>
         <p:txBody>
-          <a:bodyPr anchor="ctr">
+          <a:bodyPr lIns="90000" rIns="90000" tIns="45000" bIns="45000" anchor="ctr">
             <a:normAutofit/>
           </a:bodyPr>
           <a:p>
@@ -9034,11 +8633,8 @@
               </a:rPr>
               <a:t>URL Encoding</a:t>
             </a:r>
-            <a:endParaRPr b="0" lang="en-US" sz="5400" spc="-1" strike="noStrike">
-              <a:solidFill>
-                <a:srgbClr val="000000"/>
-              </a:solidFill>
-              <a:latin typeface="Rockwell"/>
+            <a:endParaRPr b="0" lang="en-IE" sz="5400" spc="-1" strike="noStrike">
+              <a:latin typeface="Arial"/>
             </a:endParaRPr>
           </a:p>
         </p:txBody>
@@ -9056,7 +8652,7 @@
         <p:spPr>
           <a:xfrm>
             <a:off x="1069920" y="2320560"/>
-            <a:ext cx="10058040" cy="1799640"/>
+            <a:ext cx="10057680" cy="1799280"/>
           </a:xfrm>
           <a:prstGeom prst="rect">
             <a:avLst/>
@@ -9067,7 +8663,7 @@
           </a:ln>
         </p:spPr>
         <p:txBody>
-          <a:bodyPr anchor="t">
+          <a:bodyPr lIns="90000" rIns="90000" tIns="45000" bIns="45000" anchor="t">
             <a:normAutofit/>
           </a:bodyPr>
           <a:p>
@@ -9094,11 +8690,8 @@
               </a:rPr>
               <a:t>Encode parameters with Function</a:t>
             </a:r>
-            <a:endParaRPr b="0" lang="en-US" sz="2000" spc="-1" strike="noStrike">
-              <a:solidFill>
-                <a:srgbClr val="000000"/>
-              </a:solidFill>
-              <a:latin typeface="Rockwell"/>
+            <a:endParaRPr b="0" lang="en-IE" sz="2000" spc="-1" strike="noStrike">
+              <a:latin typeface="Arial"/>
             </a:endParaRPr>
           </a:p>
           <a:p>
@@ -9123,11 +8716,8 @@
               </a:rPr>
               <a:t>urlencode()</a:t>
             </a:r>
-            <a:endParaRPr b="0" lang="en-US" sz="2000" spc="-1" strike="noStrike">
-              <a:solidFill>
-                <a:srgbClr val="000000"/>
-              </a:solidFill>
-              <a:latin typeface="Rockwell"/>
+            <a:endParaRPr b="0" lang="en-IE" sz="2000" spc="-1" strike="noStrike">
+              <a:latin typeface="Arial"/>
             </a:endParaRPr>
           </a:p>
           <a:p>
@@ -9143,11 +8733,8 @@
                 <a:tab algn="l" pos="0"/>
               </a:tabLst>
             </a:pPr>
-            <a:endParaRPr b="0" lang="en-US" sz="2000" spc="-1" strike="noStrike">
-              <a:solidFill>
-                <a:srgbClr val="000000"/>
-              </a:solidFill>
-              <a:latin typeface="Rockwell"/>
+            <a:endParaRPr b="0" lang="en-IE" sz="2000" spc="-1" strike="noStrike">
+              <a:latin typeface="Arial"/>
             </a:endParaRPr>
           </a:p>
         </p:txBody>
@@ -9161,7 +8748,7 @@
         <p:spPr>
           <a:xfrm>
             <a:off x="11401560" y="6229800"/>
-            <a:ext cx="456840" cy="456840"/>
+            <a:ext cx="456480" cy="456480"/>
           </a:xfrm>
           <a:prstGeom prst="ellipse">
             <a:avLst/>
@@ -9191,7 +8778,7 @@
         <p:spPr>
           <a:xfrm>
             <a:off x="11431080" y="6258960"/>
-            <a:ext cx="398520" cy="398520"/>
+            <a:ext cx="398160" cy="398160"/>
           </a:xfrm>
           <a:prstGeom prst="ellipse">
             <a:avLst/>
@@ -9220,7 +8807,7 @@
         <p:spPr>
           <a:xfrm>
             <a:off x="984600" y="3586320"/>
-            <a:ext cx="9186480" cy="1735560"/>
+            <a:ext cx="9186120" cy="1735560"/>
           </a:xfrm>
           <a:prstGeom prst="rect">
             <a:avLst/>
@@ -9255,6 +8842,7 @@
                   <a:srgbClr val="9cdcfe"/>
                 </a:solidFill>
                 <a:latin typeface="Consolas"/>
+                <a:ea typeface="DejaVu Sans"/>
               </a:rPr>
               <a:t>params</a:t>
             </a:r>
@@ -9264,6 +8852,7 @@
                   <a:srgbClr val="ffffff"/>
                 </a:solidFill>
                 <a:latin typeface="Consolas"/>
+                <a:ea typeface="DejaVu Sans"/>
               </a:rPr>
               <a:t> </a:t>
             </a:r>
@@ -9273,6 +8862,7 @@
                   <a:srgbClr val="d4d4d4"/>
                 </a:solidFill>
                 <a:latin typeface="Consolas"/>
+                <a:ea typeface="DejaVu Sans"/>
               </a:rPr>
               <a:t>=</a:t>
             </a:r>
@@ -9282,6 +8872,7 @@
                   <a:srgbClr val="ffffff"/>
                 </a:solidFill>
                 <a:latin typeface="Consolas"/>
+                <a:ea typeface="DejaVu Sans"/>
               </a:rPr>
               <a:t> {</a:t>
             </a:r>
@@ -9291,6 +8882,7 @@
                   <a:srgbClr val="ce9178"/>
                 </a:solidFill>
                 <a:latin typeface="Consolas"/>
+                <a:ea typeface="DejaVu Sans"/>
               </a:rPr>
               <a:t>'q'</a:t>
             </a:r>
@@ -9300,6 +8892,7 @@
                   <a:srgbClr val="ffffff"/>
                 </a:solidFill>
                 <a:latin typeface="Consolas"/>
+                <a:ea typeface="DejaVu Sans"/>
               </a:rPr>
               <a:t>: </a:t>
             </a:r>
@@ -9309,6 +8902,7 @@
                   <a:srgbClr val="ce9178"/>
                 </a:solidFill>
                 <a:latin typeface="Consolas"/>
+                <a:ea typeface="DejaVu Sans"/>
               </a:rPr>
               <a:t>'Python URL encoding'</a:t>
             </a:r>
@@ -9318,6 +8912,7 @@
                   <a:srgbClr val="ffffff"/>
                 </a:solidFill>
                 <a:latin typeface="Consolas"/>
+                <a:ea typeface="DejaVu Sans"/>
               </a:rPr>
               <a:t>, </a:t>
             </a:r>
@@ -9327,6 +8922,7 @@
                   <a:srgbClr val="ce9178"/>
                 </a:solidFill>
                 <a:latin typeface="Consolas"/>
+                <a:ea typeface="DejaVu Sans"/>
               </a:rPr>
               <a:t>'as_sitesearch'</a:t>
             </a:r>
@@ -9336,6 +8932,7 @@
                   <a:srgbClr val="ffffff"/>
                 </a:solidFill>
                 <a:latin typeface="Consolas"/>
+                <a:ea typeface="DejaVu Sans"/>
               </a:rPr>
               <a:t>: </a:t>
             </a:r>
@@ -9345,6 +8942,7 @@
                   <a:srgbClr val="ce9178"/>
                 </a:solidFill>
                 <a:latin typeface="Consolas"/>
+                <a:ea typeface="DejaVu Sans"/>
               </a:rPr>
               <a:t>'www.urlencoder.io'</a:t>
             </a:r>
@@ -9354,6 +8952,7 @@
                   <a:srgbClr val="ffffff"/>
                 </a:solidFill>
                 <a:latin typeface="Consolas"/>
+                <a:ea typeface="DejaVu Sans"/>
               </a:rPr>
               <a:t>}</a:t>
             </a:r>
@@ -9374,6 +8973,7 @@
                   <a:srgbClr val="9cdcfe"/>
                 </a:solidFill>
                 <a:latin typeface="Consolas"/>
+                <a:ea typeface="DejaVu Sans"/>
               </a:rPr>
               <a:t>parsedparams</a:t>
             </a:r>
@@ -9383,6 +8983,7 @@
                   <a:srgbClr val="ffffff"/>
                 </a:solidFill>
                 <a:latin typeface="Consolas"/>
+                <a:ea typeface="DejaVu Sans"/>
               </a:rPr>
               <a:t> </a:t>
             </a:r>
@@ -9392,6 +8993,7 @@
                   <a:srgbClr val="d4d4d4"/>
                 </a:solidFill>
                 <a:latin typeface="Consolas"/>
+                <a:ea typeface="DejaVu Sans"/>
               </a:rPr>
               <a:t>=</a:t>
             </a:r>
@@ -9401,6 +9003,7 @@
                   <a:srgbClr val="ffffff"/>
                 </a:solidFill>
                 <a:latin typeface="Consolas"/>
+                <a:ea typeface="DejaVu Sans"/>
               </a:rPr>
               <a:t> </a:t>
             </a:r>
@@ -9410,6 +9013,7 @@
                   <a:srgbClr val="4ec9b0"/>
                 </a:solidFill>
                 <a:latin typeface="Consolas"/>
+                <a:ea typeface="DejaVu Sans"/>
               </a:rPr>
               <a:t>urllib</a:t>
             </a:r>
@@ -9419,6 +9023,7 @@
                   <a:srgbClr val="ffffff"/>
                 </a:solidFill>
                 <a:latin typeface="Consolas"/>
+                <a:ea typeface="DejaVu Sans"/>
               </a:rPr>
               <a:t>.</a:t>
             </a:r>
@@ -9428,6 +9033,7 @@
                   <a:srgbClr val="4ec9b0"/>
                 </a:solidFill>
                 <a:latin typeface="Consolas"/>
+                <a:ea typeface="DejaVu Sans"/>
               </a:rPr>
               <a:t>parse</a:t>
             </a:r>
@@ -9437,6 +9043,7 @@
                   <a:srgbClr val="ffffff"/>
                 </a:solidFill>
                 <a:latin typeface="Consolas"/>
+                <a:ea typeface="DejaVu Sans"/>
               </a:rPr>
               <a:t>.</a:t>
             </a:r>
@@ -9446,6 +9053,7 @@
                   <a:srgbClr val="dcdcaa"/>
                 </a:solidFill>
                 <a:latin typeface="Consolas"/>
+                <a:ea typeface="DejaVu Sans"/>
               </a:rPr>
               <a:t>urlencode</a:t>
             </a:r>
@@ -9455,6 +9063,7 @@
                   <a:srgbClr val="ffffff"/>
                 </a:solidFill>
                 <a:latin typeface="Consolas"/>
+                <a:ea typeface="DejaVu Sans"/>
               </a:rPr>
               <a:t>(</a:t>
             </a:r>
@@ -9464,6 +9073,7 @@
                   <a:srgbClr val="9cdcfe"/>
                 </a:solidFill>
                 <a:latin typeface="Consolas"/>
+                <a:ea typeface="DejaVu Sans"/>
               </a:rPr>
               <a:t>params</a:t>
             </a:r>
@@ -9473,6 +9083,7 @@
                   <a:srgbClr val="ffffff"/>
                 </a:solidFill>
                 <a:latin typeface="Consolas"/>
+                <a:ea typeface="DejaVu Sans"/>
               </a:rPr>
               <a:t>)</a:t>
             </a:r>
@@ -9493,6 +9104,7 @@
                   <a:srgbClr val="dcdcaa"/>
                 </a:solidFill>
                 <a:latin typeface="Consolas"/>
+                <a:ea typeface="DejaVu Sans"/>
               </a:rPr>
               <a:t>print</a:t>
             </a:r>
@@ -9502,6 +9114,7 @@
                   <a:srgbClr val="ffffff"/>
                 </a:solidFill>
                 <a:latin typeface="Consolas"/>
+                <a:ea typeface="DejaVu Sans"/>
               </a:rPr>
               <a:t>(</a:t>
             </a:r>
@@ -9511,6 +9124,7 @@
                   <a:srgbClr val="9cdcfe"/>
                 </a:solidFill>
                 <a:latin typeface="Consolas"/>
+                <a:ea typeface="DejaVu Sans"/>
               </a:rPr>
               <a:t>parsedparams</a:t>
             </a:r>
@@ -9520,6 +9134,7 @@
                   <a:srgbClr val="ffffff"/>
                 </a:solidFill>
                 <a:latin typeface="Consolas"/>
+                <a:ea typeface="DejaVu Sans"/>
               </a:rPr>
               <a:t>)</a:t>
             </a:r>
@@ -9540,6 +9155,7 @@
                   <a:srgbClr val="7ca668"/>
                 </a:solidFill>
                 <a:latin typeface="Consolas"/>
+                <a:ea typeface="DejaVu Sans"/>
               </a:rPr>
               <a:t>#'q=Python+URL+encoding&amp;as_sitesearch=www.urlencoder.io'</a:t>
             </a:r>
@@ -9606,7 +9222,7 @@
         <p:spPr>
           <a:xfrm>
             <a:off x="0" y="0"/>
-            <a:ext cx="12191760" cy="6857640"/>
+            <a:ext cx="12191400" cy="6857280"/>
           </a:xfrm>
           <a:prstGeom prst="rect">
             <a:avLst/>
@@ -9642,7 +9258,7 @@
         <p:spPr>
           <a:xfrm>
             <a:off x="984600" y="464040"/>
-            <a:ext cx="10222560" cy="80280"/>
+            <a:ext cx="10222200" cy="79920"/>
           </a:xfrm>
           <a:prstGeom prst="rect">
             <a:avLst/>
@@ -9682,7 +9298,7 @@
         <p:spPr>
           <a:xfrm>
             <a:off x="984600" y="601920"/>
-            <a:ext cx="10222560" cy="1385640"/>
+            <a:ext cx="10222200" cy="1385280"/>
           </a:xfrm>
           <a:prstGeom prst="rect">
             <a:avLst/>
@@ -9722,7 +9338,7 @@
         <p:spPr>
           <a:xfrm>
             <a:off x="984600" y="2038680"/>
-            <a:ext cx="10222560" cy="80280"/>
+            <a:ext cx="10222200" cy="79920"/>
           </a:xfrm>
           <a:prstGeom prst="rect">
             <a:avLst/>
@@ -9766,7 +9382,7 @@
         <p:spPr>
           <a:xfrm>
             <a:off x="1069920" y="484560"/>
-            <a:ext cx="10058040" cy="1608840"/>
+            <a:ext cx="10057680" cy="1608480"/>
           </a:xfrm>
           <a:prstGeom prst="rect">
             <a:avLst/>
@@ -9777,7 +9393,7 @@
           </a:ln>
         </p:spPr>
         <p:txBody>
-          <a:bodyPr anchor="ctr">
+          <a:bodyPr lIns="90000" rIns="90000" tIns="45000" bIns="45000" anchor="ctr">
             <a:normAutofit/>
           </a:bodyPr>
           <a:p>
@@ -9793,11 +9409,8 @@
               </a:rPr>
               <a:t>Exercise</a:t>
             </a:r>
-            <a:endParaRPr b="0" lang="en-US" sz="5400" spc="-1" strike="noStrike">
-              <a:solidFill>
-                <a:srgbClr val="000000"/>
-              </a:solidFill>
-              <a:latin typeface="Rockwell"/>
+            <a:endParaRPr b="0" lang="en-IE" sz="5400" spc="-1" strike="noStrike">
+              <a:latin typeface="Arial"/>
             </a:endParaRPr>
           </a:p>
         </p:txBody>
@@ -9815,7 +9428,7 @@
         <p:spPr>
           <a:xfrm>
             <a:off x="1069920" y="2320560"/>
-            <a:ext cx="10058040" cy="3851280"/>
+            <a:ext cx="10057680" cy="3850920"/>
           </a:xfrm>
           <a:prstGeom prst="rect">
             <a:avLst/>
@@ -9826,7 +9439,7 @@
           </a:ln>
         </p:spPr>
         <p:txBody>
-          <a:bodyPr anchor="t">
+          <a:bodyPr lIns="90000" rIns="90000" tIns="45000" bIns="45000" anchor="t">
             <a:normAutofit/>
           </a:bodyPr>
           <a:p>
@@ -9853,11 +9466,8 @@
               </a:rPr>
               <a:t>Implement all the api calls (as functions)</a:t>
             </a:r>
-            <a:endParaRPr b="0" lang="en-US" sz="2000" spc="-1" strike="noStrike">
-              <a:solidFill>
-                <a:srgbClr val="000000"/>
-              </a:solidFill>
-              <a:latin typeface="Rockwell"/>
+            <a:endParaRPr b="0" lang="en-IE" sz="2000" spc="-1" strike="noStrike">
+              <a:latin typeface="Arial"/>
             </a:endParaRPr>
           </a:p>
           <a:p>
@@ -9884,11 +9494,8 @@
               </a:rPr>
               <a:t>Get the average book price </a:t>
             </a:r>
-            <a:endParaRPr b="0" lang="en-US" sz="2000" spc="-1" strike="noStrike">
-              <a:solidFill>
-                <a:srgbClr val="000000"/>
-              </a:solidFill>
-              <a:latin typeface="Rockwell"/>
+            <a:endParaRPr b="0" lang="en-IE" sz="2000" spc="-1" strike="noStrike">
+              <a:latin typeface="Arial"/>
             </a:endParaRPr>
           </a:p>
           <a:p>
@@ -9901,11 +9508,8 @@
               </a:spcBef>
               <a:buNone/>
             </a:pPr>
-            <a:endParaRPr b="0" lang="en-US" sz="2000" spc="-1" strike="noStrike">
-              <a:solidFill>
-                <a:srgbClr val="000000"/>
-              </a:solidFill>
-              <a:latin typeface="Rockwell"/>
+            <a:endParaRPr b="0" lang="en-IE" sz="2000" spc="-1" strike="noStrike">
+              <a:latin typeface="Arial"/>
             </a:endParaRPr>
           </a:p>
         </p:txBody>
@@ -9919,7 +9523,7 @@
         <p:spPr>
           <a:xfrm>
             <a:off x="11401560" y="6229800"/>
-            <a:ext cx="456840" cy="456840"/>
+            <a:ext cx="456480" cy="456480"/>
           </a:xfrm>
           <a:prstGeom prst="ellipse">
             <a:avLst/>
@@ -9949,7 +9553,7 @@
         <p:spPr>
           <a:xfrm>
             <a:off x="11431080" y="6258960"/>
-            <a:ext cx="398520" cy="398520"/>
+            <a:ext cx="398160" cy="398160"/>
           </a:xfrm>
           <a:prstGeom prst="ellipse">
             <a:avLst/>
@@ -9978,7 +9582,7 @@
         <p:spPr>
           <a:xfrm>
             <a:off x="3281040" y="5056200"/>
-            <a:ext cx="5665320" cy="672120"/>
+            <a:ext cx="5664960" cy="671760"/>
           </a:xfrm>
           <a:prstGeom prst="cloud">
             <a:avLst/>
@@ -10020,7 +9624,7 @@
         <p:spPr>
           <a:xfrm>
             <a:off x="3052440" y="6185520"/>
-            <a:ext cx="6086520" cy="363960"/>
+            <a:ext cx="6086160" cy="363960"/>
           </a:xfrm>
           <a:prstGeom prst="rect">
             <a:avLst/>
@@ -10055,6 +9659,7 @@
                   <a:srgbClr val="000000"/>
                 </a:solidFill>
                 <a:latin typeface="Rockwell"/>
+                <a:ea typeface="DejaVu Sans"/>
               </a:rPr>
               <a:t>http://andrewbeatty1.pythonanywhere.com</a:t>
             </a:r>
@@ -10073,7 +9678,7 @@
         <p:spPr>
           <a:xfrm>
             <a:off x="3021120" y="3429000"/>
-            <a:ext cx="5925240" cy="672120"/>
+            <a:ext cx="5924880" cy="671760"/>
           </a:xfrm>
           <a:prstGeom prst="rect">
             <a:avLst/>
@@ -10112,7 +9717,7 @@
         <p:spPr>
           <a:xfrm>
             <a:off x="3021120" y="4101480"/>
-            <a:ext cx="5925240" cy="682560"/>
+            <a:ext cx="5924880" cy="682200"/>
           </a:xfrm>
           <a:prstGeom prst="roundRect">
             <a:avLst>
@@ -10160,6 +9765,7 @@
                   <a:srgbClr val="ffffff"/>
                 </a:solidFill>
                 <a:latin typeface="Rockwell"/>
+                <a:ea typeface="DejaVu Sans"/>
               </a:rPr>
               <a:t>The part of your program that retrieves the data from the server</a:t>
             </a:r>
@@ -10178,7 +9784,7 @@
         <p:spPr>
           <a:xfrm>
             <a:off x="3281040" y="3533760"/>
-            <a:ext cx="5665320" cy="638280"/>
+            <a:ext cx="5664960" cy="638280"/>
           </a:xfrm>
           <a:prstGeom prst="rect">
             <a:avLst/>
@@ -10211,6 +9817,7 @@
                   <a:srgbClr val="000000"/>
                 </a:solidFill>
                 <a:latin typeface="Rockwell"/>
+                <a:ea typeface="DejaVu Sans"/>
               </a:rPr>
               <a:t>The part of your program that analyses the data</a:t>
             </a:r>
@@ -10220,6 +9827,7 @@
                   <a:srgbClr val="000000"/>
                 </a:solidFill>
                 <a:latin typeface="Rockwell"/>
+                <a:ea typeface="DejaVu Sans"/>
               </a:rPr>
               <a:t> </a:t>
             </a:r>
@@ -10238,7 +9846,7 @@
         <p:spPr>
           <a:xfrm>
             <a:off x="4706640" y="4784400"/>
-            <a:ext cx="360" cy="1293120"/>
+            <a:ext cx="360" cy="1292760"/>
           </a:xfrm>
           <a:custGeom>
             <a:avLst/>
@@ -10286,8 +9894,8 @@
         </p:nvSpPr>
         <p:spPr>
           <a:xfrm flipV="1">
-            <a:off x="7401960" y="4784400"/>
-            <a:ext cx="360" cy="1303920"/>
+            <a:off x="7401960" y="4783680"/>
+            <a:ext cx="360" cy="1303560"/>
           </a:xfrm>
           <a:custGeom>
             <a:avLst/>
@@ -10336,7 +9944,7 @@
         <p:spPr>
           <a:xfrm>
             <a:off x="9315720" y="3861360"/>
-            <a:ext cx="2542680" cy="637200"/>
+            <a:ext cx="2542320" cy="637200"/>
           </a:xfrm>
           <a:prstGeom prst="rect">
             <a:avLst/>
@@ -10369,6 +9977,7 @@
                   <a:srgbClr val="000000"/>
                 </a:solidFill>
                 <a:latin typeface="Rockwell"/>
+                <a:ea typeface="DejaVu Sans"/>
               </a:rPr>
               <a:t>This interface (list of functions) can also be called an api</a:t>
             </a:r>
@@ -10387,7 +9996,7 @@
         <p:spPr>
           <a:xfrm flipH="1">
             <a:off x="9027360" y="4092120"/>
-            <a:ext cx="574920" cy="9000"/>
+            <a:ext cx="574560" cy="8640"/>
           </a:xfrm>
           <a:custGeom>
             <a:avLst/>
@@ -10470,7 +10079,7 @@
         <p:spPr>
           <a:xfrm>
             <a:off x="1069920" y="484560"/>
-            <a:ext cx="10058040" cy="1608840"/>
+            <a:ext cx="10057680" cy="1608480"/>
           </a:xfrm>
           <a:prstGeom prst="rect">
             <a:avLst/>
@@ -10481,7 +10090,7 @@
           </a:ln>
         </p:spPr>
         <p:txBody>
-          <a:bodyPr anchor="ctr">
+          <a:bodyPr lIns="90000" rIns="90000" tIns="45000" bIns="45000" anchor="ctr">
             <a:normAutofit fontScale="85000"/>
           </a:bodyPr>
           <a:p>
@@ -10506,11 +10115,8 @@
               </a:rPr>
               <a:t>http://andrewbeatty1.pythonanywhere.com</a:t>
             </a:r>
-            <a:endParaRPr b="0" lang="en-US" sz="2200" spc="-1" strike="noStrike">
-              <a:solidFill>
-                <a:srgbClr val="000000"/>
-              </a:solidFill>
-              <a:latin typeface="Rockwell"/>
+            <a:endParaRPr b="0" lang="en-IE" sz="2200" spc="-1" strike="noStrike">
+              <a:latin typeface="Arial"/>
             </a:endParaRPr>
           </a:p>
         </p:txBody>
@@ -10523,7 +10129,7 @@
         </p:nvGraphicFramePr>
         <p:xfrm>
           <a:off x="644760" y="1834920"/>
-          <a:ext cx="10477080" cy="4329000"/>
+          <a:ext cx="10476720" cy="5273640"/>
         </p:xfrm>
         <a:graphic>
           <a:graphicData uri="http://schemas.openxmlformats.org/drawingml/2006/table">
@@ -10540,7 +10146,7 @@
               <a:tr h="446760">
                 <a:tc>
                   <a:txBody>
-                    <a:bodyPr lIns="51120" rIns="51120" tIns="0" bIns="0" anchor="t">
+                    <a:bodyPr lIns="51120" rIns="51120" anchor="t">
                       <a:noAutofit/>
                     </a:bodyPr>
                     <a:p>
@@ -10592,7 +10198,7 @@
                 </a:tc>
                 <a:tc>
                   <a:txBody>
-                    <a:bodyPr lIns="51120" rIns="51120" tIns="0" bIns="0" anchor="t">
+                    <a:bodyPr lIns="51120" rIns="51120" anchor="t">
                       <a:noAutofit/>
                     </a:bodyPr>
                     <a:p>
@@ -10644,7 +10250,7 @@
                 </a:tc>
                 <a:tc>
                   <a:txBody>
-                    <a:bodyPr lIns="51120" rIns="51120" tIns="0" bIns="0" anchor="t">
+                    <a:bodyPr lIns="51120" rIns="51120" anchor="t">
                       <a:noAutofit/>
                     </a:bodyPr>
                     <a:p>
@@ -10696,7 +10302,7 @@
                 </a:tc>
                 <a:tc>
                   <a:txBody>
-                    <a:bodyPr lIns="51120" rIns="51120" tIns="0" bIns="0" anchor="t">
+                    <a:bodyPr lIns="51120" rIns="51120" anchor="t">
                       <a:noAutofit/>
                     </a:bodyPr>
                     <a:p>
@@ -10748,7 +10354,7 @@
                 </a:tc>
                 <a:tc>
                   <a:txBody>
-                    <a:bodyPr lIns="51120" rIns="51120" tIns="0" bIns="0" anchor="t">
+                    <a:bodyPr lIns="51120" rIns="51120" anchor="t">
                       <a:noAutofit/>
                     </a:bodyPr>
                     <a:p>
@@ -10800,7 +10406,7 @@
                 </a:tc>
                 <a:tc>
                   <a:txBody>
-                    <a:bodyPr lIns="51120" rIns="51120" tIns="0" bIns="0" anchor="t">
+                    <a:bodyPr lIns="51120" rIns="51120" anchor="t">
                       <a:noAutofit/>
                     </a:bodyPr>
                     <a:p>
@@ -10855,7 +10461,7 @@
               <a:tr h="750600">
                 <a:tc>
                   <a:txBody>
-                    <a:bodyPr lIns="51120" rIns="51120" tIns="0" bIns="0" anchor="t">
+                    <a:bodyPr lIns="51120" rIns="51120" anchor="t">
                       <a:noAutofit/>
                     </a:bodyPr>
                     <a:p>
@@ -10907,7 +10513,7 @@
                 </a:tc>
                 <a:tc>
                   <a:txBody>
-                    <a:bodyPr lIns="51120" rIns="51120" tIns="0" bIns="0" anchor="t">
+                    <a:bodyPr lIns="51120" rIns="51120" anchor="t">
                       <a:noAutofit/>
                     </a:bodyPr>
                     <a:p>
@@ -10959,7 +10565,7 @@
                 </a:tc>
                 <a:tc>
                   <a:txBody>
-                    <a:bodyPr lIns="51120" rIns="51120" tIns="0" bIns="0" anchor="t">
+                    <a:bodyPr lIns="51120" rIns="51120" anchor="t">
                       <a:noAutofit/>
                     </a:bodyPr>
                     <a:p>
@@ -11011,7 +10617,7 @@
                 </a:tc>
                 <a:tc>
                   <a:txBody>
-                    <a:bodyPr lIns="51120" rIns="51120" tIns="0" bIns="0" anchor="t">
+                    <a:bodyPr lIns="51120" rIns="51120" anchor="t">
                       <a:noAutofit/>
                     </a:bodyPr>
                     <a:p>
@@ -11063,7 +10669,7 @@
                 </a:tc>
                 <a:tc>
                   <a:txBody>
-                    <a:bodyPr lIns="51120" rIns="51120" tIns="0" bIns="0" anchor="t">
+                    <a:bodyPr lIns="51120" rIns="51120" anchor="t">
                       <a:noAutofit/>
                     </a:bodyPr>
                     <a:p>
@@ -11173,7 +10779,7 @@
                 </a:tc>
                 <a:tc>
                   <a:txBody>
-                    <a:bodyPr lIns="51120" rIns="51120" tIns="0" bIns="0" anchor="t">
+                    <a:bodyPr lIns="51120" rIns="51120" anchor="t">
                       <a:noAutofit/>
                     </a:bodyPr>
                     <a:p>
@@ -11227,7 +10833,7 @@
               <a:tr h="1116360">
                 <a:tc>
                   <a:txBody>
-                    <a:bodyPr lIns="51120" rIns="51120" tIns="0" bIns="0" anchor="t">
+                    <a:bodyPr lIns="51120" rIns="51120" anchor="t">
                       <a:noAutofit/>
                     </a:bodyPr>
                     <a:p>
@@ -11279,7 +10885,7 @@
                 </a:tc>
                 <a:tc>
                   <a:txBody>
-                    <a:bodyPr lIns="51120" rIns="51120" tIns="0" bIns="0" anchor="t">
+                    <a:bodyPr lIns="51120" rIns="51120" anchor="t">
                       <a:noAutofit/>
                     </a:bodyPr>
                     <a:p>
@@ -11331,7 +10937,7 @@
                 </a:tc>
                 <a:tc>
                   <a:txBody>
-                    <a:bodyPr lIns="51120" rIns="51120" tIns="0" bIns="0" anchor="t">
+                    <a:bodyPr lIns="51120" rIns="51120" anchor="t">
                       <a:noAutofit/>
                     </a:bodyPr>
                     <a:p>
@@ -11383,7 +10989,7 @@
                 </a:tc>
                 <a:tc>
                   <a:txBody>
-                    <a:bodyPr lIns="51120" rIns="51120" tIns="0" bIns="0" anchor="t">
+                    <a:bodyPr lIns="51120" rIns="51120" anchor="t">
                       <a:noAutofit/>
                     </a:bodyPr>
                     <a:p>
@@ -11435,7 +11041,7 @@
                 </a:tc>
                 <a:tc>
                   <a:txBody>
-                    <a:bodyPr lIns="51120" rIns="51120" tIns="0" bIns="0" anchor="t">
+                    <a:bodyPr lIns="51120" rIns="51120" anchor="t">
                       <a:noAutofit/>
                     </a:bodyPr>
                     <a:p>
@@ -11545,7 +11151,7 @@
                 </a:tc>
                 <a:tc>
                   <a:txBody>
-                    <a:bodyPr lIns="51120" rIns="51120" tIns="0" bIns="0" anchor="t">
+                    <a:bodyPr lIns="51120" rIns="51120" anchor="t">
                       <a:noAutofit/>
                     </a:bodyPr>
                     <a:p>
@@ -11599,7 +11205,7 @@
               <a:tr h="1116360">
                 <a:tc>
                   <a:txBody>
-                    <a:bodyPr lIns="51120" rIns="51120" tIns="0" bIns="0" anchor="t">
+                    <a:bodyPr lIns="51120" rIns="51120" anchor="t">
                       <a:noAutofit/>
                     </a:bodyPr>
                     <a:p>
@@ -11651,7 +11257,7 @@
                 </a:tc>
                 <a:tc>
                   <a:txBody>
-                    <a:bodyPr lIns="51120" rIns="51120" tIns="0" bIns="0" anchor="t">
+                    <a:bodyPr lIns="51120" rIns="51120" anchor="t">
                       <a:noAutofit/>
                     </a:bodyPr>
                     <a:p>
@@ -11703,7 +11309,7 @@
                 </a:tc>
                 <a:tc>
                   <a:txBody>
-                    <a:bodyPr lIns="51120" rIns="51120" tIns="0" bIns="0" anchor="t">
+                    <a:bodyPr lIns="51120" rIns="51120" anchor="t">
                       <a:noAutofit/>
                     </a:bodyPr>
                     <a:p>
@@ -11755,7 +11361,7 @@
                 </a:tc>
                 <a:tc>
                   <a:txBody>
-                    <a:bodyPr lIns="51120" rIns="51120" tIns="0" bIns="0" anchor="t">
+                    <a:bodyPr lIns="51120" rIns="51120" anchor="t">
                       <a:noAutofit/>
                     </a:bodyPr>
                     <a:p>
@@ -11865,7 +11471,7 @@
                 </a:tc>
                 <a:tc>
                   <a:txBody>
-                    <a:bodyPr lIns="51120" rIns="51120" tIns="0" bIns="0" anchor="t">
+                    <a:bodyPr lIns="51120" rIns="51120" anchor="t">
                       <a:noAutofit/>
                     </a:bodyPr>
                     <a:p>
@@ -11975,7 +11581,7 @@
                 </a:tc>
                 <a:tc>
                   <a:txBody>
-                    <a:bodyPr lIns="51120" rIns="51120" tIns="0" bIns="0" anchor="t">
+                    <a:bodyPr lIns="51120" rIns="51120" anchor="t">
                       <a:noAutofit/>
                     </a:bodyPr>
                     <a:p>
@@ -12080,7 +11686,7 @@
               <a:tr h="1116360">
                 <a:tc>
                   <a:txBody>
-                    <a:bodyPr lIns="51120" rIns="51120" tIns="0" bIns="0" anchor="t">
+                    <a:bodyPr lIns="51120" rIns="51120" anchor="t">
                       <a:noAutofit/>
                     </a:bodyPr>
                     <a:p>
@@ -12132,7 +11738,7 @@
                 </a:tc>
                 <a:tc>
                   <a:txBody>
-                    <a:bodyPr lIns="51120" rIns="51120" tIns="0" bIns="0" anchor="t">
+                    <a:bodyPr lIns="51120" rIns="51120" anchor="t">
                       <a:noAutofit/>
                     </a:bodyPr>
                     <a:p>
@@ -12184,7 +11790,7 @@
                 </a:tc>
                 <a:tc>
                   <a:txBody>
-                    <a:bodyPr lIns="51120" rIns="51120" tIns="0" bIns="0" anchor="t">
+                    <a:bodyPr lIns="51120" rIns="51120" anchor="t">
                       <a:noAutofit/>
                     </a:bodyPr>
                     <a:p>
@@ -12236,7 +11842,7 @@
                 </a:tc>
                 <a:tc>
                   <a:txBody>
-                    <a:bodyPr lIns="51120" rIns="51120" tIns="0" bIns="0" anchor="t">
+                    <a:bodyPr lIns="51120" rIns="51120" anchor="t">
                       <a:noAutofit/>
                     </a:bodyPr>
                     <a:p>
@@ -12337,7 +11943,7 @@
                 </a:tc>
                 <a:tc>
                   <a:txBody>
-                    <a:bodyPr lIns="51120" rIns="51120" tIns="0" bIns="0" anchor="t">
+                    <a:bodyPr lIns="51120" rIns="51120" anchor="t">
                       <a:noAutofit/>
                     </a:bodyPr>
                     <a:p>
@@ -12447,7 +12053,7 @@
                 </a:tc>
                 <a:tc>
                   <a:txBody>
-                    <a:bodyPr lIns="51120" rIns="51120" tIns="0" bIns="0" anchor="t">
+                    <a:bodyPr lIns="51120" rIns="51120" anchor="t">
                       <a:noAutofit/>
                     </a:bodyPr>
                     <a:p>
@@ -12561,7 +12167,7 @@
               <a:tr h="727560">
                 <a:tc>
                   <a:txBody>
-                    <a:bodyPr lIns="51120" rIns="51120" tIns="0" bIns="0" anchor="t">
+                    <a:bodyPr lIns="51120" rIns="51120" anchor="t">
                       <a:noAutofit/>
                     </a:bodyPr>
                     <a:p>
@@ -12613,7 +12219,7 @@
                 </a:tc>
                 <a:tc>
                   <a:txBody>
-                    <a:bodyPr lIns="51120" rIns="51120" tIns="0" bIns="0" anchor="t">
+                    <a:bodyPr lIns="51120" rIns="51120" anchor="t">
                       <a:noAutofit/>
                     </a:bodyPr>
                     <a:p>
@@ -12665,7 +12271,7 @@
                 </a:tc>
                 <a:tc>
                   <a:txBody>
-                    <a:bodyPr lIns="51120" rIns="51120" tIns="0" bIns="0" anchor="t">
+                    <a:bodyPr lIns="51120" rIns="51120" anchor="t">
                       <a:noAutofit/>
                     </a:bodyPr>
                     <a:p>
@@ -12717,7 +12323,7 @@
                 </a:tc>
                 <a:tc>
                   <a:txBody>
-                    <a:bodyPr lIns="51120" rIns="51120" tIns="0" bIns="0" anchor="t">
+                    <a:bodyPr lIns="51120" rIns="51120" anchor="t">
                       <a:noAutofit/>
                     </a:bodyPr>
                     <a:p>
@@ -12769,7 +12375,7 @@
                 </a:tc>
                 <a:tc>
                   <a:txBody>
-                    <a:bodyPr lIns="51120" rIns="51120" tIns="0" bIns="0" anchor="t">
+                    <a:bodyPr lIns="51120" rIns="51120" anchor="t">
                       <a:noAutofit/>
                     </a:bodyPr>
                     <a:p>
@@ -12870,7 +12476,7 @@
                 </a:tc>
                 <a:tc>
                   <a:txBody>
-                    <a:bodyPr lIns="51120" rIns="51120" tIns="0" bIns="0" anchor="t">
+                    <a:bodyPr lIns="51120" rIns="51120" anchor="t">
                       <a:noAutofit/>
                     </a:bodyPr>
                     <a:p>
@@ -12969,7 +12575,7 @@
         <p:spPr>
           <a:xfrm>
             <a:off x="1069920" y="484560"/>
-            <a:ext cx="10058040" cy="1608840"/>
+            <a:ext cx="10057680" cy="1608480"/>
           </a:xfrm>
           <a:prstGeom prst="rect">
             <a:avLst/>
@@ -12980,7 +12586,7 @@
           </a:ln>
         </p:spPr>
         <p:txBody>
-          <a:bodyPr anchor="ctr">
+          <a:bodyPr lIns="90000" rIns="90000" tIns="45000" bIns="45000" anchor="ctr">
             <a:noAutofit/>
           </a:bodyPr>
           <a:p>
@@ -12996,11 +12602,8 @@
               </a:rPr>
               <a:t>Summary</a:t>
             </a:r>
-            <a:endParaRPr b="0" lang="en-US" sz="5400" spc="-1" strike="noStrike">
-              <a:solidFill>
-                <a:srgbClr val="000000"/>
-              </a:solidFill>
-              <a:latin typeface="Rockwell"/>
+            <a:endParaRPr b="0" lang="en-IE" sz="5400" spc="-1" strike="noStrike">
+              <a:latin typeface="Arial"/>
             </a:endParaRPr>
           </a:p>
         </p:txBody>
@@ -13018,7 +12621,7 @@
         <p:spPr>
           <a:xfrm>
             <a:off x="1069920" y="2121480"/>
-            <a:ext cx="10058040" cy="4050360"/>
+            <a:ext cx="10057680" cy="4050000"/>
           </a:xfrm>
           <a:prstGeom prst="rect">
             <a:avLst/>
@@ -13029,7 +12632,7 @@
           </a:ln>
         </p:spPr>
         <p:txBody>
-          <a:bodyPr anchor="t">
+          <a:bodyPr lIns="90000" rIns="90000" tIns="45000" bIns="45000" anchor="t">
             <a:noAutofit/>
           </a:bodyPr>
           <a:p>
@@ -13056,11 +12659,8 @@
               </a:rPr>
               <a:t>Create a function for the API call to the cloud</a:t>
             </a:r>
-            <a:endParaRPr b="0" lang="en-US" sz="2000" spc="-1" strike="noStrike">
-              <a:solidFill>
-                <a:srgbClr val="000000"/>
-              </a:solidFill>
-              <a:latin typeface="Rockwell"/>
+            <a:endParaRPr b="0" lang="en-IE" sz="2000" spc="-1" strike="noStrike">
+              <a:latin typeface="Arial"/>
             </a:endParaRPr>
           </a:p>
           <a:p>
@@ -13090,11 +12690,8 @@
               </a:rPr>
               <a:t>This allows you to split the retrieving of data from the analysis of the data</a:t>
             </a:r>
-            <a:endParaRPr b="0" lang="en-US" sz="1800" spc="-1" strike="noStrike">
-              <a:solidFill>
-                <a:srgbClr val="000000"/>
-              </a:solidFill>
-              <a:latin typeface="Rockwell"/>
+            <a:endParaRPr b="0" lang="en-IE" sz="1800" spc="-1" strike="noStrike">
+              <a:latin typeface="Arial"/>
             </a:endParaRPr>
           </a:p>
         </p:txBody>

--- a/labs/WSAA4.1 API consuming with python_ed.pptx
+++ b/labs/WSAA4.1 API consuming with python_ed.pptx
@@ -299,7 +299,7 @@
             <a:pPr algn="r">
               <a:buNone/>
             </a:pPr>
-            <a:fld id="{C9448F70-0490-4856-9E82-1970AFE1AD94}" type="slidenum">
+            <a:fld id="{27A88028-D596-4FDB-8B1E-2DD25693C445}" type="slidenum">
               <a:rPr b="0" lang="en-IE" sz="1400" spc="-1" strike="noStrike">
                 <a:latin typeface="Times New Roman"/>
               </a:rPr>
@@ -347,7 +347,7 @@
         <p:spPr>
           <a:xfrm>
             <a:off x="216000" y="812520"/>
-            <a:ext cx="7126920" cy="4008600"/>
+            <a:ext cx="7126560" cy="4008240"/>
           </a:xfrm>
           <a:prstGeom prst="rect">
             <a:avLst/>
@@ -370,7 +370,7 @@
         <p:spPr>
           <a:xfrm>
             <a:off x="90000" y="4725000"/>
-            <a:ext cx="7334640" cy="5966640"/>
+            <a:ext cx="7334280" cy="5966280"/>
           </a:xfrm>
           <a:prstGeom prst="rect">
             <a:avLst/>
@@ -390,6 +390,9 @@
                 <a:spcPct val="100000"/>
               </a:lnSpc>
               <a:buNone/>
+              <a:tabLst>
+                <a:tab algn="l" pos="0"/>
+              </a:tabLst>
             </a:pPr>
             <a:r>
               <a:rPr b="0" lang="en-IE" sz="1600" spc="-1" strike="noStrike">
@@ -407,6 +410,9 @@
                 <a:spcPct val="100000"/>
               </a:lnSpc>
               <a:buNone/>
+              <a:tabLst>
+                <a:tab algn="l" pos="0"/>
+              </a:tabLst>
             </a:pPr>
             <a:r>
               <a:rPr b="0" lang="en-IE" sz="1600" spc="-1" strike="noStrike">
@@ -424,6 +430,9 @@
                 <a:spcPct val="100000"/>
               </a:lnSpc>
               <a:buNone/>
+              <a:tabLst>
+                <a:tab algn="l" pos="0"/>
+              </a:tabLst>
             </a:pPr>
             <a:r>
               <a:rPr b="0" lang="en-IE" sz="1800" spc="-1" strike="noStrike" u="sng">
@@ -446,6 +455,9 @@
                 <a:spcPct val="100000"/>
               </a:lnSpc>
               <a:buNone/>
+              <a:tabLst>
+                <a:tab algn="l" pos="0"/>
+              </a:tabLst>
             </a:pPr>
             <a:r>
               <a:rPr b="0" lang="en-IE" sz="1800" spc="-1" strike="noStrike" u="sng">
@@ -467,6 +479,9 @@
                 <a:spcPct val="100000"/>
               </a:lnSpc>
               <a:buNone/>
+              <a:tabLst>
+                <a:tab algn="l" pos="0"/>
+              </a:tabLst>
             </a:pPr>
             <a:endParaRPr b="0" lang="en-IE" sz="2000" spc="-1" strike="noStrike">
               <a:latin typeface="Arial"/>
@@ -478,6 +493,9 @@
                 <a:spcPct val="100000"/>
               </a:lnSpc>
               <a:buNone/>
+              <a:tabLst>
+                <a:tab algn="l" pos="0"/>
+              </a:tabLst>
             </a:pPr>
             <a:r>
               <a:rPr b="0" lang="en-IE" sz="1600" spc="-1" strike="noStrike">
@@ -495,6 +513,9 @@
                 <a:spcPct val="100000"/>
               </a:lnSpc>
               <a:buNone/>
+              <a:tabLst>
+                <a:tab algn="l" pos="0"/>
+              </a:tabLst>
             </a:pPr>
             <a:r>
               <a:rPr b="0" lang="en-IE" sz="1600" spc="-1" strike="noStrike" u="sng">
@@ -517,6 +538,9 @@
                 <a:spcPct val="100000"/>
               </a:lnSpc>
               <a:buNone/>
+              <a:tabLst>
+                <a:tab algn="l" pos="0"/>
+              </a:tabLst>
             </a:pPr>
             <a:endParaRPr b="0" lang="en-IE" sz="1800" spc="-1" strike="noStrike">
               <a:latin typeface="Arial"/>
@@ -528,6 +552,9 @@
                 <a:spcPct val="100000"/>
               </a:lnSpc>
               <a:buNone/>
+              <a:tabLst>
+                <a:tab algn="l" pos="0"/>
+              </a:tabLst>
             </a:pPr>
             <a:r>
               <a:rPr b="0" lang="en-IE" sz="1600" spc="-1" strike="noStrike">
@@ -545,6 +572,9 @@
                 <a:spcPct val="100000"/>
               </a:lnSpc>
               <a:buNone/>
+              <a:tabLst>
+                <a:tab algn="l" pos="0"/>
+              </a:tabLst>
             </a:pPr>
             <a:r>
               <a:rPr b="0" lang="en-IE" sz="1600" spc="-1" strike="noStrike">
@@ -562,6 +592,9 @@
                 <a:spcPct val="100000"/>
               </a:lnSpc>
               <a:buNone/>
+              <a:tabLst>
+                <a:tab algn="l" pos="0"/>
+              </a:tabLst>
             </a:pPr>
             <a:r>
               <a:rPr b="0" lang="en-IE" sz="1800" spc="-1" strike="noStrike" u="sng">
@@ -584,6 +617,9 @@
                 <a:spcPct val="100000"/>
               </a:lnSpc>
               <a:buNone/>
+              <a:tabLst>
+                <a:tab algn="l" pos="0"/>
+              </a:tabLst>
             </a:pPr>
             <a:endParaRPr b="0" lang="en-IE" sz="2000" spc="-1" strike="noStrike">
               <a:latin typeface="Arial"/>
@@ -595,6 +631,9 @@
                 <a:spcPct val="100000"/>
               </a:lnSpc>
               <a:buNone/>
+              <a:tabLst>
+                <a:tab algn="l" pos="0"/>
+              </a:tabLst>
             </a:pPr>
             <a:r>
               <a:rPr b="0" lang="en-IE" sz="1600" spc="-1" strike="noStrike">
@@ -612,6 +651,9 @@
                 <a:spcPct val="100000"/>
               </a:lnSpc>
               <a:buNone/>
+              <a:tabLst>
+                <a:tab algn="l" pos="0"/>
+              </a:tabLst>
             </a:pPr>
             <a:r>
               <a:rPr b="0" lang="en-IE" sz="1600" spc="-1" strike="noStrike">
@@ -629,6 +671,9 @@
                 <a:spcPct val="100000"/>
               </a:lnSpc>
               <a:buNone/>
+              <a:tabLst>
+                <a:tab algn="l" pos="0"/>
+              </a:tabLst>
             </a:pPr>
             <a:r>
               <a:rPr b="0" lang="en-IE" sz="1600" spc="-1" strike="noStrike" u="sng">
@@ -651,6 +696,9 @@
                 <a:spcPct val="100000"/>
               </a:lnSpc>
               <a:buNone/>
+              <a:tabLst>
+                <a:tab algn="l" pos="0"/>
+              </a:tabLst>
             </a:pPr>
             <a:endParaRPr b="0" lang="en-IE" sz="1800" spc="-1" strike="noStrike">
               <a:latin typeface="Arial"/>
@@ -662,6 +710,9 @@
                 <a:spcPct val="100000"/>
               </a:lnSpc>
               <a:buNone/>
+              <a:tabLst>
+                <a:tab algn="l" pos="0"/>
+              </a:tabLst>
             </a:pPr>
             <a:r>
               <a:rPr b="0" lang="en-IE" sz="1600" spc="-1" strike="noStrike">
@@ -679,6 +730,9 @@
                 <a:spcPct val="100000"/>
               </a:lnSpc>
               <a:buNone/>
+              <a:tabLst>
+                <a:tab algn="l" pos="0"/>
+              </a:tabLst>
             </a:pPr>
             <a:r>
               <a:rPr b="0" lang="en-IE" sz="2000" spc="-1" strike="noStrike" u="sng">
@@ -701,6 +755,9 @@
                 <a:spcPct val="100000"/>
               </a:lnSpc>
               <a:buNone/>
+              <a:tabLst>
+                <a:tab algn="l" pos="0"/>
+              </a:tabLst>
             </a:pPr>
             <a:endParaRPr b="0" lang="en-IE" sz="2000" spc="-1" strike="noStrike">
               <a:latin typeface="Arial"/>
@@ -712,6 +769,9 @@
                 <a:spcPct val="100000"/>
               </a:lnSpc>
               <a:buNone/>
+              <a:tabLst>
+                <a:tab algn="l" pos="0"/>
+              </a:tabLst>
             </a:pPr>
             <a:r>
               <a:rPr b="0" lang="en-IE" sz="1600" spc="-1" strike="noStrike">
@@ -729,6 +789,9 @@
                 <a:spcPct val="100000"/>
               </a:lnSpc>
               <a:buNone/>
+              <a:tabLst>
+                <a:tab algn="l" pos="0"/>
+              </a:tabLst>
             </a:pPr>
             <a:r>
               <a:rPr b="0" lang="en-IE" sz="1600" spc="-1" strike="noStrike">
@@ -737,6 +800,197 @@
               <a:t>https://ws.cso.ie/public/api.restful/PxStat.Data.Cube_API.ReadDataset/FIQ02/JSON-stat/2.0/en</a:t>
             </a:r>
             <a:endParaRPr b="0" lang="en-IE" sz="1600" spc="-1" strike="noStrike">
+              <a:latin typeface="Arial"/>
+            </a:endParaRPr>
+          </a:p>
+        </p:txBody>
+      </p:sp>
+    </p:spTree>
+  </p:cSld>
+</p:notes>
+</file>
+
+<file path=ppt/notesSlides/notesSlide2.xml><?xml version="1.0" encoding="utf-8"?>
+<p:notes xmlns:a="http://schemas.openxmlformats.org/drawingml/2006/main" xmlns:p="http://schemas.openxmlformats.org/presentationml/2006/main" xmlns:r="http://schemas.openxmlformats.org/officeDocument/2006/relationships" xmlns:p14="http://schemas.microsoft.com/office/powerpoint/2010/main" xmlns:p15="http://schemas.microsoft.com/office/powerpoint/2012/main" xmlns:mc="http://schemas.openxmlformats.org/markup-compatibility/2006">
+  <p:cSld>
+    <p:spTree>
+      <p:nvGrpSpPr>
+        <p:cNvPr id="1" name=""/>
+        <p:cNvGrpSpPr/>
+        <p:nvPr/>
+      </p:nvGrpSpPr>
+      <p:grpSpPr>
+        <a:xfrm>
+          <a:off x="0" y="0"/>
+          <a:ext cx="0" cy="0"/>
+          <a:chOff x="0" y="0"/>
+          <a:chExt cx="0" cy="0"/>
+        </a:xfrm>
+      </p:grpSpPr>
+      <p:sp>
+        <p:nvSpPr>
+          <p:cNvPr id="151" name="PlaceHolder 1"/>
+          <p:cNvSpPr>
+            <a:spLocks noGrp="1"/>
+          </p:cNvSpPr>
+          <p:nvPr>
+            <p:ph type="sldImg"/>
+          </p:nvPr>
+        </p:nvSpPr>
+        <p:spPr>
+          <a:xfrm>
+            <a:off x="216000" y="812520"/>
+            <a:ext cx="7127280" cy="4008960"/>
+          </a:xfrm>
+          <a:prstGeom prst="rect">
+            <a:avLst/>
+          </a:prstGeom>
+          <a:ln w="0">
+            <a:noFill/>
+          </a:ln>
+        </p:spPr>
+      </p:sp>
+      <p:sp>
+        <p:nvSpPr>
+          <p:cNvPr id="152" name="PlaceHolder 2"/>
+          <p:cNvSpPr>
+            <a:spLocks noGrp="1"/>
+          </p:cNvSpPr>
+          <p:nvPr>
+            <p:ph type="body"/>
+          </p:nvPr>
+        </p:nvSpPr>
+        <p:spPr>
+          <a:xfrm>
+            <a:off x="756000" y="5078520"/>
+            <a:ext cx="6047640" cy="4811040"/>
+          </a:xfrm>
+          <a:prstGeom prst="rect">
+            <a:avLst/>
+          </a:prstGeom>
+          <a:noFill/>
+          <a:ln w="0">
+            <a:noFill/>
+          </a:ln>
+        </p:spPr>
+        <p:txBody>
+          <a:bodyPr lIns="0" rIns="0" tIns="0" bIns="0" anchor="t">
+            <a:noAutofit/>
+          </a:bodyPr>
+          <a:p>
+            <a:r>
+              <a:rPr b="0" lang="en-IE" sz="2000" spc="-1" strike="noStrike">
+                <a:latin typeface="Arial"/>
+              </a:rPr>
+              <a:t>This week we are writing code to extract data from some government servers and the CSO</a:t>
+            </a:r>
+            <a:endParaRPr b="0" lang="en-IE" sz="2000" spc="-1" strike="noStrike">
+              <a:latin typeface="Arial"/>
+            </a:endParaRPr>
+          </a:p>
+          <a:p>
+            <a:endParaRPr b="0" lang="en-IE" sz="2000" spc="-1" strike="noStrike">
+              <a:latin typeface="Arial"/>
+            </a:endParaRPr>
+          </a:p>
+          <a:p>
+            <a:endParaRPr b="0" lang="en-IE" sz="2000" spc="-1" strike="noStrike">
+              <a:latin typeface="Arial"/>
+            </a:endParaRPr>
+          </a:p>
+          <a:p>
+            <a:r>
+              <a:rPr b="0" lang="en-IE" sz="2000" spc="-1" strike="noStrike">
+                <a:latin typeface="Arial"/>
+              </a:rPr>
+              <a:t>        </a:t>
+            </a:r>
+            <a:r>
+              <a:rPr b="0" lang="en-IE" sz="2000" spc="-1" strike="noStrike">
+                <a:latin typeface="Arial"/>
+              </a:rPr>
+              <a:t>Writing a module to interact with my API at </a:t>
+            </a:r>
+            <a:r>
+              <a:rPr b="0" lang="en-IE" sz="2000" spc="-1" strike="noStrike">
+                <a:latin typeface="Arial"/>
+                <a:hlinkClick r:id="rId1"/>
+              </a:rPr>
+              <a:t>http://andrewbeatty1.pythonanywhere.com/books</a:t>
+            </a:r>
+            <a:r>
+              <a:rPr b="0" lang="en-IE" sz="2000" spc="-1" strike="noStrike">
+                <a:latin typeface="Arial"/>
+              </a:rPr>
+              <a:t>,</a:t>
+            </a:r>
+            <a:endParaRPr b="0" lang="en-IE" sz="2000" spc="-1" strike="noStrike">
+              <a:latin typeface="Arial"/>
+            </a:endParaRPr>
+          </a:p>
+          <a:p>
+            <a:endParaRPr b="0" lang="en-IE" sz="2000" spc="-1" strike="noStrike">
+              <a:latin typeface="Arial"/>
+            </a:endParaRPr>
+          </a:p>
+          <a:p>
+            <a:r>
+              <a:rPr b="0" lang="en-IE" sz="2000" spc="-1" strike="noStrike">
+                <a:latin typeface="Arial"/>
+              </a:rPr>
+              <a:t>        </a:t>
+            </a:r>
+            <a:r>
+              <a:rPr b="0" lang="en-IE" sz="2000" spc="-1" strike="noStrike">
+                <a:latin typeface="Arial"/>
+              </a:rPr>
+              <a:t>Writing a module to extract data from a government dataset (valuation office) </a:t>
+            </a:r>
+            <a:endParaRPr b="0" lang="en-IE" sz="2000" spc="-1" strike="noStrike">
+              <a:latin typeface="Arial"/>
+            </a:endParaRPr>
+          </a:p>
+          <a:p>
+            <a:endParaRPr b="0" lang="en-IE" sz="2000" spc="-1" strike="noStrike">
+              <a:latin typeface="Arial"/>
+            </a:endParaRPr>
+          </a:p>
+          <a:p>
+            <a:r>
+              <a:rPr b="0" lang="en-IE" sz="2000" spc="-1" strike="noStrike">
+                <a:latin typeface="Arial"/>
+              </a:rPr>
+              <a:t>        </a:t>
+            </a:r>
+            <a:r>
+              <a:rPr b="0" lang="en-IE" sz="2000" spc="-1" strike="noStrike">
+                <a:latin typeface="Arial"/>
+              </a:rPr>
+              <a:t>A theory video of how the CSO format its data,</a:t>
+            </a:r>
+            <a:endParaRPr b="0" lang="en-IE" sz="2000" spc="-1" strike="noStrike">
+              <a:latin typeface="Arial"/>
+            </a:endParaRPr>
+          </a:p>
+          <a:p>
+            <a:endParaRPr b="0" lang="en-IE" sz="2000" spc="-1" strike="noStrike">
+              <a:latin typeface="Arial"/>
+            </a:endParaRPr>
+          </a:p>
+          <a:p>
+            <a:r>
+              <a:rPr b="0" lang="en-IE" sz="2000" spc="-1" strike="noStrike">
+                <a:latin typeface="Arial"/>
+              </a:rPr>
+              <a:t>        </a:t>
+            </a:r>
+            <a:r>
+              <a:rPr b="0" lang="en-IE" sz="2000" spc="-1" strike="noStrike">
+                <a:latin typeface="Arial"/>
+              </a:rPr>
+              <a:t>A Walkthrough video of me writing code to reformat the CSO data.</a:t>
+            </a:r>
+            <a:endParaRPr b="0" lang="en-IE" sz="2000" spc="-1" strike="noStrike">
               <a:latin typeface="Arial"/>
             </a:endParaRPr>
           </a:p>
@@ -766,7 +1020,7 @@
       </p:grpSpPr>
       <p:sp>
         <p:nvSpPr>
-          <p:cNvPr id="151" name="PlaceHolder 1"/>
+          <p:cNvPr id="153" name="PlaceHolder 1"/>
           <p:cNvSpPr>
             <a:spLocks noGrp="1"/>
           </p:cNvSpPr>
@@ -777,7 +1031,7 @@
         <p:spPr>
           <a:xfrm>
             <a:off x="216000" y="812520"/>
-            <a:ext cx="7127280" cy="4008960"/>
+            <a:ext cx="7126920" cy="4008600"/>
           </a:xfrm>
           <a:prstGeom prst="rect">
             <a:avLst/>
@@ -789,7 +1043,7 @@
       </p:sp>
       <p:sp>
         <p:nvSpPr>
-          <p:cNvPr id="152" name="PlaceHolder 2"/>
+          <p:cNvPr id="154" name="PlaceHolder 2"/>
           <p:cNvSpPr>
             <a:spLocks noGrp="1"/>
           </p:cNvSpPr>
@@ -800,7 +1054,7 @@
         <p:spPr>
           <a:xfrm>
             <a:off x="755640" y="5078520"/>
-            <a:ext cx="6047280" cy="4810680"/>
+            <a:ext cx="6046920" cy="4810320"/>
           </a:xfrm>
           <a:prstGeom prst="rect">
             <a:avLst/>
@@ -815,6 +1069,12 @@
             <a:noAutofit/>
           </a:bodyPr>
           <a:p>
+            <a:pPr marL="216000" indent="-216000">
+              <a:lnSpc>
+                <a:spcPct val="100000"/>
+              </a:lnSpc>
+              <a:buNone/>
+            </a:pPr>
             <a:r>
               <a:rPr b="0" lang="en-IE" sz="2000" spc="-1" strike="noStrike">
                 <a:latin typeface="Arial"/>
@@ -851,7 +1111,7 @@
       </p:grpSpPr>
       <p:sp>
         <p:nvSpPr>
-          <p:cNvPr id="153" name="PlaceHolder 1"/>
+          <p:cNvPr id="155" name="PlaceHolder 1"/>
           <p:cNvSpPr>
             <a:spLocks noGrp="1"/>
           </p:cNvSpPr>
@@ -862,7 +1122,7 @@
         <p:spPr>
           <a:xfrm>
             <a:off x="216000" y="812520"/>
-            <a:ext cx="7127280" cy="4008960"/>
+            <a:ext cx="7126920" cy="4008600"/>
           </a:xfrm>
           <a:prstGeom prst="rect">
             <a:avLst/>
@@ -874,7 +1134,7 @@
       </p:sp>
       <p:sp>
         <p:nvSpPr>
-          <p:cNvPr id="154" name="PlaceHolder 2"/>
+          <p:cNvPr id="156" name="PlaceHolder 2"/>
           <p:cNvSpPr>
             <a:spLocks noGrp="1"/>
           </p:cNvSpPr>
@@ -885,7 +1145,7 @@
         <p:spPr>
           <a:xfrm>
             <a:off x="755640" y="5078520"/>
-            <a:ext cx="6047280" cy="4810680"/>
+            <a:ext cx="6046920" cy="4810320"/>
           </a:xfrm>
           <a:prstGeom prst="rect">
             <a:avLst/>
@@ -900,6 +1160,12 @@
             <a:noAutofit/>
           </a:bodyPr>
           <a:p>
+            <a:pPr marL="216000" indent="-216000">
+              <a:lnSpc>
+                <a:spcPct val="100000"/>
+              </a:lnSpc>
+              <a:buNone/>
+            </a:pPr>
             <a:r>
               <a:rPr b="0" lang="en-IE" sz="2000" spc="-1" strike="noStrike">
                 <a:latin typeface="Arial"/>
@@ -968,7 +1234,7 @@
         <p:txBody>
           <a:bodyPr/>
           <a:p>
-            <a:fld id="{3A9C1AB9-68FE-46CC-9185-1D6E512019A5}" type="slidenum">
+            <a:fld id="{58C40ACD-2137-48CD-9351-006F8ACDDC8A}" type="slidenum">
               <a:t>&lt;#&gt;</a:t>
             </a:fld>
           </a:p>
@@ -1156,7 +1422,7 @@
         <p:txBody>
           <a:bodyPr/>
           <a:p>
-            <a:fld id="{A5D278DC-B9C4-4DA3-B4A4-85D0239DC89C}" type="slidenum">
+            <a:fld id="{2C00BCFE-8AD2-4FC6-8DFC-8D001722A0CA}" type="slidenum">
               <a:t>&lt;#&gt;</a:t>
             </a:fld>
           </a:p>
@@ -1412,7 +1678,7 @@
         <p:txBody>
           <a:bodyPr/>
           <a:p>
-            <a:fld id="{678DC51F-9E6F-4464-BC30-0021926E7588}" type="slidenum">
+            <a:fld id="{439FC894-7A44-4F7A-B11B-88336670871F}" type="slidenum">
               <a:t>&lt;#&gt;</a:t>
             </a:fld>
           </a:p>
@@ -1736,7 +2002,7 @@
         <p:txBody>
           <a:bodyPr/>
           <a:p>
-            <a:fld id="{B696B90F-877E-4A47-8AFA-8233CF09F223}" type="slidenum">
+            <a:fld id="{92570890-0B2E-40D4-AD0F-77F878EE3E68}" type="slidenum">
               <a:t>&lt;#&gt;</a:t>
             </a:fld>
           </a:p>
@@ -1819,7 +2085,7 @@
         <p:txBody>
           <a:bodyPr/>
           <a:p>
-            <a:fld id="{E9E7D7AD-8F7F-4DDA-A6D2-550C811DA5A0}" type="slidenum">
+            <a:fld id="{32365AE2-3160-4F21-9A32-9687E1C3F10F}" type="slidenum">
               <a:t>&lt;#&gt;</a:t>
             </a:fld>
           </a:p>
@@ -1976,7 +2242,7 @@
         <p:txBody>
           <a:bodyPr/>
           <a:p>
-            <a:fld id="{0021662B-B18B-475F-86C9-34B8798509B9}" type="slidenum">
+            <a:fld id="{683EFDFE-7F82-462F-8338-343F3FA21E00}" type="slidenum">
               <a:t>&lt;#&gt;</a:t>
             </a:fld>
           </a:p>
@@ -2130,7 +2396,7 @@
         <p:txBody>
           <a:bodyPr/>
           <a:p>
-            <a:fld id="{13BEEF37-FE37-4E17-AE1B-4FEBB82CA289}" type="slidenum">
+            <a:fld id="{F0BE6229-F5FB-49D7-BD68-CAC116569A10}" type="slidenum">
               <a:t>&lt;#&gt;</a:t>
             </a:fld>
           </a:p>
@@ -2318,7 +2584,7 @@
         <p:txBody>
           <a:bodyPr/>
           <a:p>
-            <a:fld id="{B850CF94-CF99-46AB-9133-3E5149BFBF31}" type="slidenum">
+            <a:fld id="{1F05A063-F5C3-43A3-B47D-A3421ED6F155}" type="slidenum">
               <a:t>&lt;#&gt;</a:t>
             </a:fld>
           </a:p>
@@ -2438,7 +2704,7 @@
         <p:txBody>
           <a:bodyPr/>
           <a:p>
-            <a:fld id="{44547132-6528-44BA-922A-598ECDE81B2F}" type="slidenum">
+            <a:fld id="{A123344A-9DBC-47E4-A4E4-93501CE26253}" type="slidenum">
               <a:t>&lt;#&gt;</a:t>
             </a:fld>
           </a:p>
@@ -2558,7 +2824,7 @@
         <p:txBody>
           <a:bodyPr/>
           <a:p>
-            <a:fld id="{320037C0-C009-4845-A841-674CE9EFD6B9}" type="slidenum">
+            <a:fld id="{4E0D3EF3-4F43-4752-B181-2C8AD643E052}" type="slidenum">
               <a:t>&lt;#&gt;</a:t>
             </a:fld>
           </a:p>
@@ -2780,7 +3046,7 @@
         <p:txBody>
           <a:bodyPr/>
           <a:p>
-            <a:fld id="{B512B6E4-A0A6-4124-BFA0-841CA20FEC4C}" type="slidenum">
+            <a:fld id="{133973B5-1F3B-448C-9A8F-B9D1E9DD41B0}" type="slidenum">
               <a:t>&lt;#&gt;</a:t>
             </a:fld>
           </a:p>
@@ -2937,7 +3203,7 @@
         <p:txBody>
           <a:bodyPr/>
           <a:p>
-            <a:fld id="{AF51D764-0BF9-46EB-A4E6-66F04DA4F1EB}" type="slidenum">
+            <a:fld id="{0B5390FD-D969-4102-8E64-E28AC65E1EE0}" type="slidenum">
               <a:t>&lt;#&gt;</a:t>
             </a:fld>
           </a:p>
@@ -3159,7 +3425,7 @@
         <p:txBody>
           <a:bodyPr/>
           <a:p>
-            <a:fld id="{C8539252-2C35-4F6F-8B82-7DFCC5C9C0E2}" type="slidenum">
+            <a:fld id="{1ABEADC3-AA11-4E94-A1C6-27B4B51B5807}" type="slidenum">
               <a:t>&lt;#&gt;</a:t>
             </a:fld>
           </a:p>
@@ -3381,7 +3647,7 @@
         <p:txBody>
           <a:bodyPr/>
           <a:p>
-            <a:fld id="{2611CF3D-5A9E-4D29-BDED-DF06E76AAF18}" type="slidenum">
+            <a:fld id="{7EC9B964-5EA0-4EAE-BA41-1845362F4D81}" type="slidenum">
               <a:t>&lt;#&gt;</a:t>
             </a:fld>
           </a:p>
@@ -3569,7 +3835,7 @@
         <p:txBody>
           <a:bodyPr/>
           <a:p>
-            <a:fld id="{B535F822-7C8E-435A-8A55-D81555E21239}" type="slidenum">
+            <a:fld id="{4CC1E59B-C616-4CEB-89D0-C0A90B520E5C}" type="slidenum">
               <a:t>&lt;#&gt;</a:t>
             </a:fld>
           </a:p>
@@ -3825,7 +4091,7 @@
         <p:txBody>
           <a:bodyPr/>
           <a:p>
-            <a:fld id="{ECE9EC87-0123-4D81-84F8-E47C02604A1A}" type="slidenum">
+            <a:fld id="{E2B22E95-CA9A-48A3-982A-8F8553DD2D0B}" type="slidenum">
               <a:t>&lt;#&gt;</a:t>
             </a:fld>
           </a:p>
@@ -4149,7 +4415,7 @@
         <p:txBody>
           <a:bodyPr/>
           <a:p>
-            <a:fld id="{6FC07237-4382-4186-BE42-03679F8D88AB}" type="slidenum">
+            <a:fld id="{D714EE13-43CA-40DC-8DED-2084BE7C7A11}" type="slidenum">
               <a:t>&lt;#&gt;</a:t>
             </a:fld>
           </a:p>
@@ -4303,7 +4569,7 @@
         <p:txBody>
           <a:bodyPr/>
           <a:p>
-            <a:fld id="{077A77C4-95DC-4D4A-A93D-0C24C397A4DC}" type="slidenum">
+            <a:fld id="{86511D5F-F34A-4BEE-A554-EA1E3E64026E}" type="slidenum">
               <a:t>&lt;#&gt;</a:t>
             </a:fld>
           </a:p>
@@ -4491,7 +4757,7 @@
         <p:txBody>
           <a:bodyPr/>
           <a:p>
-            <a:fld id="{6F0AB47A-12F4-4BEE-8FC0-3091D132287F}" type="slidenum">
+            <a:fld id="{96B2AD19-C230-4E14-9D07-7B5A21CDAE7F}" type="slidenum">
               <a:t>&lt;#&gt;</a:t>
             </a:fld>
           </a:p>
@@ -4611,7 +4877,7 @@
         <p:txBody>
           <a:bodyPr/>
           <a:p>
-            <a:fld id="{3164F500-F1E3-4FBA-B48D-2EB2395031DB}" type="slidenum">
+            <a:fld id="{314A1874-71C5-481C-99D7-118281DD0DF2}" type="slidenum">
               <a:t>&lt;#&gt;</a:t>
             </a:fld>
           </a:p>
@@ -4731,7 +4997,7 @@
         <p:txBody>
           <a:bodyPr/>
           <a:p>
-            <a:fld id="{F97E19F6-10ED-4045-99FC-6D57BFE1F470}" type="slidenum">
+            <a:fld id="{45C2DC43-5FD7-44B1-900C-1832D0E7B033}" type="slidenum">
               <a:t>&lt;#&gt;</a:t>
             </a:fld>
           </a:p>
@@ -4953,7 +5219,7 @@
         <p:txBody>
           <a:bodyPr/>
           <a:p>
-            <a:fld id="{56A0445C-D759-44AB-B19E-71E7E3EE76A9}" type="slidenum">
+            <a:fld id="{2979C008-3412-4195-AD11-21A0F6F7F16B}" type="slidenum">
               <a:t>&lt;#&gt;</a:t>
             </a:fld>
           </a:p>
@@ -5175,7 +5441,7 @@
         <p:txBody>
           <a:bodyPr/>
           <a:p>
-            <a:fld id="{58C91A6F-31F7-445B-B238-0C003A870C57}" type="slidenum">
+            <a:fld id="{03AA23D7-8026-4C98-8E4A-90682B2F5690}" type="slidenum">
               <a:t>&lt;#&gt;</a:t>
             </a:fld>
           </a:p>
@@ -5397,7 +5663,7 @@
         <p:txBody>
           <a:bodyPr/>
           <a:p>
-            <a:fld id="{F8B38F82-88A9-49AD-B299-D1CB7C575EE9}" type="slidenum">
+            <a:fld id="{5C705975-BC2C-4128-A6B3-8CD828601B49}" type="slidenum">
               <a:t>&lt;#&gt;</a:t>
             </a:fld>
           </a:p>
@@ -5462,9 +5728,9 @@
         <p:grpSpPr>
           <a:xfrm>
             <a:off x="11401560" y="6229800"/>
-            <a:ext cx="456480" cy="456480"/>
+            <a:ext cx="456120" cy="456120"/>
             <a:chOff x="11401560" y="6229800"/>
-            <a:chExt cx="456480" cy="456480"/>
+            <a:chExt cx="456120" cy="456120"/>
           </a:xfrm>
         </p:grpSpPr>
         <p:sp>
@@ -5476,7 +5742,7 @@
           <p:spPr>
             <a:xfrm>
               <a:off x="11401560" y="6229800"/>
-              <a:ext cx="456480" cy="456480"/>
+              <a:ext cx="456120" cy="456120"/>
             </a:xfrm>
             <a:prstGeom prst="ellipse">
               <a:avLst/>
@@ -5506,7 +5772,7 @@
           <p:spPr>
             <a:xfrm>
               <a:off x="11431080" y="6258960"/>
-              <a:ext cx="398160" cy="398160"/>
+              <a:ext cx="397800" cy="397800"/>
             </a:xfrm>
             <a:prstGeom prst="ellipse">
               <a:avLst/>
@@ -5536,7 +5802,7 @@
         <p:spPr>
           <a:xfrm>
             <a:off x="920880" y="1347120"/>
-            <a:ext cx="10222200" cy="79920"/>
+            <a:ext cx="10221840" cy="79560"/>
           </a:xfrm>
           <a:prstGeom prst="rect">
             <a:avLst/>
@@ -5576,7 +5842,7 @@
         <p:spPr>
           <a:xfrm>
             <a:off x="920880" y="4299840"/>
-            <a:ext cx="10222200" cy="79920"/>
+            <a:ext cx="10221840" cy="79560"/>
           </a:xfrm>
           <a:prstGeom prst="rect">
             <a:avLst/>
@@ -5616,7 +5882,7 @@
         <p:spPr>
           <a:xfrm>
             <a:off x="920880" y="1484640"/>
-            <a:ext cx="10222200" cy="2742480"/>
+            <a:ext cx="10221840" cy="2742120"/>
           </a:xfrm>
           <a:prstGeom prst="rect">
             <a:avLst/>
@@ -5656,9 +5922,9 @@
         <p:grpSpPr>
           <a:xfrm>
             <a:off x="9649080" y="4069080"/>
-            <a:ext cx="1080360" cy="1080360"/>
+            <a:ext cx="1080000" cy="1080000"/>
             <a:chOff x="9649080" y="4069080"/>
-            <a:chExt cx="1080360" cy="1080360"/>
+            <a:chExt cx="1080000" cy="1080000"/>
           </a:xfrm>
         </p:grpSpPr>
         <p:sp>
@@ -5670,7 +5936,7 @@
           <p:spPr>
             <a:xfrm>
               <a:off x="9649080" y="4069080"/>
-              <a:ext cx="1080360" cy="1080360"/>
+              <a:ext cx="1080000" cy="1080000"/>
             </a:xfrm>
             <a:prstGeom prst="ellipse">
               <a:avLst/>
@@ -5700,7 +5966,7 @@
           <p:spPr>
             <a:xfrm>
               <a:off x="9757440" y="4177080"/>
-              <a:ext cx="864000" cy="864000"/>
+              <a:ext cx="863640" cy="863640"/>
             </a:xfrm>
             <a:prstGeom prst="ellipse">
               <a:avLst/>
@@ -5733,8 +5999,8 @@
         </p:nvSpPr>
         <p:spPr>
           <a:xfrm>
-            <a:off x="1069920" y="484560"/>
-            <a:ext cx="10057680" cy="1608480"/>
+            <a:off x="609480" y="273600"/>
+            <a:ext cx="10972080" cy="1144440"/>
           </a:xfrm>
           <a:prstGeom prst="rect">
             <a:avLst/>
@@ -5768,13 +6034,196 @@
             <a:spLocks noGrp="1"/>
           </p:cNvSpPr>
           <p:nvPr>
+            <p:ph type="body"/>
+          </p:nvPr>
+        </p:nvSpPr>
+        <p:spPr>
+          <a:xfrm>
+            <a:off x="609480" y="1604520"/>
+            <a:ext cx="10972080" cy="3976920"/>
+          </a:xfrm>
+          <a:prstGeom prst="rect">
+            <a:avLst/>
+          </a:prstGeom>
+          <a:noFill/>
+          <a:ln w="0">
+            <a:noFill/>
+          </a:ln>
+        </p:spPr>
+        <p:txBody>
+          <a:bodyPr lIns="0" rIns="0" tIns="0" bIns="0" anchor="t">
+            <a:normAutofit/>
+          </a:bodyPr>
+          <a:p>
+            <a:pPr marL="432000" indent="-324000">
+              <a:spcBef>
+                <a:spcPts val="1417"/>
+              </a:spcBef>
+              <a:buClr>
+                <a:srgbClr val="000000"/>
+              </a:buClr>
+              <a:buSzPct val="45000"/>
+              <a:buFont typeface="Wingdings" charset="2"/>
+              <a:buChar char=""/>
+            </a:pPr>
+            <a:r>
+              <a:rPr b="0" lang="en-IE" sz="1800" spc="-1" strike="noStrike">
+                <a:latin typeface="Arial"/>
+              </a:rPr>
+              <a:t>Click to edit the outline text format</a:t>
+            </a:r>
+            <a:endParaRPr b="0" lang="en-IE" sz="1800" spc="-1" strike="noStrike">
+              <a:latin typeface="Arial"/>
+            </a:endParaRPr>
+          </a:p>
+          <a:p>
+            <a:pPr lvl="1" marL="864000" indent="-324000">
+              <a:spcBef>
+                <a:spcPts val="1134"/>
+              </a:spcBef>
+              <a:buClr>
+                <a:srgbClr val="000000"/>
+              </a:buClr>
+              <a:buSzPct val="75000"/>
+              <a:buFont typeface="Symbol" charset="2"/>
+              <a:buChar char=""/>
+            </a:pPr>
+            <a:r>
+              <a:rPr b="0" lang="en-IE" sz="1800" spc="-1" strike="noStrike">
+                <a:latin typeface="Arial"/>
+              </a:rPr>
+              <a:t>Second Outline Level</a:t>
+            </a:r>
+            <a:endParaRPr b="0" lang="en-IE" sz="1800" spc="-1" strike="noStrike">
+              <a:latin typeface="Arial"/>
+            </a:endParaRPr>
+          </a:p>
+          <a:p>
+            <a:pPr lvl="2" marL="1296000" indent="-288000">
+              <a:spcBef>
+                <a:spcPts val="850"/>
+              </a:spcBef>
+              <a:buClr>
+                <a:srgbClr val="000000"/>
+              </a:buClr>
+              <a:buSzPct val="45000"/>
+              <a:buFont typeface="Wingdings" charset="2"/>
+              <a:buChar char=""/>
+            </a:pPr>
+            <a:r>
+              <a:rPr b="0" lang="en-IE" sz="1800" spc="-1" strike="noStrike">
+                <a:latin typeface="Arial"/>
+              </a:rPr>
+              <a:t>Third Outline Level</a:t>
+            </a:r>
+            <a:endParaRPr b="0" lang="en-IE" sz="1800" spc="-1" strike="noStrike">
+              <a:latin typeface="Arial"/>
+            </a:endParaRPr>
+          </a:p>
+          <a:p>
+            <a:pPr lvl="3" marL="1728000" indent="-216000">
+              <a:spcBef>
+                <a:spcPts val="567"/>
+              </a:spcBef>
+              <a:buClr>
+                <a:srgbClr val="000000"/>
+              </a:buClr>
+              <a:buSzPct val="75000"/>
+              <a:buFont typeface="Symbol" charset="2"/>
+              <a:buChar char=""/>
+            </a:pPr>
+            <a:r>
+              <a:rPr b="0" lang="en-IE" sz="1800" spc="-1" strike="noStrike">
+                <a:latin typeface="Arial"/>
+              </a:rPr>
+              <a:t>Fourth Outline Level</a:t>
+            </a:r>
+            <a:endParaRPr b="0" lang="en-IE" sz="1800" spc="-1" strike="noStrike">
+              <a:latin typeface="Arial"/>
+            </a:endParaRPr>
+          </a:p>
+          <a:p>
+            <a:pPr lvl="4" marL="2160000" indent="-216000">
+              <a:spcBef>
+                <a:spcPts val="283"/>
+              </a:spcBef>
+              <a:buClr>
+                <a:srgbClr val="000000"/>
+              </a:buClr>
+              <a:buSzPct val="45000"/>
+              <a:buFont typeface="Wingdings" charset="2"/>
+              <a:buChar char=""/>
+            </a:pPr>
+            <a:r>
+              <a:rPr b="0" lang="en-IE" sz="1800" spc="-1" strike="noStrike">
+                <a:latin typeface="Arial"/>
+              </a:rPr>
+              <a:t>Fifth Outline Level</a:t>
+            </a:r>
+            <a:endParaRPr b="0" lang="en-IE" sz="1800" spc="-1" strike="noStrike">
+              <a:latin typeface="Arial"/>
+            </a:endParaRPr>
+          </a:p>
+          <a:p>
+            <a:pPr lvl="5" marL="2592000" indent="-216000">
+              <a:spcBef>
+                <a:spcPts val="283"/>
+              </a:spcBef>
+              <a:buClr>
+                <a:srgbClr val="000000"/>
+              </a:buClr>
+              <a:buSzPct val="45000"/>
+              <a:buFont typeface="Wingdings" charset="2"/>
+              <a:buChar char=""/>
+            </a:pPr>
+            <a:r>
+              <a:rPr b="0" lang="en-IE" sz="1800" spc="-1" strike="noStrike">
+                <a:latin typeface="Arial"/>
+              </a:rPr>
+              <a:t>Sixth Outline Level</a:t>
+            </a:r>
+            <a:endParaRPr b="0" lang="en-IE" sz="1800" spc="-1" strike="noStrike">
+              <a:latin typeface="Arial"/>
+            </a:endParaRPr>
+          </a:p>
+          <a:p>
+            <a:pPr lvl="6" marL="3024000" indent="-216000">
+              <a:spcBef>
+                <a:spcPts val="283"/>
+              </a:spcBef>
+              <a:buClr>
+                <a:srgbClr val="000000"/>
+              </a:buClr>
+              <a:buSzPct val="45000"/>
+              <a:buFont typeface="Wingdings" charset="2"/>
+              <a:buChar char=""/>
+            </a:pPr>
+            <a:r>
+              <a:rPr b="0" lang="en-IE" sz="1800" spc="-1" strike="noStrike">
+                <a:latin typeface="Arial"/>
+              </a:rPr>
+              <a:t>Seventh Outline Level</a:t>
+            </a:r>
+            <a:endParaRPr b="0" lang="en-IE" sz="1800" spc="-1" strike="noStrike">
+              <a:latin typeface="Arial"/>
+            </a:endParaRPr>
+          </a:p>
+        </p:txBody>
+      </p:sp>
+      <p:sp>
+        <p:nvSpPr>
+          <p:cNvPr id="11" name="PlaceHolder 3"/>
+          <p:cNvSpPr>
+            <a:spLocks noGrp="1"/>
+          </p:cNvSpPr>
+          <p:nvPr>
             <p:ph type="ftr" idx="1"/>
           </p:nvPr>
         </p:nvSpPr>
         <p:spPr>
           <a:xfrm>
             <a:off x="1088280" y="6272640"/>
-            <a:ext cx="6327000" cy="364320"/>
+            <a:ext cx="6326640" cy="363960"/>
           </a:xfrm>
           <a:prstGeom prst="rect">
             <a:avLst/>
@@ -5820,7 +6269,7 @@
       </p:sp>
       <p:sp>
         <p:nvSpPr>
-          <p:cNvPr id="11" name="PlaceHolder 3"/>
+          <p:cNvPr id="12" name="PlaceHolder 4"/>
           <p:cNvSpPr>
             <a:spLocks noGrp="1"/>
           </p:cNvSpPr>
@@ -5831,7 +6280,7 @@
         <p:spPr>
           <a:xfrm>
             <a:off x="9592560" y="4289400"/>
-            <a:ext cx="1193040" cy="639360"/>
+            <a:ext cx="1192680" cy="639000"/>
           </a:xfrm>
           <a:prstGeom prst="rect">
             <a:avLst/>
@@ -5866,7 +6315,7 @@
               </a:lnSpc>
               <a:buNone/>
             </a:pPr>
-            <a:fld id="{D7DA63FA-A430-4EE9-A6EC-13AE0B2AA192}" type="slidenum">
+            <a:fld id="{A6E22149-EF31-4BCE-A618-61E6B8E94A0F}" type="slidenum">
               <a:rPr b="1" lang="en-US" sz="2800" spc="-1" strike="noStrike">
                 <a:solidFill>
                   <a:srgbClr val="ffffff"/>
@@ -5883,7 +6332,7 @@
       </p:sp>
       <p:sp>
         <p:nvSpPr>
-          <p:cNvPr id="12" name="PlaceHolder 4"/>
+          <p:cNvPr id="13" name="PlaceHolder 5"/>
           <p:cNvSpPr>
             <a:spLocks noGrp="1"/>
           </p:cNvSpPr>
@@ -5894,7 +6343,7 @@
         <p:spPr>
           <a:xfrm>
             <a:off x="7964280" y="6272640"/>
-            <a:ext cx="3272760" cy="364320"/>
+            <a:ext cx="3272400" cy="363960"/>
           </a:xfrm>
           <a:prstGeom prst="rect">
             <a:avLst/>
@@ -5924,189 +6373,6 @@
             </a:r>
             <a:endParaRPr b="0" lang="en-IE" sz="1400" spc="-1" strike="noStrike">
               <a:latin typeface="Times New Roman"/>
-            </a:endParaRPr>
-          </a:p>
-        </p:txBody>
-      </p:sp>
-      <p:sp>
-        <p:nvSpPr>
-          <p:cNvPr id="13" name="PlaceHolder 5"/>
-          <p:cNvSpPr>
-            <a:spLocks noGrp="1"/>
-          </p:cNvSpPr>
-          <p:nvPr>
-            <p:ph type="body"/>
-          </p:nvPr>
-        </p:nvSpPr>
-        <p:spPr>
-          <a:xfrm>
-            <a:off x="609480" y="1604520"/>
-            <a:ext cx="10972440" cy="3977280"/>
-          </a:xfrm>
-          <a:prstGeom prst="rect">
-            <a:avLst/>
-          </a:prstGeom>
-          <a:noFill/>
-          <a:ln w="0">
-            <a:noFill/>
-          </a:ln>
-        </p:spPr>
-        <p:txBody>
-          <a:bodyPr lIns="0" rIns="0" tIns="0" bIns="0" anchor="t">
-            <a:normAutofit/>
-          </a:bodyPr>
-          <a:p>
-            <a:pPr marL="432000" indent="-324000">
-              <a:spcBef>
-                <a:spcPts val="1417"/>
-              </a:spcBef>
-              <a:buClr>
-                <a:srgbClr val="000000"/>
-              </a:buClr>
-              <a:buSzPct val="45000"/>
-              <a:buFont typeface="Wingdings" charset="2"/>
-              <a:buChar char=""/>
-            </a:pPr>
-            <a:r>
-              <a:rPr b="0" lang="en-IE" sz="3200" spc="-1" strike="noStrike">
-                <a:latin typeface="Arial"/>
-              </a:rPr>
-              <a:t>Click to edit the outline text format</a:t>
-            </a:r>
-            <a:endParaRPr b="0" lang="en-IE" sz="3200" spc="-1" strike="noStrike">
-              <a:latin typeface="Arial"/>
-            </a:endParaRPr>
-          </a:p>
-          <a:p>
-            <a:pPr lvl="1" marL="864000" indent="-324000">
-              <a:spcBef>
-                <a:spcPts val="1134"/>
-              </a:spcBef>
-              <a:buClr>
-                <a:srgbClr val="000000"/>
-              </a:buClr>
-              <a:buSzPct val="75000"/>
-              <a:buFont typeface="Symbol" charset="2"/>
-              <a:buChar char=""/>
-            </a:pPr>
-            <a:r>
-              <a:rPr b="0" lang="en-IE" sz="2800" spc="-1" strike="noStrike">
-                <a:latin typeface="Arial"/>
-              </a:rPr>
-              <a:t>Second Outline Level</a:t>
-            </a:r>
-            <a:endParaRPr b="0" lang="en-IE" sz="2800" spc="-1" strike="noStrike">
-              <a:latin typeface="Arial"/>
-            </a:endParaRPr>
-          </a:p>
-          <a:p>
-            <a:pPr lvl="2" marL="1296000" indent="-288000">
-              <a:spcBef>
-                <a:spcPts val="850"/>
-              </a:spcBef>
-              <a:buClr>
-                <a:srgbClr val="000000"/>
-              </a:buClr>
-              <a:buSzPct val="45000"/>
-              <a:buFont typeface="Wingdings" charset="2"/>
-              <a:buChar char=""/>
-            </a:pPr>
-            <a:r>
-              <a:rPr b="0" lang="en-IE" sz="2400" spc="-1" strike="noStrike">
-                <a:latin typeface="Arial"/>
-              </a:rPr>
-              <a:t>Third Outline Level</a:t>
-            </a:r>
-            <a:endParaRPr b="0" lang="en-IE" sz="2400" spc="-1" strike="noStrike">
-              <a:latin typeface="Arial"/>
-            </a:endParaRPr>
-          </a:p>
-          <a:p>
-            <a:pPr lvl="3" marL="1728000" indent="-216000">
-              <a:spcBef>
-                <a:spcPts val="567"/>
-              </a:spcBef>
-              <a:buClr>
-                <a:srgbClr val="000000"/>
-              </a:buClr>
-              <a:buSzPct val="75000"/>
-              <a:buFont typeface="Symbol" charset="2"/>
-              <a:buChar char=""/>
-            </a:pPr>
-            <a:r>
-              <a:rPr b="0" lang="en-IE" sz="2000" spc="-1" strike="noStrike">
-                <a:latin typeface="Arial"/>
-              </a:rPr>
-              <a:t>Fourth Outline Level</a:t>
-            </a:r>
-            <a:endParaRPr b="0" lang="en-IE" sz="2000" spc="-1" strike="noStrike">
-              <a:latin typeface="Arial"/>
-            </a:endParaRPr>
-          </a:p>
-          <a:p>
-            <a:pPr lvl="4" marL="2160000" indent="-216000">
-              <a:spcBef>
-                <a:spcPts val="283"/>
-              </a:spcBef>
-              <a:buClr>
-                <a:srgbClr val="000000"/>
-              </a:buClr>
-              <a:buSzPct val="45000"/>
-              <a:buFont typeface="Wingdings" charset="2"/>
-              <a:buChar char=""/>
-            </a:pPr>
-            <a:r>
-              <a:rPr b="0" lang="en-IE" sz="2000" spc="-1" strike="noStrike">
-                <a:latin typeface="Arial"/>
-              </a:rPr>
-              <a:t>Fifth Outline Level</a:t>
-            </a:r>
-            <a:endParaRPr b="0" lang="en-IE" sz="2000" spc="-1" strike="noStrike">
-              <a:latin typeface="Arial"/>
-            </a:endParaRPr>
-          </a:p>
-          <a:p>
-            <a:pPr lvl="5" marL="2592000" indent="-216000">
-              <a:spcBef>
-                <a:spcPts val="283"/>
-              </a:spcBef>
-              <a:buClr>
-                <a:srgbClr val="000000"/>
-              </a:buClr>
-              <a:buSzPct val="45000"/>
-              <a:buFont typeface="Wingdings" charset="2"/>
-              <a:buChar char=""/>
-            </a:pPr>
-            <a:r>
-              <a:rPr b="0" lang="en-IE" sz="2000" spc="-1" strike="noStrike">
-                <a:latin typeface="Arial"/>
-              </a:rPr>
-              <a:t>Sixth Outline Level</a:t>
-            </a:r>
-            <a:endParaRPr b="0" lang="en-IE" sz="2000" spc="-1" strike="noStrike">
-              <a:latin typeface="Arial"/>
-            </a:endParaRPr>
-          </a:p>
-          <a:p>
-            <a:pPr lvl="6" marL="3024000" indent="-216000">
-              <a:spcBef>
-                <a:spcPts val="283"/>
-              </a:spcBef>
-              <a:buClr>
-                <a:srgbClr val="000000"/>
-              </a:buClr>
-              <a:buSzPct val="45000"/>
-              <a:buFont typeface="Wingdings" charset="2"/>
-              <a:buChar char=""/>
-            </a:pPr>
-            <a:r>
-              <a:rPr b="0" lang="en-IE" sz="2000" spc="-1" strike="noStrike">
-                <a:latin typeface="Arial"/>
-              </a:rPr>
-              <a:t>Seventh Outline Level</a:t>
-            </a:r>
-            <a:endParaRPr b="0" lang="en-IE" sz="2000" spc="-1" strike="noStrike">
-              <a:latin typeface="Arial"/>
             </a:endParaRPr>
           </a:p>
         </p:txBody>
@@ -6164,9 +6430,9 @@
         <p:grpSpPr>
           <a:xfrm>
             <a:off x="11401560" y="6229800"/>
-            <a:ext cx="456480" cy="456480"/>
+            <a:ext cx="456120" cy="456120"/>
             <a:chOff x="11401560" y="6229800"/>
-            <a:chExt cx="456480" cy="456480"/>
+            <a:chExt cx="456120" cy="456120"/>
           </a:xfrm>
         </p:grpSpPr>
         <p:sp>
@@ -6178,7 +6444,7 @@
           <p:spPr>
             <a:xfrm>
               <a:off x="11401560" y="6229800"/>
-              <a:ext cx="456480" cy="456480"/>
+              <a:ext cx="456120" cy="456120"/>
             </a:xfrm>
             <a:prstGeom prst="ellipse">
               <a:avLst/>
@@ -6208,7 +6474,7 @@
           <p:spPr>
             <a:xfrm>
               <a:off x="11431080" y="6258960"/>
-              <a:ext cx="398160" cy="398160"/>
+              <a:ext cx="397800" cy="397800"/>
             </a:xfrm>
             <a:prstGeom prst="ellipse">
               <a:avLst/>
@@ -6242,7 +6508,7 @@
         <p:spPr>
           <a:xfrm>
             <a:off x="1088280" y="6272640"/>
-            <a:ext cx="6327000" cy="364320"/>
+            <a:ext cx="6326640" cy="363960"/>
           </a:xfrm>
           <a:prstGeom prst="rect">
             <a:avLst/>
@@ -6299,7 +6565,7 @@
         <p:spPr>
           <a:xfrm>
             <a:off x="11311200" y="6272640"/>
-            <a:ext cx="639360" cy="364320"/>
+            <a:ext cx="639000" cy="363960"/>
           </a:xfrm>
           <a:prstGeom prst="rect">
             <a:avLst/>
@@ -6334,7 +6600,7 @@
               </a:lnSpc>
               <a:buNone/>
             </a:pPr>
-            <a:fld id="{4AC62C92-2D47-4C13-9394-43DF27C1AE66}" type="slidenum">
+            <a:fld id="{87D38159-91AA-4638-AC88-4125708EB001}" type="slidenum">
               <a:rPr b="1" lang="en-US" sz="1400" spc="-1" strike="noStrike">
                 <a:solidFill>
                   <a:srgbClr val="ffffff"/>
@@ -6362,7 +6628,7 @@
         <p:spPr>
           <a:xfrm>
             <a:off x="7964280" y="6272640"/>
-            <a:ext cx="3272760" cy="364320"/>
+            <a:ext cx="3272400" cy="363960"/>
           </a:xfrm>
           <a:prstGeom prst="rect">
             <a:avLst/>
@@ -6672,7 +6938,7 @@
         <p:spPr>
           <a:xfrm>
             <a:off x="1051560" y="1432080"/>
-            <a:ext cx="9966240" cy="3035160"/>
+            <a:ext cx="9965880" cy="3034800"/>
           </a:xfrm>
           <a:prstGeom prst="rect">
             <a:avLst/>
@@ -6727,7 +6993,7 @@
         <p:spPr>
           <a:xfrm>
             <a:off x="1069920" y="4389120"/>
-            <a:ext cx="7890480" cy="1069200"/>
+            <a:ext cx="7890120" cy="1068840"/>
           </a:xfrm>
           <a:prstGeom prst="rect">
             <a:avLst/>
@@ -6856,7 +7122,7 @@
         <p:spPr>
           <a:xfrm>
             <a:off x="0" y="0"/>
-            <a:ext cx="12191400" cy="6857280"/>
+            <a:ext cx="12191040" cy="6856920"/>
           </a:xfrm>
           <a:prstGeom prst="rect">
             <a:avLst/>
@@ -6892,7 +7158,7 @@
         <p:spPr>
           <a:xfrm>
             <a:off x="984600" y="464040"/>
-            <a:ext cx="10222200" cy="79920"/>
+            <a:ext cx="10221840" cy="79560"/>
           </a:xfrm>
           <a:prstGeom prst="rect">
             <a:avLst/>
@@ -6932,7 +7198,7 @@
         <p:spPr>
           <a:xfrm>
             <a:off x="984600" y="601920"/>
-            <a:ext cx="10222200" cy="1385280"/>
+            <a:ext cx="10221840" cy="1384920"/>
           </a:xfrm>
           <a:prstGeom prst="rect">
             <a:avLst/>
@@ -6972,7 +7238,7 @@
         <p:spPr>
           <a:xfrm>
             <a:off x="984600" y="2038680"/>
-            <a:ext cx="10222200" cy="79920"/>
+            <a:ext cx="10221840" cy="79560"/>
           </a:xfrm>
           <a:prstGeom prst="rect">
             <a:avLst/>
@@ -7016,7 +7282,7 @@
         <p:spPr>
           <a:xfrm>
             <a:off x="1069920" y="484560"/>
-            <a:ext cx="10057680" cy="1608480"/>
+            <a:ext cx="10057320" cy="1608120"/>
           </a:xfrm>
           <a:prstGeom prst="rect">
             <a:avLst/>
@@ -7062,7 +7328,7 @@
         <p:spPr>
           <a:xfrm>
             <a:off x="1069920" y="2320560"/>
-            <a:ext cx="10057680" cy="3850920"/>
+            <a:ext cx="10057320" cy="3850560"/>
           </a:xfrm>
           <a:prstGeom prst="rect">
             <a:avLst/>
@@ -7537,7 +7803,7 @@
         <p:spPr>
           <a:xfrm>
             <a:off x="11401560" y="6229800"/>
-            <a:ext cx="456480" cy="456480"/>
+            <a:ext cx="456120" cy="456120"/>
           </a:xfrm>
           <a:prstGeom prst="ellipse">
             <a:avLst/>
@@ -7567,7 +7833,7 @@
         <p:spPr>
           <a:xfrm>
             <a:off x="11431080" y="6258960"/>
-            <a:ext cx="398160" cy="398160"/>
+            <a:ext cx="397800" cy="397800"/>
           </a:xfrm>
           <a:prstGeom prst="ellipse">
             <a:avLst/>
@@ -7633,7 +7899,7 @@
         <p:spPr>
           <a:xfrm>
             <a:off x="0" y="0"/>
-            <a:ext cx="12191400" cy="6857280"/>
+            <a:ext cx="12191040" cy="6856920"/>
           </a:xfrm>
           <a:prstGeom prst="rect">
             <a:avLst/>
@@ -7669,7 +7935,7 @@
         <p:spPr>
           <a:xfrm>
             <a:off x="984600" y="464040"/>
-            <a:ext cx="10222200" cy="79920"/>
+            <a:ext cx="10221840" cy="79560"/>
           </a:xfrm>
           <a:prstGeom prst="rect">
             <a:avLst/>
@@ -7709,7 +7975,7 @@
         <p:spPr>
           <a:xfrm>
             <a:off x="984600" y="601920"/>
-            <a:ext cx="10222200" cy="1385280"/>
+            <a:ext cx="10221840" cy="1384920"/>
           </a:xfrm>
           <a:prstGeom prst="rect">
             <a:avLst/>
@@ -7749,7 +8015,7 @@
         <p:spPr>
           <a:xfrm>
             <a:off x="984600" y="2038680"/>
-            <a:ext cx="10222200" cy="79920"/>
+            <a:ext cx="10221840" cy="79560"/>
           </a:xfrm>
           <a:prstGeom prst="rect">
             <a:avLst/>
@@ -7793,7 +8059,7 @@
         <p:spPr>
           <a:xfrm>
             <a:off x="1069920" y="484560"/>
-            <a:ext cx="10057680" cy="1608480"/>
+            <a:ext cx="10057320" cy="1608120"/>
           </a:xfrm>
           <a:prstGeom prst="rect">
             <a:avLst/>
@@ -7839,7 +8105,7 @@
         <p:spPr>
           <a:xfrm>
             <a:off x="1069920" y="2320560"/>
-            <a:ext cx="10057680" cy="1799280"/>
+            <a:ext cx="10057320" cy="1798920"/>
           </a:xfrm>
           <a:prstGeom prst="rect">
             <a:avLst/>
@@ -7992,7 +8258,7 @@
         <p:spPr>
           <a:xfrm>
             <a:off x="11401560" y="6229800"/>
-            <a:ext cx="456480" cy="456480"/>
+            <a:ext cx="456120" cy="456120"/>
           </a:xfrm>
           <a:prstGeom prst="ellipse">
             <a:avLst/>
@@ -8022,7 +8288,7 @@
         <p:spPr>
           <a:xfrm>
             <a:off x="11431080" y="6258960"/>
-            <a:ext cx="398160" cy="398160"/>
+            <a:ext cx="397800" cy="397800"/>
           </a:xfrm>
           <a:prstGeom prst="ellipse">
             <a:avLst/>
@@ -8051,7 +8317,7 @@
         <p:spPr>
           <a:xfrm>
             <a:off x="1069920" y="4373640"/>
-            <a:ext cx="9186120" cy="1461240"/>
+            <a:ext cx="9185760" cy="1461240"/>
           </a:xfrm>
           <a:prstGeom prst="rect">
             <a:avLst/>
@@ -8446,7 +8712,7 @@
         <p:spPr>
           <a:xfrm>
             <a:off x="0" y="0"/>
-            <a:ext cx="12191400" cy="6857280"/>
+            <a:ext cx="12191040" cy="6856920"/>
           </a:xfrm>
           <a:prstGeom prst="rect">
             <a:avLst/>
@@ -8482,7 +8748,7 @@
         <p:spPr>
           <a:xfrm>
             <a:off x="984600" y="464040"/>
-            <a:ext cx="10222200" cy="79920"/>
+            <a:ext cx="10221840" cy="79560"/>
           </a:xfrm>
           <a:prstGeom prst="rect">
             <a:avLst/>
@@ -8522,7 +8788,7 @@
         <p:spPr>
           <a:xfrm>
             <a:off x="984600" y="601920"/>
-            <a:ext cx="10222200" cy="1385280"/>
+            <a:ext cx="10221840" cy="1384920"/>
           </a:xfrm>
           <a:prstGeom prst="rect">
             <a:avLst/>
@@ -8562,7 +8828,7 @@
         <p:spPr>
           <a:xfrm>
             <a:off x="984600" y="2038680"/>
-            <a:ext cx="10222200" cy="79920"/>
+            <a:ext cx="10221840" cy="79560"/>
           </a:xfrm>
           <a:prstGeom prst="rect">
             <a:avLst/>
@@ -8606,7 +8872,7 @@
         <p:spPr>
           <a:xfrm>
             <a:off x="1069920" y="484560"/>
-            <a:ext cx="10057680" cy="1608480"/>
+            <a:ext cx="10057320" cy="1608120"/>
           </a:xfrm>
           <a:prstGeom prst="rect">
             <a:avLst/>
@@ -8652,7 +8918,7 @@
         <p:spPr>
           <a:xfrm>
             <a:off x="1069920" y="2320560"/>
-            <a:ext cx="10057680" cy="1799280"/>
+            <a:ext cx="10057320" cy="1798920"/>
           </a:xfrm>
           <a:prstGeom prst="rect">
             <a:avLst/>
@@ -8748,7 +9014,7 @@
         <p:spPr>
           <a:xfrm>
             <a:off x="11401560" y="6229800"/>
-            <a:ext cx="456480" cy="456480"/>
+            <a:ext cx="456120" cy="456120"/>
           </a:xfrm>
           <a:prstGeom prst="ellipse">
             <a:avLst/>
@@ -8778,7 +9044,7 @@
         <p:spPr>
           <a:xfrm>
             <a:off x="11431080" y="6258960"/>
-            <a:ext cx="398160" cy="398160"/>
+            <a:ext cx="397800" cy="397800"/>
           </a:xfrm>
           <a:prstGeom prst="ellipse">
             <a:avLst/>
@@ -8807,7 +9073,7 @@
         <p:spPr>
           <a:xfrm>
             <a:off x="984600" y="3586320"/>
-            <a:ext cx="9186120" cy="1735560"/>
+            <a:ext cx="9185760" cy="1735560"/>
           </a:xfrm>
           <a:prstGeom prst="rect">
             <a:avLst/>
@@ -9222,7 +9488,7 @@
         <p:spPr>
           <a:xfrm>
             <a:off x="0" y="0"/>
-            <a:ext cx="12191400" cy="6857280"/>
+            <a:ext cx="12191040" cy="6856920"/>
           </a:xfrm>
           <a:prstGeom prst="rect">
             <a:avLst/>
@@ -9258,7 +9524,7 @@
         <p:spPr>
           <a:xfrm>
             <a:off x="984600" y="464040"/>
-            <a:ext cx="10222200" cy="79920"/>
+            <a:ext cx="10221840" cy="79560"/>
           </a:xfrm>
           <a:prstGeom prst="rect">
             <a:avLst/>
@@ -9298,7 +9564,7 @@
         <p:spPr>
           <a:xfrm>
             <a:off x="984600" y="601920"/>
-            <a:ext cx="10222200" cy="1385280"/>
+            <a:ext cx="10221840" cy="1384920"/>
           </a:xfrm>
           <a:prstGeom prst="rect">
             <a:avLst/>
@@ -9338,7 +9604,7 @@
         <p:spPr>
           <a:xfrm>
             <a:off x="984600" y="2038680"/>
-            <a:ext cx="10222200" cy="79920"/>
+            <a:ext cx="10221840" cy="79560"/>
           </a:xfrm>
           <a:prstGeom prst="rect">
             <a:avLst/>
@@ -9382,7 +9648,7 @@
         <p:spPr>
           <a:xfrm>
             <a:off x="1069920" y="484560"/>
-            <a:ext cx="10057680" cy="1608480"/>
+            <a:ext cx="10057320" cy="1608120"/>
           </a:xfrm>
           <a:prstGeom prst="rect">
             <a:avLst/>
@@ -9428,7 +9694,7 @@
         <p:spPr>
           <a:xfrm>
             <a:off x="1069920" y="2320560"/>
-            <a:ext cx="10057680" cy="3850920"/>
+            <a:ext cx="10057320" cy="3850560"/>
           </a:xfrm>
           <a:prstGeom prst="rect">
             <a:avLst/>
@@ -9523,7 +9789,7 @@
         <p:spPr>
           <a:xfrm>
             <a:off x="11401560" y="6229800"/>
-            <a:ext cx="456480" cy="456480"/>
+            <a:ext cx="456120" cy="456120"/>
           </a:xfrm>
           <a:prstGeom prst="ellipse">
             <a:avLst/>
@@ -9553,7 +9819,7 @@
         <p:spPr>
           <a:xfrm>
             <a:off x="11431080" y="6258960"/>
-            <a:ext cx="398160" cy="398160"/>
+            <a:ext cx="397800" cy="397800"/>
           </a:xfrm>
           <a:prstGeom prst="ellipse">
             <a:avLst/>
@@ -9582,7 +9848,7 @@
         <p:spPr>
           <a:xfrm>
             <a:off x="3281040" y="5056200"/>
-            <a:ext cx="5664960" cy="671760"/>
+            <a:ext cx="5664600" cy="671400"/>
           </a:xfrm>
           <a:prstGeom prst="cloud">
             <a:avLst/>
@@ -9624,7 +9890,7 @@
         <p:spPr>
           <a:xfrm>
             <a:off x="3052440" y="6185520"/>
-            <a:ext cx="6086160" cy="363960"/>
+            <a:ext cx="6085800" cy="363960"/>
           </a:xfrm>
           <a:prstGeom prst="rect">
             <a:avLst/>
@@ -9678,7 +9944,7 @@
         <p:spPr>
           <a:xfrm>
             <a:off x="3021120" y="3429000"/>
-            <a:ext cx="5924880" cy="671760"/>
+            <a:ext cx="5924520" cy="671400"/>
           </a:xfrm>
           <a:prstGeom prst="rect">
             <a:avLst/>
@@ -9717,7 +9983,7 @@
         <p:spPr>
           <a:xfrm>
             <a:off x="3021120" y="4101480"/>
-            <a:ext cx="5924880" cy="682200"/>
+            <a:ext cx="5924520" cy="681840"/>
           </a:xfrm>
           <a:prstGeom prst="roundRect">
             <a:avLst>
@@ -9784,7 +10050,7 @@
         <p:spPr>
           <a:xfrm>
             <a:off x="3281040" y="3533760"/>
-            <a:ext cx="5664960" cy="638280"/>
+            <a:ext cx="5664600" cy="638280"/>
           </a:xfrm>
           <a:prstGeom prst="rect">
             <a:avLst/>
@@ -9846,7 +10112,7 @@
         <p:spPr>
           <a:xfrm>
             <a:off x="4706640" y="4784400"/>
-            <a:ext cx="360" cy="1292760"/>
+            <a:ext cx="360" cy="1292400"/>
           </a:xfrm>
           <a:custGeom>
             <a:avLst/>
@@ -9895,7 +10161,7 @@
         <p:spPr>
           <a:xfrm flipV="1">
             <a:off x="7401960" y="4783680"/>
-            <a:ext cx="360" cy="1303560"/>
+            <a:ext cx="360" cy="1303200"/>
           </a:xfrm>
           <a:custGeom>
             <a:avLst/>
@@ -9944,7 +10210,7 @@
         <p:spPr>
           <a:xfrm>
             <a:off x="9315720" y="3861360"/>
-            <a:ext cx="2542320" cy="637200"/>
+            <a:ext cx="2541960" cy="637200"/>
           </a:xfrm>
           <a:prstGeom prst="rect">
             <a:avLst/>
@@ -9995,8 +10261,8 @@
         </p:nvSpPr>
         <p:spPr>
           <a:xfrm flipH="1">
-            <a:off x="9027360" y="4092120"/>
-            <a:ext cx="574560" cy="8640"/>
+            <a:off x="9026640" y="4092120"/>
+            <a:ext cx="574200" cy="8280"/>
           </a:xfrm>
           <a:custGeom>
             <a:avLst/>
@@ -10079,7 +10345,7 @@
         <p:spPr>
           <a:xfrm>
             <a:off x="1069920" y="484560"/>
-            <a:ext cx="10057680" cy="1608480"/>
+            <a:ext cx="10057320" cy="1608120"/>
           </a:xfrm>
           <a:prstGeom prst="rect">
             <a:avLst/>
@@ -12575,7 +12841,7 @@
         <p:spPr>
           <a:xfrm>
             <a:off x="1069920" y="484560"/>
-            <a:ext cx="10057680" cy="1608480"/>
+            <a:ext cx="10057320" cy="1608120"/>
           </a:xfrm>
           <a:prstGeom prst="rect">
             <a:avLst/>
@@ -12621,7 +12887,7 @@
         <p:spPr>
           <a:xfrm>
             <a:off x="1069920" y="2121480"/>
-            <a:ext cx="10057680" cy="4050000"/>
+            <a:ext cx="10057320" cy="4049640"/>
           </a:xfrm>
           <a:prstGeom prst="rect">
             <a:avLst/>
